--- a/Slides/CSharp-6-New-Language-Features.pptx
+++ b/Slides/CSharp-6-New-Language-Features.pptx
@@ -132,6 +132,9 @@
     <p:ext uri="{EFAFB233-063F-42B5-8137-9DF3F51BA10A}">
       <p15:sldGuideLst xmlns:p15="http://schemas.microsoft.com/office/powerpoint/2012/main"/>
     </p:ext>
+    <p:ext uri="{2D200454-40CA-4A62-9FC3-DE9A4176ACB9}">
+      <p15:notesGuideLst xmlns:p15="http://schemas.microsoft.com/office/powerpoint/2012/main"/>
+    </p:ext>
   </p:extLst>
 </p:presentation>
 </file>
@@ -218,7 +221,7 @@
           <a:p>
             <a:fld id="{33E5E0E6-2657-4385-902D-2810122CB8F7}" type="datetimeFigureOut">
               <a:rPr lang="en-US" smtClean="0"/>
-              <a:t>2/7/2016</a:t>
+              <a:t>2/9/2016</a:t>
             </a:fld>
             <a:endParaRPr lang="en-US"/>
           </a:p>
@@ -1446,7 +1449,7 @@
           <a:p>
             <a:fld id="{0EE1B543-F909-4FF1-B2FE-428AB4A87B52}" type="datetime1">
               <a:rPr lang="en-US" smtClean="0"/>
-              <a:t>2/7/2016</a:t>
+              <a:t>2/9/2016</a:t>
             </a:fld>
             <a:endParaRPr lang="en-US" dirty="0"/>
           </a:p>
@@ -1617,13 +1620,6 @@
   <p:clrMapOvr>
     <a:masterClrMapping/>
   </p:clrMapOvr>
-  <p:timing>
-    <p:tnLst>
-      <p:par>
-        <p:cTn id="1" dur="indefinite" restart="never" nodeType="tmRoot"/>
-      </p:par>
-    </p:tnLst>
-  </p:timing>
 </p:sldLayout>
 </file>
 
@@ -1736,7 +1732,7 @@
           <a:p>
             <a:fld id="{B6E37EB7-D403-45A2-AB5E-D280C516BC85}" type="datetime1">
               <a:rPr lang="en-US" smtClean="0"/>
-              <a:t>2/7/2016</a:t>
+              <a:t>2/9/2016</a:t>
             </a:fld>
             <a:endParaRPr lang="en-US" dirty="0"/>
           </a:p>
@@ -1897,13 +1893,6 @@
   <p:clrMapOvr>
     <a:masterClrMapping/>
   </p:clrMapOvr>
-  <p:timing>
-    <p:tnLst>
-      <p:par>
-        <p:cTn id="1" dur="indefinite" restart="never" nodeType="tmRoot"/>
-      </p:par>
-    </p:tnLst>
-  </p:timing>
 </p:sldLayout>
 </file>
 
@@ -2030,7 +2019,7 @@
           <a:p>
             <a:fld id="{78D6D4BB-0428-4E19-B8E6-33EBEF93452B}" type="datetime1">
               <a:rPr lang="en-US" smtClean="0"/>
-              <a:t>2/7/2016</a:t>
+              <a:t>2/9/2016</a:t>
             </a:fld>
             <a:endParaRPr lang="en-US" dirty="0"/>
           </a:p>
@@ -2191,13 +2180,6 @@
   <p:clrMapOvr>
     <a:masterClrMapping/>
   </p:clrMapOvr>
-  <p:timing>
-    <p:tnLst>
-      <p:par>
-        <p:cTn id="1" dur="indefinite" restart="never" nodeType="tmRoot"/>
-      </p:par>
-    </p:tnLst>
-  </p:timing>
 </p:sldLayout>
 </file>
 
@@ -2314,7 +2296,7 @@
           <a:p>
             <a:fld id="{E2EB21BC-B6B7-45A0-831A-39A08F64FEEE}" type="datetime1">
               <a:rPr lang="en-US" smtClean="0"/>
-              <a:t>2/7/2016</a:t>
+              <a:t>2/9/2016</a:t>
             </a:fld>
             <a:endParaRPr lang="en-US" dirty="0"/>
           </a:p>
@@ -2479,13 +2461,6 @@
   <p:clrMapOvr>
     <a:masterClrMapping/>
   </p:clrMapOvr>
-  <p:timing>
-    <p:tnLst>
-      <p:par>
-        <p:cTn id="1" dur="indefinite" restart="never" nodeType="tmRoot"/>
-      </p:par>
-    </p:tnLst>
-  </p:timing>
 </p:sldLayout>
 </file>
 
@@ -2676,7 +2651,7 @@
           <a:p>
             <a:fld id="{D01B1534-8D07-4037-A73D-B2B2270F597C}" type="datetime1">
               <a:rPr lang="en-US" smtClean="0"/>
-              <a:t>2/7/2016</a:t>
+              <a:t>2/9/2016</a:t>
             </a:fld>
             <a:endParaRPr lang="en-US" dirty="0"/>
           </a:p>
@@ -2837,13 +2812,6 @@
   <p:clrMapOvr>
     <a:masterClrMapping/>
   </p:clrMapOvr>
-  <p:timing>
-    <p:tnLst>
-      <p:par>
-        <p:cTn id="1" dur="indefinite" restart="never" nodeType="tmRoot"/>
-      </p:par>
-    </p:tnLst>
-  </p:timing>
 </p:sldLayout>
 </file>
 
@@ -3023,7 +2991,7 @@
           <a:p>
             <a:fld id="{3BA250D4-12A0-43C8-A1CF-99BCBDD8B988}" type="datetime1">
               <a:rPr lang="en-US" smtClean="0"/>
-              <a:t>2/7/2016</a:t>
+              <a:t>2/9/2016</a:t>
             </a:fld>
             <a:endParaRPr lang="en-US" dirty="0"/>
           </a:p>
@@ -3184,13 +3152,6 @@
   <p:clrMapOvr>
     <a:masterClrMapping/>
   </p:clrMapOvr>
-  <p:timing>
-    <p:tnLst>
-      <p:par>
-        <p:cTn id="1" dur="indefinite" restart="never" nodeType="tmRoot"/>
-      </p:par>
-    </p:tnLst>
-  </p:timing>
 </p:sldLayout>
 </file>
 
@@ -3518,7 +3479,7 @@
           <a:p>
             <a:fld id="{E59661DB-8378-4CD0-AFBE-01F12CFCF0EB}" type="datetime1">
               <a:rPr lang="en-US" smtClean="0"/>
-              <a:t>2/7/2016</a:t>
+              <a:t>2/9/2016</a:t>
             </a:fld>
             <a:endParaRPr lang="en-US" dirty="0"/>
           </a:p>
@@ -3679,13 +3640,6 @@
   <p:clrMapOvr>
     <a:masterClrMapping/>
   </p:clrMapOvr>
-  <p:timing>
-    <p:tnLst>
-      <p:par>
-        <p:cTn id="1" dur="indefinite" restart="never" nodeType="tmRoot"/>
-      </p:par>
-    </p:tnLst>
-  </p:timing>
 </p:sldLayout>
 </file>
 
@@ -3746,7 +3700,7 @@
           <a:p>
             <a:fld id="{47978105-B0CE-4596-84BB-C9F093A62A71}" type="datetime1">
               <a:rPr lang="en-US" smtClean="0"/>
-              <a:t>2/7/2016</a:t>
+              <a:t>2/9/2016</a:t>
             </a:fld>
             <a:endParaRPr lang="en-US" dirty="0"/>
           </a:p>
@@ -3907,13 +3861,6 @@
   <p:clrMapOvr>
     <a:masterClrMapping/>
   </p:clrMapOvr>
-  <p:timing>
-    <p:tnLst>
-      <p:par>
-        <p:cTn id="1" dur="indefinite" restart="never" nodeType="tmRoot"/>
-      </p:par>
-    </p:tnLst>
-  </p:timing>
 </p:sldLayout>
 </file>
 
@@ -3951,7 +3898,7 @@
           <a:p>
             <a:fld id="{525E11DF-B9CA-48C5-81E6-337899557DC2}" type="datetime1">
               <a:rPr lang="en-US" smtClean="0"/>
-              <a:t>2/7/2016</a:t>
+              <a:t>2/9/2016</a:t>
             </a:fld>
             <a:endParaRPr lang="en-US" dirty="0"/>
           </a:p>
@@ -4072,13 +4019,6 @@
   <p:clrMapOvr>
     <a:masterClrMapping/>
   </p:clrMapOvr>
-  <p:timing>
-    <p:tnLst>
-      <p:par>
-        <p:cTn id="1" dur="indefinite" restart="never" nodeType="tmRoot"/>
-      </p:par>
-    </p:tnLst>
-  </p:timing>
 </p:sldLayout>
 </file>
 
@@ -4272,7 +4212,7 @@
           <a:p>
             <a:fld id="{4803EA06-4E45-4653-A29C-5A7E490F3733}" type="datetime1">
               <a:rPr lang="en-US" smtClean="0"/>
-              <a:t>2/7/2016</a:t>
+              <a:t>2/9/2016</a:t>
             </a:fld>
             <a:endParaRPr lang="en-US" dirty="0"/>
           </a:p>
@@ -4433,13 +4373,6 @@
   <p:clrMapOvr>
     <a:masterClrMapping/>
   </p:clrMapOvr>
-  <p:timing>
-    <p:tnLst>
-      <p:par>
-        <p:cTn id="1" dur="indefinite" restart="never" nodeType="tmRoot"/>
-      </p:par>
-    </p:tnLst>
-  </p:timing>
 </p:sldLayout>
 </file>
 
@@ -4802,7 +4735,7 @@
           <a:p>
             <a:fld id="{2DB3552D-7290-43DD-AD07-60F561629260}" type="datetime1">
               <a:rPr lang="en-US" smtClean="0"/>
-              <a:t>2/7/2016</a:t>
+              <a:t>2/9/2016</a:t>
             </a:fld>
             <a:endParaRPr lang="en-US" dirty="0"/>
           </a:p>
@@ -4973,13 +4906,6 @@
   <p:clrMapOvr>
     <a:masterClrMapping/>
   </p:clrMapOvr>
-  <p:timing>
-    <p:tnLst>
-      <p:par>
-        <p:cTn id="1" dur="indefinite" restart="never" nodeType="tmRoot"/>
-      </p:par>
-    </p:tnLst>
-  </p:timing>
 </p:sldLayout>
 </file>
 
@@ -5253,7 +5179,7 @@
           <a:p>
             <a:fld id="{BC367024-4554-4F1F-91AB-08006E299A3C}" type="datetime1">
               <a:rPr lang="en-US" smtClean="0"/>
-              <a:t>2/7/2016</a:t>
+              <a:t>2/9/2016</a:t>
             </a:fld>
             <a:endParaRPr lang="en-US" dirty="0"/>
           </a:p>
@@ -5420,13 +5346,6 @@
     <p:sldLayoutId id="2147483658" r:id="rId10"/>
     <p:sldLayoutId id="2147483659" r:id="rId11"/>
   </p:sldLayoutIdLst>
-  <p:timing>
-    <p:tnLst>
-      <p:par>
-        <p:cTn id="1" dur="indefinite" restart="never" nodeType="tmRoot"/>
-      </p:par>
-    </p:tnLst>
-  </p:timing>
   <p:hf sldNum="0" hdr="0" ftr="0" dt="0"/>
   <p:txStyles>
     <p:titleStyle>
@@ -5849,13 +5768,6 @@
   <p:clrMapOvr>
     <a:masterClrMapping/>
   </p:clrMapOvr>
-  <p:timing>
-    <p:tnLst>
-      <p:par>
-        <p:cTn id="1" dur="indefinite" restart="never" nodeType="tmRoot"/>
-      </p:par>
-    </p:tnLst>
-  </p:timing>
 </p:sld>
 </file>
 
@@ -6916,13 +6828,6 @@
   <p:clrMapOvr>
     <a:masterClrMapping/>
   </p:clrMapOvr>
-  <p:timing>
-    <p:tnLst>
-      <p:par>
-        <p:cTn id="1" dur="indefinite" restart="never" nodeType="tmRoot"/>
-      </p:par>
-    </p:tnLst>
-  </p:timing>
 </p:sld>
 </file>
 
@@ -8130,13 +8035,6 @@
   <p:clrMapOvr>
     <a:masterClrMapping/>
   </p:clrMapOvr>
-  <p:timing>
-    <p:tnLst>
-      <p:par>
-        <p:cTn id="1" dur="indefinite" restart="never" nodeType="tmRoot"/>
-      </p:par>
-    </p:tnLst>
-  </p:timing>
 </p:sld>
 </file>
 
@@ -8817,13 +8715,6 @@
   <p:clrMapOvr>
     <a:masterClrMapping/>
   </p:clrMapOvr>
-  <p:timing>
-    <p:tnLst>
-      <p:par>
-        <p:cTn id="1" dur="indefinite" restart="never" nodeType="tmRoot"/>
-      </p:par>
-    </p:tnLst>
-  </p:timing>
 </p:sld>
 </file>
 
@@ -8924,13 +8815,6 @@
   <p:clrMapOvr>
     <a:masterClrMapping/>
   </p:clrMapOvr>
-  <p:timing>
-    <p:tnLst>
-      <p:par>
-        <p:cTn id="1" dur="indefinite" restart="never" nodeType="tmRoot"/>
-      </p:par>
-    </p:tnLst>
-  </p:timing>
 </p:sld>
 </file>
 
@@ -10050,13 +9934,6 @@
   <p:clrMapOvr>
     <a:masterClrMapping/>
   </p:clrMapOvr>
-  <p:timing>
-    <p:tnLst>
-      <p:par>
-        <p:cTn id="1" dur="indefinite" restart="never" nodeType="tmRoot"/>
-      </p:par>
-    </p:tnLst>
-  </p:timing>
 </p:sld>
 </file>
 
@@ -10693,13 +10570,6 @@
   <p:clrMapOvr>
     <a:masterClrMapping/>
   </p:clrMapOvr>
-  <p:timing>
-    <p:tnLst>
-      <p:par>
-        <p:cTn id="1" dur="indefinite" restart="never" nodeType="tmRoot"/>
-      </p:par>
-    </p:tnLst>
-  </p:timing>
 </p:sld>
 </file>
 
@@ -11189,13 +11059,6 @@
   <p:clrMapOvr>
     <a:masterClrMapping/>
   </p:clrMapOvr>
-  <p:timing>
-    <p:tnLst>
-      <p:par>
-        <p:cTn id="1" dur="indefinite" restart="never" nodeType="tmRoot"/>
-      </p:par>
-    </p:tnLst>
-  </p:timing>
 </p:sld>
 </file>
 
@@ -11284,13 +11147,6 @@
   <p:clrMapOvr>
     <a:masterClrMapping/>
   </p:clrMapOvr>
-  <p:timing>
-    <p:tnLst>
-      <p:par>
-        <p:cTn id="1" dur="indefinite" restart="never" nodeType="tmRoot"/>
-      </p:par>
-    </p:tnLst>
-  </p:timing>
 </p:sld>
 </file>
 
@@ -12142,13 +11998,6 @@
   <p:clrMapOvr>
     <a:masterClrMapping/>
   </p:clrMapOvr>
-  <p:timing>
-    <p:tnLst>
-      <p:par>
-        <p:cTn id="1" dur="indefinite" restart="never" nodeType="tmRoot"/>
-      </p:par>
-    </p:tnLst>
-  </p:timing>
 </p:sld>
 </file>
 
@@ -12794,13 +12643,6 @@
   <p:clrMapOvr>
     <a:masterClrMapping/>
   </p:clrMapOvr>
-  <p:timing>
-    <p:tnLst>
-      <p:par>
-        <p:cTn id="1" dur="indefinite" restart="never" nodeType="tmRoot"/>
-      </p:par>
-    </p:tnLst>
-  </p:timing>
 </p:sld>
 </file>
 
@@ -12872,16 +12714,11 @@
               <a:rPr lang="en-US" i="1" dirty="0" smtClean="0"/>
               <a:t>InfoCraft.net</a:t>
             </a:r>
-            <a:endParaRPr lang="en-US" i="1" dirty="0" smtClean="0"/>
           </a:p>
           <a:p>
             <a:r>
               <a:rPr lang="en-US" dirty="0" smtClean="0"/>
-              <a:t>North </a:t>
-            </a:r>
-            <a:r>
-              <a:rPr lang="en-US" dirty="0" smtClean="0"/>
-              <a:t>Houston </a:t>
+              <a:t>North Houston </a:t>
             </a:r>
             <a:r>
               <a:rPr lang="en-US" dirty="0" err="1" smtClean="0"/>
@@ -13001,13 +12838,6 @@
       <p:transition spd="slow"/>
     </mc:Fallback>
   </mc:AlternateContent>
-  <p:timing>
-    <p:tnLst>
-      <p:par>
-        <p:cTn id="1" dur="indefinite" restart="never" nodeType="tmRoot"/>
-      </p:par>
-    </p:tnLst>
-  </p:timing>
 </p:sld>
 </file>
 
@@ -13827,13 +13657,6 @@
   <p:clrMapOvr>
     <a:masterClrMapping/>
   </p:clrMapOvr>
-  <p:timing>
-    <p:tnLst>
-      <p:par>
-        <p:cTn id="1" dur="indefinite" restart="never" nodeType="tmRoot"/>
-      </p:par>
-    </p:tnLst>
-  </p:timing>
 </p:sld>
 </file>
 
@@ -14181,13 +14004,6 @@
   <p:clrMapOvr>
     <a:masterClrMapping/>
   </p:clrMapOvr>
-  <p:timing>
-    <p:tnLst>
-      <p:par>
-        <p:cTn id="1" dur="indefinite" restart="never" nodeType="tmRoot"/>
-      </p:par>
-    </p:tnLst>
-  </p:timing>
 </p:sld>
 </file>
 
@@ -14309,13 +14125,7 @@
               <a:rPr lang="en-US">
                 <a:hlinkClick r:id="rId4"/>
               </a:rPr>
-              <a:t>https</a:t>
-            </a:r>
-            <a:r>
-              <a:rPr lang="en-US">
-                <a:hlinkClick r:id="rId4"/>
-              </a:rPr>
-              <a:t>://</a:t>
+              <a:t>https://</a:t>
             </a:r>
             <a:r>
               <a:rPr lang="en-US" smtClean="0">
@@ -14323,10 +14133,39 @@
               </a:rPr>
               <a:t>github.com/jmreynolds/CSharp-6-New-Language-Features</a:t>
             </a:r>
+            <a:r>
+              <a:rPr lang="en-US"/>
+              <a:t/>
+            </a:r>
+            <a:br>
+              <a:rPr lang="en-US"/>
+            </a:br>
+            <a:r>
+              <a:rPr lang="en-US">
+                <a:hlinkClick r:id="rId5"/>
+              </a:rPr>
+              <a:t>http://</a:t>
+            </a:r>
+            <a:r>
+              <a:rPr lang="en-US">
+                <a:hlinkClick r:id="rId5"/>
+              </a:rPr>
+              <a:t>jmreynolds.github.io/CSharp-6-New-Language-Features</a:t>
+            </a:r>
+            <a:r>
+              <a:rPr lang="en-US" smtClean="0">
+                <a:hlinkClick r:id="rId5"/>
+              </a:rPr>
+              <a:t>/</a:t>
+            </a:r>
+            <a:r>
+              <a:rPr lang="en-US" smtClean="0"/>
+              <a:t> </a:t>
+            </a:r>
             <a:endParaRPr lang="en-US" smtClean="0"/>
           </a:p>
           <a:p>
-            <a:endParaRPr lang="en-US"/>
+            <a:endParaRPr lang="en-US" dirty="0"/>
           </a:p>
         </p:txBody>
       </p:sp>
@@ -14340,13 +14179,6 @@
   <p:clrMapOvr>
     <a:masterClrMapping/>
   </p:clrMapOvr>
-  <p:timing>
-    <p:tnLst>
-      <p:par>
-        <p:cTn id="1" dur="indefinite" restart="never" nodeType="tmRoot"/>
-      </p:par>
-    </p:tnLst>
-  </p:timing>
 </p:sld>
 </file>
 
@@ -14955,13 +14787,6 @@
   <p:clrMapOvr>
     <a:masterClrMapping/>
   </p:clrMapOvr>
-  <p:timing>
-    <p:tnLst>
-      <p:par>
-        <p:cTn id="1" dur="indefinite" restart="never" nodeType="tmRoot"/>
-      </p:par>
-    </p:tnLst>
-  </p:timing>
 </p:sld>
 </file>
 
@@ -15453,13 +15278,6 @@
   <p:clrMapOvr>
     <a:masterClrMapping/>
   </p:clrMapOvr>
-  <p:timing>
-    <p:tnLst>
-      <p:par>
-        <p:cTn id="1" dur="indefinite" restart="never" nodeType="tmRoot"/>
-      </p:par>
-    </p:tnLst>
-  </p:timing>
 </p:sld>
 </file>
 
@@ -15608,13 +15426,6 @@
   <p:clrMapOvr>
     <a:masterClrMapping/>
   </p:clrMapOvr>
-  <p:timing>
-    <p:tnLst>
-      <p:par>
-        <p:cTn id="1" dur="indefinite" restart="never" nodeType="tmRoot"/>
-      </p:par>
-    </p:tnLst>
-  </p:timing>
 </p:sld>
 </file>
 
@@ -17098,13 +16909,6 @@
   <p:clrMapOvr>
     <a:masterClrMapping/>
   </p:clrMapOvr>
-  <p:timing>
-    <p:tnLst>
-      <p:par>
-        <p:cTn id="1" dur="indefinite" restart="never" nodeType="tmRoot"/>
-      </p:par>
-    </p:tnLst>
-  </p:timing>
 </p:sld>
 </file>
 
@@ -18859,13 +18663,6 @@
   <p:clrMapOvr>
     <a:masterClrMapping/>
   </p:clrMapOvr>
-  <p:timing>
-    <p:tnLst>
-      <p:par>
-        <p:cTn id="1" dur="indefinite" restart="never" nodeType="tmRoot"/>
-      </p:par>
-    </p:tnLst>
-  </p:timing>
 </p:sld>
 </file>
 
@@ -19978,13 +19775,6 @@
   <p:clrMapOvr>
     <a:masterClrMapping/>
   </p:clrMapOvr>
-  <p:timing>
-    <p:tnLst>
-      <p:par>
-        <p:cTn id="1" dur="indefinite" restart="never" nodeType="tmRoot"/>
-      </p:par>
-    </p:tnLst>
-  </p:timing>
 </p:sld>
 </file>
 
@@ -22035,13 +21825,6 @@
   <p:clrMapOvr>
     <a:masterClrMapping/>
   </p:clrMapOvr>
-  <p:timing>
-    <p:tnLst>
-      <p:par>
-        <p:cTn id="1" dur="indefinite" restart="never" nodeType="tmRoot"/>
-      </p:par>
-    </p:tnLst>
-  </p:timing>
 </p:sld>
 </file>
 

--- a/Slides/CSharp-6-New-Language-Features.pptx
+++ b/Slides/CSharp-6-New-Language-Features.pptx
@@ -222,7 +222,7 @@
           <a:p>
             <a:fld id="{33E5E0E6-2657-4385-902D-2810122CB8F7}" type="datetimeFigureOut">
               <a:rPr lang="en-US" smtClean="0"/>
-              <a:t>2/25/2016</a:t>
+              <a:t>4/27/2016</a:t>
             </a:fld>
             <a:endParaRPr lang="en-US"/>
           </a:p>
@@ -286,38 +286,37 @@
           <a:p>
             <a:pPr lvl="0"/>
             <a:r>
-              <a:rPr lang="en-US" smtClean="0"/>
+              <a:rPr lang="en-US"/>
               <a:t>Edit Master text styles</a:t>
             </a:r>
           </a:p>
           <a:p>
             <a:pPr lvl="1"/>
             <a:r>
-              <a:rPr lang="en-US" smtClean="0"/>
+              <a:rPr lang="en-US"/>
               <a:t>Second level</a:t>
             </a:r>
           </a:p>
           <a:p>
             <a:pPr lvl="2"/>
             <a:r>
-              <a:rPr lang="en-US" smtClean="0"/>
+              <a:rPr lang="en-US"/>
               <a:t>Third level</a:t>
             </a:r>
           </a:p>
           <a:p>
             <a:pPr lvl="3"/>
             <a:r>
-              <a:rPr lang="en-US" smtClean="0"/>
+              <a:rPr lang="en-US"/>
               <a:t>Fourth level</a:t>
             </a:r>
           </a:p>
           <a:p>
             <a:pPr lvl="4"/>
             <a:r>
-              <a:rPr lang="en-US" smtClean="0"/>
+              <a:rPr lang="en-US"/>
               <a:t>Fifth level</a:t>
             </a:r>
-            <a:endParaRPr lang="en-US"/>
           </a:p>
         </p:txBody>
       </p:sp>
@@ -535,19 +534,19 @@
           <a:lstStyle/>
           <a:p>
             <a:r>
-              <a:rPr lang="en-US" dirty="0" smtClean="0"/>
+              <a:rPr lang="en-US" dirty="0"/>
               <a:t>CLR: I have personally run most of these features</a:t>
             </a:r>
             <a:r>
-              <a:rPr lang="en-US" baseline="0" dirty="0" smtClean="0"/>
+              <a:rPr lang="en-US" baseline="0" dirty="0"/>
               <a:t> as far back as </a:t>
             </a:r>
             <a:r>
-              <a:rPr lang="en-US" baseline="0" dirty="0" err="1" smtClean="0"/>
+              <a:rPr lang="en-US" baseline="0" dirty="0" err="1"/>
               <a:t>.Net</a:t>
             </a:r>
             <a:r>
-              <a:rPr lang="en-US" baseline="0" dirty="0" smtClean="0"/>
+              <a:rPr lang="en-US" baseline="0" dirty="0"/>
               <a:t> 2 – and really, who wants to go further back than that.</a:t>
             </a:r>
             <a:endParaRPr lang="en-US" dirty="0"/>
@@ -581,6 +580,106 @@
     <p:extLst>
       <p:ext uri="{BB962C8B-B14F-4D97-AF65-F5344CB8AC3E}">
         <p14:creationId xmlns:p14="http://schemas.microsoft.com/office/powerpoint/2010/main" val="3851141357"/>
+      </p:ext>
+    </p:extLst>
+  </p:cSld>
+  <p:clrMapOvr>
+    <a:masterClrMapping/>
+  </p:clrMapOvr>
+</p:notes>
+</file>
+
+<file path=ppt/notesSlides/notesSlide10.xml><?xml version="1.0" encoding="utf-8"?>
+<p:notes xmlns:a="http://schemas.openxmlformats.org/drawingml/2006/main" xmlns:r="http://schemas.openxmlformats.org/officeDocument/2006/relationships" xmlns:p="http://schemas.openxmlformats.org/presentationml/2006/main">
+  <p:cSld>
+    <p:spTree>
+      <p:nvGrpSpPr>
+        <p:cNvPr id="1" name=""/>
+        <p:cNvGrpSpPr/>
+        <p:nvPr/>
+      </p:nvGrpSpPr>
+      <p:grpSpPr>
+        <a:xfrm>
+          <a:off x="0" y="0"/>
+          <a:ext cx="0" cy="0"/>
+          <a:chOff x="0" y="0"/>
+          <a:chExt cx="0" cy="0"/>
+        </a:xfrm>
+      </p:grpSpPr>
+      <p:sp>
+        <p:nvSpPr>
+          <p:cNvPr id="2" name="Slide Image Placeholder 1"/>
+          <p:cNvSpPr>
+            <a:spLocks noGrp="1" noRot="1" noChangeAspect="1"/>
+          </p:cNvSpPr>
+          <p:nvPr>
+            <p:ph type="sldImg"/>
+          </p:nvPr>
+        </p:nvSpPr>
+        <p:spPr/>
+      </p:sp>
+      <p:sp>
+        <p:nvSpPr>
+          <p:cNvPr id="3" name="Notes Placeholder 2"/>
+          <p:cNvSpPr>
+            <a:spLocks noGrp="1"/>
+          </p:cNvSpPr>
+          <p:nvPr>
+            <p:ph type="body" idx="1"/>
+          </p:nvPr>
+        </p:nvSpPr>
+        <p:spPr/>
+        <p:txBody>
+          <a:bodyPr/>
+          <a:lstStyle/>
+          <a:p>
+            <a:r>
+              <a:rPr lang="en-US" dirty="0"/>
+              <a:t>CLR: I have personally run most of these features</a:t>
+            </a:r>
+            <a:r>
+              <a:rPr lang="en-US" baseline="0" dirty="0"/>
+              <a:t> as far back as </a:t>
+            </a:r>
+            <a:r>
+              <a:rPr lang="en-US" baseline="0" dirty="0" err="1"/>
+              <a:t>.Net</a:t>
+            </a:r>
+            <a:r>
+              <a:rPr lang="en-US" baseline="0" dirty="0"/>
+              <a:t> 2 – and really, who wants to go further back than that.</a:t>
+            </a:r>
+            <a:endParaRPr lang="en-US" dirty="0"/>
+          </a:p>
+        </p:txBody>
+      </p:sp>
+      <p:sp>
+        <p:nvSpPr>
+          <p:cNvPr id="4" name="Slide Number Placeholder 3"/>
+          <p:cNvSpPr>
+            <a:spLocks noGrp="1"/>
+          </p:cNvSpPr>
+          <p:nvPr>
+            <p:ph type="sldNum" sz="quarter" idx="10"/>
+          </p:nvPr>
+        </p:nvSpPr>
+        <p:spPr/>
+        <p:txBody>
+          <a:bodyPr/>
+          <a:lstStyle/>
+          <a:p>
+            <a:fld id="{F7E612C5-6186-400E-A7A8-A33DCA02EA83}" type="slidenum">
+              <a:rPr lang="en-US" smtClean="0"/>
+              <a:t>22</a:t>
+            </a:fld>
+            <a:endParaRPr lang="en-US"/>
+          </a:p>
+        </p:txBody>
+      </p:sp>
+    </p:spTree>
+    <p:extLst>
+      <p:ext uri="{BB962C8B-B14F-4D97-AF65-F5344CB8AC3E}">
+        <p14:creationId xmlns:p14="http://schemas.microsoft.com/office/powerpoint/2010/main" val="3827633124"/>
       </p:ext>
     </p:extLst>
   </p:cSld>
@@ -635,37 +734,37 @@
           <a:lstStyle/>
           <a:p>
             <a:r>
-              <a:rPr lang="en-US" dirty="0" smtClean="0"/>
+              <a:rPr lang="en-US" dirty="0"/>
               <a:t>Frankly, I think this will be fairly niche.</a:t>
             </a:r>
             <a:r>
-              <a:rPr lang="en-US" baseline="0" dirty="0" smtClean="0"/>
+              <a:rPr lang="en-US" baseline="0" dirty="0"/>
               <a:t> I’m not spending a lot of time on it. If you have </a:t>
             </a:r>
             <a:r>
-              <a:rPr lang="en-US" baseline="0" dirty="0" err="1" smtClean="0"/>
+              <a:rPr lang="en-US" baseline="0" dirty="0" err="1"/>
               <a:t>ReSharper</a:t>
             </a:r>
             <a:r>
-              <a:rPr lang="en-US" baseline="0" dirty="0" smtClean="0"/>
+              <a:rPr lang="en-US" baseline="0" dirty="0"/>
               <a:t> installed, you’ll discover it pretty quickly, and you’ll figure out when you want to implement it.</a:t>
             </a:r>
           </a:p>
           <a:p>
-            <a:endParaRPr lang="en-US" baseline="0" dirty="0" smtClean="0"/>
-          </a:p>
-          <a:p>
-            <a:r>
-              <a:rPr lang="en-US" baseline="0" dirty="0" smtClean="0"/>
+            <a:endParaRPr lang="en-US" baseline="0" dirty="0"/>
+          </a:p>
+          <a:p>
+            <a:r>
+              <a:rPr lang="en-US" baseline="0" dirty="0"/>
               <a:t>Honestly, I think the bigger concern is going to be NOT using it when we SHOULDN’T use it. This seems like the kind of thing that could easily get out of control.</a:t>
             </a:r>
           </a:p>
           <a:p>
-            <a:endParaRPr lang="en-US" baseline="0" dirty="0" smtClean="0"/>
-          </a:p>
-          <a:p>
-            <a:r>
-              <a:rPr lang="en-US" baseline="0" dirty="0" smtClean="0"/>
+            <a:endParaRPr lang="en-US" baseline="0" dirty="0"/>
+          </a:p>
+          <a:p>
+            <a:r>
+              <a:rPr lang="en-US" baseline="0" dirty="0"/>
               <a:t>Not my favorite feature.</a:t>
             </a:r>
             <a:endParaRPr lang="en-US" dirty="0"/>
@@ -753,11 +852,11 @@
           <a:lstStyle/>
           <a:p>
             <a:r>
-              <a:rPr lang="en-US" dirty="0" smtClean="0"/>
+              <a:rPr lang="en-US" dirty="0"/>
               <a:t>Not a significant difference – and could ACTUALLY</a:t>
             </a:r>
             <a:r>
-              <a:rPr lang="en-US" baseline="0" dirty="0" smtClean="0"/>
+              <a:rPr lang="en-US" baseline="0" dirty="0"/>
               <a:t> cause issues if not careful.</a:t>
             </a:r>
             <a:endParaRPr lang="en-US" dirty="0"/>
@@ -844,20 +943,6 @@
           <a:bodyPr/>
           <a:lstStyle/>
           <a:p>
-            <a:r>
-              <a:rPr lang="en-US" dirty="0" smtClean="0"/>
-              <a:t>My recommendation – use for quick</a:t>
-            </a:r>
-            <a:r>
-              <a:rPr lang="en-US" baseline="0" dirty="0" smtClean="0"/>
-              <a:t> calculations, short things, delegates… Not for anything longer than about 3 lines.</a:t>
-            </a:r>
-          </a:p>
-          <a:p>
-            <a:r>
-              <a:rPr lang="en-US" baseline="0" dirty="0" smtClean="0"/>
-              <a:t>There’s exceptions to every rule of course… But makes sure they’re the exception, not the rule.</a:t>
-            </a:r>
             <a:endParaRPr lang="en-US" dirty="0"/>
           </a:p>
         </p:txBody>
@@ -879,7 +964,7 @@
           <a:p>
             <a:fld id="{F7E612C5-6186-400E-A7A8-A33DCA02EA83}" type="slidenum">
               <a:rPr lang="en-US" smtClean="0"/>
-              <a:t>13</a:t>
+              <a:t>10</a:t>
             </a:fld>
             <a:endParaRPr lang="en-US"/>
           </a:p>
@@ -888,7 +973,7 @@
     </p:spTree>
     <p:extLst>
       <p:ext uri="{BB962C8B-B14F-4D97-AF65-F5344CB8AC3E}">
-        <p14:creationId xmlns:p14="http://schemas.microsoft.com/office/powerpoint/2010/main" val="703715345"/>
+        <p14:creationId xmlns:p14="http://schemas.microsoft.com/office/powerpoint/2010/main" val="1290976141"/>
       </p:ext>
     </p:extLst>
   </p:cSld>
@@ -942,144 +1027,24 @@
           <a:bodyPr/>
           <a:lstStyle/>
           <a:p>
-            <a:endParaRPr lang="en-US" dirty="0" smtClean="0"/>
-          </a:p>
-          <a:p>
-            <a:r>
-              <a:rPr lang="en-US" dirty="0" smtClean="0"/>
-              <a:t>        private void </a:t>
-            </a:r>
-            <a:r>
-              <a:rPr lang="en-US" dirty="0" err="1" smtClean="0"/>
-              <a:t>SetSoapBody</a:t>
-            </a:r>
-            <a:r>
-              <a:rPr lang="en-US" dirty="0" smtClean="0"/>
-              <a:t>()</a:t>
-            </a:r>
-          </a:p>
-          <a:p>
-            <a:r>
-              <a:rPr lang="en-US" dirty="0" smtClean="0"/>
-              <a:t>        {</a:t>
-            </a:r>
-          </a:p>
-          <a:p>
-            <a:r>
-              <a:rPr lang="en-US" dirty="0" smtClean="0"/>
-              <a:t>            </a:t>
-            </a:r>
-            <a:r>
-              <a:rPr lang="en-US" dirty="0" err="1" smtClean="0"/>
-              <a:t>BaseServiceCall.SoapBody</a:t>
-            </a:r>
-            <a:r>
-              <a:rPr lang="en-US" dirty="0" smtClean="0"/>
-              <a:t> = </a:t>
-            </a:r>
-            <a:r>
-              <a:rPr lang="en-US" dirty="0" err="1" smtClean="0"/>
-              <a:t>string.Format</a:t>
-            </a:r>
-            <a:r>
-              <a:rPr lang="en-US" dirty="0" smtClean="0"/>
-              <a:t>(@"&lt;</a:t>
-            </a:r>
-            <a:r>
-              <a:rPr lang="en-US" dirty="0" err="1" smtClean="0"/>
-              <a:t>soap:Body</a:t>
-            </a:r>
-            <a:r>
-              <a:rPr lang="en-US" dirty="0" smtClean="0"/>
-              <a:t>&gt;</a:t>
-            </a:r>
-          </a:p>
-          <a:p>
-            <a:r>
-              <a:rPr lang="en-US" dirty="0" smtClean="0"/>
-              <a:t>    &lt;</a:t>
-            </a:r>
-            <a:r>
-              <a:rPr lang="en-US" dirty="0" err="1" smtClean="0"/>
-              <a:t>GetCustomerLegalName</a:t>
-            </a:r>
-            <a:r>
-              <a:rPr lang="en-US" dirty="0" smtClean="0"/>
-              <a:t> </a:t>
-            </a:r>
-            <a:r>
-              <a:rPr lang="en-US" dirty="0" err="1" smtClean="0"/>
-              <a:t>xmlns</a:t>
-            </a:r>
-            <a:r>
-              <a:rPr lang="en-US" dirty="0" smtClean="0"/>
-              <a:t>=""http://www.infocraft.net""&gt;</a:t>
-            </a:r>
-          </a:p>
-          <a:p>
-            <a:r>
-              <a:rPr lang="en-US" dirty="0" smtClean="0"/>
-              <a:t>      &lt;</a:t>
-            </a:r>
-            <a:r>
-              <a:rPr lang="en-US" dirty="0" err="1" smtClean="0"/>
-              <a:t>custNo</a:t>
-            </a:r>
-            <a:r>
-              <a:rPr lang="en-US" dirty="0" smtClean="0"/>
-              <a:t>&gt;{0}&lt;/</a:t>
-            </a:r>
-            <a:r>
-              <a:rPr lang="en-US" dirty="0" err="1" smtClean="0"/>
-              <a:t>custNo</a:t>
-            </a:r>
-            <a:r>
-              <a:rPr lang="en-US" dirty="0" smtClean="0"/>
-              <a:t>&gt;</a:t>
-            </a:r>
-          </a:p>
-          <a:p>
-            <a:r>
-              <a:rPr lang="en-US" dirty="0" smtClean="0"/>
-              <a:t>    &lt;/</a:t>
-            </a:r>
-            <a:r>
-              <a:rPr lang="en-US" dirty="0" err="1" smtClean="0"/>
-              <a:t>GetCustomerLegalName</a:t>
-            </a:r>
-            <a:r>
-              <a:rPr lang="en-US" dirty="0" smtClean="0"/>
-              <a:t>&gt;</a:t>
-            </a:r>
-          </a:p>
-          <a:p>
-            <a:r>
-              <a:rPr lang="en-US" dirty="0" smtClean="0"/>
-              <a:t>  &lt;/</a:t>
-            </a:r>
-            <a:r>
-              <a:rPr lang="en-US" dirty="0" err="1" smtClean="0"/>
-              <a:t>soap:Body</a:t>
-            </a:r>
-            <a:r>
-              <a:rPr lang="en-US" dirty="0" smtClean="0"/>
-              <a:t>&gt;", </a:t>
-            </a:r>
-            <a:r>
-              <a:rPr lang="en-US" dirty="0" err="1" smtClean="0"/>
-              <a:t>CustomerNumber</a:t>
-            </a:r>
-            <a:r>
-              <a:rPr lang="en-US" dirty="0" smtClean="0"/>
-              <a:t>);</a:t>
-            </a:r>
-          </a:p>
-          <a:p>
-            <a:r>
-              <a:rPr lang="en-US" dirty="0" smtClean="0"/>
-              <a:t>        }</a:t>
-            </a:r>
-            <a:endParaRPr lang="en-US" dirty="0"/>
+            <a:r>
+              <a:rPr lang="en-US" dirty="0"/>
+              <a:t>Yeah, I know we’re not really protecting against nulls yet…</a:t>
+            </a:r>
+          </a:p>
+          <a:p>
+            <a:r>
+              <a:rPr lang="en-US" dirty="0"/>
+              <a:t>If the </a:t>
+            </a:r>
+            <a:r>
+              <a:rPr lang="en-US" dirty="0" err="1"/>
+              <a:t>CurrentInvoice</a:t>
+            </a:r>
+            <a:r>
+              <a:rPr lang="en-US" dirty="0"/>
+              <a:t> IS null, it’s going to insert “NULL” in each of those places.</a:t>
+            </a:r>
           </a:p>
         </p:txBody>
       </p:sp>
@@ -1100,7 +1065,7 @@
           <a:p>
             <a:fld id="{F7E612C5-6186-400E-A7A8-A33DCA02EA83}" type="slidenum">
               <a:rPr lang="en-US" smtClean="0"/>
-              <a:t>18</a:t>
+              <a:t>11</a:t>
             </a:fld>
             <a:endParaRPr lang="en-US"/>
           </a:p>
@@ -1109,7 +1074,7 @@
     </p:spTree>
     <p:extLst>
       <p:ext uri="{BB962C8B-B14F-4D97-AF65-F5344CB8AC3E}">
-        <p14:creationId xmlns:p14="http://schemas.microsoft.com/office/powerpoint/2010/main" val="3741048254"/>
+        <p14:creationId xmlns:p14="http://schemas.microsoft.com/office/powerpoint/2010/main" val="3363376172"/>
       </p:ext>
     </p:extLst>
   </p:cSld>
@@ -1164,13 +1129,23 @@
           <a:lstStyle/>
           <a:p>
             <a:r>
-              <a:rPr lang="en-US" dirty="0" smtClean="0"/>
-              <a:t>It’s debatable</a:t>
-            </a:r>
-            <a:r>
-              <a:rPr lang="en-US" baseline="0" dirty="0" smtClean="0"/>
-              <a:t> how readable XML is EVER going to be… But still…</a:t>
-            </a:r>
+              <a:rPr lang="en-US" dirty="0"/>
+              <a:t>Honestly, in this case,</a:t>
+            </a:r>
+            <a:r>
+              <a:rPr lang="en-US" baseline="0" dirty="0"/>
+              <a:t> just checking the </a:t>
+            </a:r>
+            <a:r>
+              <a:rPr lang="en-US" baseline="0" dirty="0" err="1"/>
+              <a:t>CurrentInvoice</a:t>
+            </a:r>
+            <a:r>
+              <a:rPr lang="en-US" baseline="0" dirty="0"/>
+              <a:t> at the top is cleaner. That’s fine. This isn’t production code ;)</a:t>
+            </a:r>
+          </a:p>
+          <a:p>
             <a:endParaRPr lang="en-US" dirty="0"/>
           </a:p>
         </p:txBody>
@@ -1192,7 +1167,7 @@
           <a:p>
             <a:fld id="{F7E612C5-6186-400E-A7A8-A33DCA02EA83}" type="slidenum">
               <a:rPr lang="en-US" smtClean="0"/>
-              <a:t>21</a:t>
+              <a:t>12</a:t>
             </a:fld>
             <a:endParaRPr lang="en-US"/>
           </a:p>
@@ -1201,7 +1176,7 @@
     </p:spTree>
     <p:extLst>
       <p:ext uri="{BB962C8B-B14F-4D97-AF65-F5344CB8AC3E}">
-        <p14:creationId xmlns:p14="http://schemas.microsoft.com/office/powerpoint/2010/main" val="74047634"/>
+        <p14:creationId xmlns:p14="http://schemas.microsoft.com/office/powerpoint/2010/main" val="3193896159"/>
       </p:ext>
     </p:extLst>
   </p:cSld>
@@ -1256,20 +1231,18 @@
           <a:lstStyle/>
           <a:p>
             <a:r>
-              <a:rPr lang="en-US" dirty="0" smtClean="0"/>
-              <a:t>CLR: I have personally run most of these features</a:t>
-            </a:r>
-            <a:r>
-              <a:rPr lang="en-US" baseline="0" dirty="0" smtClean="0"/>
-              <a:t> as far back as </a:t>
-            </a:r>
-            <a:r>
-              <a:rPr lang="en-US" baseline="0" dirty="0" err="1" smtClean="0"/>
-              <a:t>.Net</a:t>
-            </a:r>
-            <a:r>
-              <a:rPr lang="en-US" baseline="0" dirty="0" smtClean="0"/>
-              <a:t> 2 – and really, who wants to go further back than that.</a:t>
+              <a:rPr lang="en-US" dirty="0"/>
+              <a:t>My recommendation – use for quick</a:t>
+            </a:r>
+            <a:r>
+              <a:rPr lang="en-US" baseline="0" dirty="0"/>
+              <a:t> calculations, short things, delegates… Not for anything longer than about 3 lines.</a:t>
+            </a:r>
+          </a:p>
+          <a:p>
+            <a:r>
+              <a:rPr lang="en-US" baseline="0" dirty="0"/>
+              <a:t>There’s exceptions to every rule of course… But makes sure they’re the exception, not the rule.</a:t>
             </a:r>
             <a:endParaRPr lang="en-US" dirty="0"/>
           </a:p>
@@ -1292,7 +1265,7 @@
           <a:p>
             <a:fld id="{F7E612C5-6186-400E-A7A8-A33DCA02EA83}" type="slidenum">
               <a:rPr lang="en-US" smtClean="0"/>
-              <a:t>22</a:t>
+              <a:t>13</a:t>
             </a:fld>
             <a:endParaRPr lang="en-US"/>
           </a:p>
@@ -1301,7 +1274,319 @@
     </p:spTree>
     <p:extLst>
       <p:ext uri="{BB962C8B-B14F-4D97-AF65-F5344CB8AC3E}">
-        <p14:creationId xmlns:p14="http://schemas.microsoft.com/office/powerpoint/2010/main" val="3827633124"/>
+        <p14:creationId xmlns:p14="http://schemas.microsoft.com/office/powerpoint/2010/main" val="703715345"/>
+      </p:ext>
+    </p:extLst>
+  </p:cSld>
+  <p:clrMapOvr>
+    <a:masterClrMapping/>
+  </p:clrMapOvr>
+</p:notes>
+</file>
+
+<file path=ppt/notesSlides/notesSlide8.xml><?xml version="1.0" encoding="utf-8"?>
+<p:notes xmlns:a="http://schemas.openxmlformats.org/drawingml/2006/main" xmlns:r="http://schemas.openxmlformats.org/officeDocument/2006/relationships" xmlns:p="http://schemas.openxmlformats.org/presentationml/2006/main">
+  <p:cSld>
+    <p:spTree>
+      <p:nvGrpSpPr>
+        <p:cNvPr id="1" name=""/>
+        <p:cNvGrpSpPr/>
+        <p:nvPr/>
+      </p:nvGrpSpPr>
+      <p:grpSpPr>
+        <a:xfrm>
+          <a:off x="0" y="0"/>
+          <a:ext cx="0" cy="0"/>
+          <a:chOff x="0" y="0"/>
+          <a:chExt cx="0" cy="0"/>
+        </a:xfrm>
+      </p:grpSpPr>
+      <p:sp>
+        <p:nvSpPr>
+          <p:cNvPr id="2" name="Slide Image Placeholder 1"/>
+          <p:cNvSpPr>
+            <a:spLocks noGrp="1" noRot="1" noChangeAspect="1"/>
+          </p:cNvSpPr>
+          <p:nvPr>
+            <p:ph type="sldImg"/>
+          </p:nvPr>
+        </p:nvSpPr>
+        <p:spPr/>
+      </p:sp>
+      <p:sp>
+        <p:nvSpPr>
+          <p:cNvPr id="3" name="Notes Placeholder 2"/>
+          <p:cNvSpPr>
+            <a:spLocks noGrp="1"/>
+          </p:cNvSpPr>
+          <p:nvPr>
+            <p:ph type="body" idx="1"/>
+          </p:nvPr>
+        </p:nvSpPr>
+        <p:spPr/>
+        <p:txBody>
+          <a:bodyPr/>
+          <a:lstStyle/>
+          <a:p>
+            <a:endParaRPr lang="en-US" dirty="0"/>
+          </a:p>
+          <a:p>
+            <a:r>
+              <a:rPr lang="en-US" dirty="0"/>
+              <a:t>        private void </a:t>
+            </a:r>
+            <a:r>
+              <a:rPr lang="en-US" dirty="0" err="1"/>
+              <a:t>SetSoapBody</a:t>
+            </a:r>
+            <a:r>
+              <a:rPr lang="en-US" dirty="0"/>
+              <a:t>()</a:t>
+            </a:r>
+          </a:p>
+          <a:p>
+            <a:r>
+              <a:rPr lang="en-US" dirty="0"/>
+              <a:t>        {</a:t>
+            </a:r>
+          </a:p>
+          <a:p>
+            <a:r>
+              <a:rPr lang="en-US" dirty="0"/>
+              <a:t>            </a:t>
+            </a:r>
+            <a:r>
+              <a:rPr lang="en-US" dirty="0" err="1"/>
+              <a:t>BaseServiceCall.SoapBody</a:t>
+            </a:r>
+            <a:r>
+              <a:rPr lang="en-US" dirty="0"/>
+              <a:t> = </a:t>
+            </a:r>
+            <a:r>
+              <a:rPr lang="en-US" dirty="0" err="1"/>
+              <a:t>string.Format</a:t>
+            </a:r>
+            <a:r>
+              <a:rPr lang="en-US" dirty="0"/>
+              <a:t>(@"&lt;</a:t>
+            </a:r>
+            <a:r>
+              <a:rPr lang="en-US" dirty="0" err="1"/>
+              <a:t>soap:Body</a:t>
+            </a:r>
+            <a:r>
+              <a:rPr lang="en-US" dirty="0"/>
+              <a:t>&gt;</a:t>
+            </a:r>
+          </a:p>
+          <a:p>
+            <a:r>
+              <a:rPr lang="en-US" dirty="0"/>
+              <a:t>    &lt;</a:t>
+            </a:r>
+            <a:r>
+              <a:rPr lang="en-US" dirty="0" err="1"/>
+              <a:t>GetCustomerLegalName</a:t>
+            </a:r>
+            <a:r>
+              <a:rPr lang="en-US" dirty="0"/>
+              <a:t> </a:t>
+            </a:r>
+            <a:r>
+              <a:rPr lang="en-US" dirty="0" err="1"/>
+              <a:t>xmlns</a:t>
+            </a:r>
+            <a:r>
+              <a:rPr lang="en-US" dirty="0"/>
+              <a:t>=""http://www.infocraft.net""&gt;</a:t>
+            </a:r>
+          </a:p>
+          <a:p>
+            <a:r>
+              <a:rPr lang="en-US" dirty="0"/>
+              <a:t>      &lt;</a:t>
+            </a:r>
+            <a:r>
+              <a:rPr lang="en-US" dirty="0" err="1"/>
+              <a:t>custNo</a:t>
+            </a:r>
+            <a:r>
+              <a:rPr lang="en-US" dirty="0"/>
+              <a:t>&gt;{0}&lt;/</a:t>
+            </a:r>
+            <a:r>
+              <a:rPr lang="en-US" dirty="0" err="1"/>
+              <a:t>custNo</a:t>
+            </a:r>
+            <a:r>
+              <a:rPr lang="en-US" dirty="0"/>
+              <a:t>&gt;</a:t>
+            </a:r>
+          </a:p>
+          <a:p>
+            <a:r>
+              <a:rPr lang="en-US" dirty="0"/>
+              <a:t>    &lt;/</a:t>
+            </a:r>
+            <a:r>
+              <a:rPr lang="en-US" dirty="0" err="1"/>
+              <a:t>GetCustomerLegalName</a:t>
+            </a:r>
+            <a:r>
+              <a:rPr lang="en-US" dirty="0"/>
+              <a:t>&gt;</a:t>
+            </a:r>
+          </a:p>
+          <a:p>
+            <a:r>
+              <a:rPr lang="en-US" dirty="0"/>
+              <a:t>  &lt;/</a:t>
+            </a:r>
+            <a:r>
+              <a:rPr lang="en-US" dirty="0" err="1"/>
+              <a:t>soap:Body</a:t>
+            </a:r>
+            <a:r>
+              <a:rPr lang="en-US" dirty="0"/>
+              <a:t>&gt;", </a:t>
+            </a:r>
+            <a:r>
+              <a:rPr lang="en-US" dirty="0" err="1"/>
+              <a:t>CustomerNumber</a:t>
+            </a:r>
+            <a:r>
+              <a:rPr lang="en-US" dirty="0"/>
+              <a:t>);</a:t>
+            </a:r>
+          </a:p>
+          <a:p>
+            <a:r>
+              <a:rPr lang="en-US" dirty="0"/>
+              <a:t>        }</a:t>
+            </a:r>
+          </a:p>
+        </p:txBody>
+      </p:sp>
+      <p:sp>
+        <p:nvSpPr>
+          <p:cNvPr id="4" name="Slide Number Placeholder 3"/>
+          <p:cNvSpPr>
+            <a:spLocks noGrp="1"/>
+          </p:cNvSpPr>
+          <p:nvPr>
+            <p:ph type="sldNum" sz="quarter" idx="10"/>
+          </p:nvPr>
+        </p:nvSpPr>
+        <p:spPr/>
+        <p:txBody>
+          <a:bodyPr/>
+          <a:lstStyle/>
+          <a:p>
+            <a:fld id="{F7E612C5-6186-400E-A7A8-A33DCA02EA83}" type="slidenum">
+              <a:rPr lang="en-US" smtClean="0"/>
+              <a:t>18</a:t>
+            </a:fld>
+            <a:endParaRPr lang="en-US"/>
+          </a:p>
+        </p:txBody>
+      </p:sp>
+    </p:spTree>
+    <p:extLst>
+      <p:ext uri="{BB962C8B-B14F-4D97-AF65-F5344CB8AC3E}">
+        <p14:creationId xmlns:p14="http://schemas.microsoft.com/office/powerpoint/2010/main" val="3741048254"/>
+      </p:ext>
+    </p:extLst>
+  </p:cSld>
+  <p:clrMapOvr>
+    <a:masterClrMapping/>
+  </p:clrMapOvr>
+</p:notes>
+</file>
+
+<file path=ppt/notesSlides/notesSlide9.xml><?xml version="1.0" encoding="utf-8"?>
+<p:notes xmlns:a="http://schemas.openxmlformats.org/drawingml/2006/main" xmlns:r="http://schemas.openxmlformats.org/officeDocument/2006/relationships" xmlns:p="http://schemas.openxmlformats.org/presentationml/2006/main">
+  <p:cSld>
+    <p:spTree>
+      <p:nvGrpSpPr>
+        <p:cNvPr id="1" name=""/>
+        <p:cNvGrpSpPr/>
+        <p:nvPr/>
+      </p:nvGrpSpPr>
+      <p:grpSpPr>
+        <a:xfrm>
+          <a:off x="0" y="0"/>
+          <a:ext cx="0" cy="0"/>
+          <a:chOff x="0" y="0"/>
+          <a:chExt cx="0" cy="0"/>
+        </a:xfrm>
+      </p:grpSpPr>
+      <p:sp>
+        <p:nvSpPr>
+          <p:cNvPr id="2" name="Slide Image Placeholder 1"/>
+          <p:cNvSpPr>
+            <a:spLocks noGrp="1" noRot="1" noChangeAspect="1"/>
+          </p:cNvSpPr>
+          <p:nvPr>
+            <p:ph type="sldImg"/>
+          </p:nvPr>
+        </p:nvSpPr>
+        <p:spPr/>
+      </p:sp>
+      <p:sp>
+        <p:nvSpPr>
+          <p:cNvPr id="3" name="Notes Placeholder 2"/>
+          <p:cNvSpPr>
+            <a:spLocks noGrp="1"/>
+          </p:cNvSpPr>
+          <p:nvPr>
+            <p:ph type="body" idx="1"/>
+          </p:nvPr>
+        </p:nvSpPr>
+        <p:spPr/>
+        <p:txBody>
+          <a:bodyPr/>
+          <a:lstStyle/>
+          <a:p>
+            <a:r>
+              <a:rPr lang="en-US" dirty="0"/>
+              <a:t>It’s debatable</a:t>
+            </a:r>
+            <a:r>
+              <a:rPr lang="en-US" baseline="0" dirty="0"/>
+              <a:t> how readable XML is EVER going to be… But still…</a:t>
+            </a:r>
+            <a:endParaRPr lang="en-US" dirty="0"/>
+          </a:p>
+        </p:txBody>
+      </p:sp>
+      <p:sp>
+        <p:nvSpPr>
+          <p:cNvPr id="4" name="Slide Number Placeholder 3"/>
+          <p:cNvSpPr>
+            <a:spLocks noGrp="1"/>
+          </p:cNvSpPr>
+          <p:nvPr>
+            <p:ph type="sldNum" sz="quarter" idx="10"/>
+          </p:nvPr>
+        </p:nvSpPr>
+        <p:spPr/>
+        <p:txBody>
+          <a:bodyPr/>
+          <a:lstStyle/>
+          <a:p>
+            <a:fld id="{F7E612C5-6186-400E-A7A8-A33DCA02EA83}" type="slidenum">
+              <a:rPr lang="en-US" smtClean="0"/>
+              <a:t>21</a:t>
+            </a:fld>
+            <a:endParaRPr lang="en-US"/>
+          </a:p>
+        </p:txBody>
+      </p:sp>
+    </p:spTree>
+    <p:extLst>
+      <p:ext uri="{BB962C8B-B14F-4D97-AF65-F5344CB8AC3E}">
+        <p14:creationId xmlns:p14="http://schemas.microsoft.com/office/powerpoint/2010/main" val="74047634"/>
       </p:ext>
     </p:extLst>
   </p:cSld>
@@ -1355,7 +1640,7 @@
           </a:lstStyle>
           <a:p>
             <a:r>
-              <a:rPr lang="en-US" smtClean="0"/>
+              <a:rPr lang="en-US"/>
               <a:t>Click to edit Master title style</a:t>
             </a:r>
             <a:endParaRPr lang="en-US" dirty="0"/>
@@ -1426,7 +1711,7 @@
           </a:lstStyle>
           <a:p>
             <a:r>
-              <a:rPr lang="en-US" smtClean="0"/>
+              <a:rPr lang="en-US"/>
               <a:t>Click to edit Master subtitle style</a:t>
             </a:r>
             <a:endParaRPr lang="en-US" dirty="0"/>
@@ -1450,7 +1735,7 @@
           <a:p>
             <a:fld id="{0EE1B543-F909-4FF1-B2FE-428AB4A87B52}" type="datetime1">
               <a:rPr lang="en-US" smtClean="0"/>
-              <a:t>2/25/2016</a:t>
+              <a:t>4/27/2016</a:t>
             </a:fld>
             <a:endParaRPr lang="en-US" dirty="0"/>
           </a:p>
@@ -1477,7 +1762,7 @@
           <a:lstStyle/>
           <a:p>
             <a:r>
-              <a:rPr lang="en-US" smtClean="0"/>
+              <a:rPr lang="en-US"/>
               <a:t>@iddJoe</a:t>
             </a:r>
             <a:endParaRPr lang="en-US" dirty="0"/>
@@ -1575,11 +1860,11 @@
           <a:lstStyle/>
           <a:p>
             <a:r>
-              <a:rPr lang="en-US" dirty="0" smtClean="0"/>
+              <a:rPr lang="en-US" dirty="0"/>
               <a:t>@</a:t>
             </a:r>
             <a:r>
-              <a:rPr lang="en-US" dirty="0" err="1" smtClean="0"/>
+              <a:rPr lang="en-US" dirty="0" err="1"/>
               <a:t>iddJoe</a:t>
             </a:r>
             <a:endParaRPr lang="en-US" dirty="0"/>
@@ -1609,10 +1894,9 @@
           <a:lstStyle/>
           <a:p>
             <a:r>
-              <a:rPr lang="en-US" dirty="0" smtClean="0"/>
+              <a:rPr lang="en-US" dirty="0"/>
               <a:t>http://infocraft.net</a:t>
             </a:r>
-            <a:endParaRPr lang="en-US" dirty="0"/>
           </a:p>
         </p:txBody>
       </p:sp>
@@ -1657,7 +1941,7 @@
           <a:lstStyle/>
           <a:p>
             <a:r>
-              <a:rPr lang="en-US" smtClean="0"/>
+              <a:rPr lang="en-US"/>
               <a:t>Click to edit Master title style</a:t>
             </a:r>
             <a:endParaRPr lang="en-US" dirty="0"/>
@@ -1681,35 +1965,35 @@
           <a:p>
             <a:pPr lvl="0"/>
             <a:r>
-              <a:rPr lang="en-US" smtClean="0"/>
+              <a:rPr lang="en-US"/>
               <a:t>Edit Master text styles</a:t>
             </a:r>
           </a:p>
           <a:p>
             <a:pPr lvl="1"/>
             <a:r>
-              <a:rPr lang="en-US" smtClean="0"/>
+              <a:rPr lang="en-US"/>
               <a:t>Second level</a:t>
             </a:r>
           </a:p>
           <a:p>
             <a:pPr lvl="2"/>
             <a:r>
-              <a:rPr lang="en-US" smtClean="0"/>
+              <a:rPr lang="en-US"/>
               <a:t>Third level</a:t>
             </a:r>
           </a:p>
           <a:p>
             <a:pPr lvl="3"/>
             <a:r>
-              <a:rPr lang="en-US" smtClean="0"/>
+              <a:rPr lang="en-US"/>
               <a:t>Fourth level</a:t>
             </a:r>
           </a:p>
           <a:p>
             <a:pPr lvl="4"/>
             <a:r>
-              <a:rPr lang="en-US" smtClean="0"/>
+              <a:rPr lang="en-US"/>
               <a:t>Fifth level</a:t>
             </a:r>
             <a:endParaRPr lang="en-US" dirty="0"/>
@@ -1733,7 +2017,7 @@
           <a:p>
             <a:fld id="{B6E37EB7-D403-45A2-AB5E-D280C516BC85}" type="datetime1">
               <a:rPr lang="en-US" smtClean="0"/>
-              <a:t>2/25/2016</a:t>
+              <a:t>4/27/2016</a:t>
             </a:fld>
             <a:endParaRPr lang="en-US" dirty="0"/>
           </a:p>
@@ -1755,7 +2039,7 @@
           <a:lstStyle/>
           <a:p>
             <a:r>
-              <a:rPr lang="en-US" smtClean="0"/>
+              <a:rPr lang="en-US"/>
               <a:t>@iddJoe</a:t>
             </a:r>
             <a:endParaRPr lang="en-US" dirty="0"/>
@@ -1848,11 +2132,11 @@
           <a:lstStyle/>
           <a:p>
             <a:r>
-              <a:rPr lang="en-US" dirty="0" smtClean="0"/>
+              <a:rPr lang="en-US" dirty="0"/>
               <a:t>@</a:t>
             </a:r>
             <a:r>
-              <a:rPr lang="en-US" dirty="0" err="1" smtClean="0"/>
+              <a:rPr lang="en-US" dirty="0" err="1"/>
               <a:t>iddJoe</a:t>
             </a:r>
             <a:endParaRPr lang="en-US" dirty="0"/>
@@ -1882,10 +2166,9 @@
           <a:lstStyle/>
           <a:p>
             <a:r>
-              <a:rPr lang="en-US" dirty="0" smtClean="0"/>
+              <a:rPr lang="en-US" dirty="0"/>
               <a:t>http://infocraft.net</a:t>
             </a:r>
-            <a:endParaRPr lang="en-US" dirty="0"/>
           </a:p>
         </p:txBody>
       </p:sp>
@@ -1939,7 +2222,7 @@
           </a:lstStyle>
           <a:p>
             <a:r>
-              <a:rPr lang="en-US" smtClean="0"/>
+              <a:rPr lang="en-US"/>
               <a:t>Click to edit Master title style</a:t>
             </a:r>
             <a:endParaRPr lang="en-US" dirty="0"/>
@@ -1968,35 +2251,35 @@
           <a:p>
             <a:pPr lvl="0"/>
             <a:r>
-              <a:rPr lang="en-US" smtClean="0"/>
+              <a:rPr lang="en-US"/>
               <a:t>Edit Master text styles</a:t>
             </a:r>
           </a:p>
           <a:p>
             <a:pPr lvl="1"/>
             <a:r>
-              <a:rPr lang="en-US" smtClean="0"/>
+              <a:rPr lang="en-US"/>
               <a:t>Second level</a:t>
             </a:r>
           </a:p>
           <a:p>
             <a:pPr lvl="2"/>
             <a:r>
-              <a:rPr lang="en-US" smtClean="0"/>
+              <a:rPr lang="en-US"/>
               <a:t>Third level</a:t>
             </a:r>
           </a:p>
           <a:p>
             <a:pPr lvl="3"/>
             <a:r>
-              <a:rPr lang="en-US" smtClean="0"/>
+              <a:rPr lang="en-US"/>
               <a:t>Fourth level</a:t>
             </a:r>
           </a:p>
           <a:p>
             <a:pPr lvl="4"/>
             <a:r>
-              <a:rPr lang="en-US" smtClean="0"/>
+              <a:rPr lang="en-US"/>
               <a:t>Fifth level</a:t>
             </a:r>
             <a:endParaRPr lang="en-US" dirty="0"/>
@@ -2020,7 +2303,7 @@
           <a:p>
             <a:fld id="{78D6D4BB-0428-4E19-B8E6-33EBEF93452B}" type="datetime1">
               <a:rPr lang="en-US" smtClean="0"/>
-              <a:t>2/25/2016</a:t>
+              <a:t>4/27/2016</a:t>
             </a:fld>
             <a:endParaRPr lang="en-US" dirty="0"/>
           </a:p>
@@ -2042,7 +2325,7 @@
           <a:lstStyle/>
           <a:p>
             <a:r>
-              <a:rPr lang="en-US" smtClean="0"/>
+              <a:rPr lang="en-US"/>
               <a:t>@iddJoe</a:t>
             </a:r>
             <a:endParaRPr lang="en-US" dirty="0"/>
@@ -2135,11 +2418,11 @@
           <a:lstStyle/>
           <a:p>
             <a:r>
-              <a:rPr lang="en-US" dirty="0" smtClean="0"/>
+              <a:rPr lang="en-US" dirty="0"/>
               <a:t>@</a:t>
             </a:r>
             <a:r>
-              <a:rPr lang="en-US" dirty="0" err="1" smtClean="0"/>
+              <a:rPr lang="en-US" dirty="0" err="1"/>
               <a:t>iddJoe</a:t>
             </a:r>
             <a:endParaRPr lang="en-US" dirty="0"/>
@@ -2169,10 +2452,9 @@
           <a:lstStyle/>
           <a:p>
             <a:r>
-              <a:rPr lang="en-US" dirty="0" smtClean="0"/>
+              <a:rPr lang="en-US" dirty="0"/>
               <a:t>http://infocraft.net</a:t>
             </a:r>
-            <a:endParaRPr lang="en-US" dirty="0"/>
           </a:p>
         </p:txBody>
       </p:sp>
@@ -2217,7 +2499,7 @@
           <a:lstStyle/>
           <a:p>
             <a:r>
-              <a:rPr lang="en-US" smtClean="0"/>
+              <a:rPr lang="en-US"/>
               <a:t>Click to edit Master title style</a:t>
             </a:r>
             <a:endParaRPr lang="en-US" dirty="0"/>
@@ -2241,35 +2523,35 @@
           <a:p>
             <a:pPr lvl="0"/>
             <a:r>
-              <a:rPr lang="en-US" smtClean="0"/>
+              <a:rPr lang="en-US"/>
               <a:t>Edit Master text styles</a:t>
             </a:r>
           </a:p>
           <a:p>
             <a:pPr lvl="1"/>
             <a:r>
-              <a:rPr lang="en-US" smtClean="0"/>
+              <a:rPr lang="en-US"/>
               <a:t>Second level</a:t>
             </a:r>
           </a:p>
           <a:p>
             <a:pPr lvl="2"/>
             <a:r>
-              <a:rPr lang="en-US" smtClean="0"/>
+              <a:rPr lang="en-US"/>
               <a:t>Third level</a:t>
             </a:r>
           </a:p>
           <a:p>
             <a:pPr lvl="3"/>
             <a:r>
-              <a:rPr lang="en-US" smtClean="0"/>
+              <a:rPr lang="en-US"/>
               <a:t>Fourth level</a:t>
             </a:r>
           </a:p>
           <a:p>
             <a:pPr lvl="4"/>
             <a:r>
-              <a:rPr lang="en-US" smtClean="0"/>
+              <a:rPr lang="en-US"/>
               <a:t>Fifth level</a:t>
             </a:r>
             <a:endParaRPr lang="en-US" dirty="0"/>
@@ -2297,7 +2579,7 @@
           <a:p>
             <a:fld id="{E2EB21BC-B6B7-45A0-831A-39A08F64FEEE}" type="datetime1">
               <a:rPr lang="en-US" smtClean="0"/>
-              <a:t>2/25/2016</a:t>
+              <a:t>4/27/2016</a:t>
             </a:fld>
             <a:endParaRPr lang="en-US" dirty="0"/>
           </a:p>
@@ -2323,7 +2605,7 @@
           </a:lstStyle>
           <a:p>
             <a:r>
-              <a:rPr lang="en-US" smtClean="0"/>
+              <a:rPr lang="en-US"/>
               <a:t>@iddJoe</a:t>
             </a:r>
             <a:endParaRPr lang="en-US" dirty="0"/>
@@ -2416,11 +2698,11 @@
           <a:lstStyle/>
           <a:p>
             <a:r>
-              <a:rPr lang="en-US" dirty="0" smtClean="0"/>
+              <a:rPr lang="en-US" dirty="0"/>
               <a:t>@</a:t>
             </a:r>
             <a:r>
-              <a:rPr lang="en-US" dirty="0" err="1" smtClean="0"/>
+              <a:rPr lang="en-US" dirty="0" err="1"/>
               <a:t>iddJoe</a:t>
             </a:r>
             <a:endParaRPr lang="en-US" dirty="0"/>
@@ -2450,10 +2732,9 @@
           <a:lstStyle/>
           <a:p>
             <a:r>
-              <a:rPr lang="en-US" dirty="0" smtClean="0"/>
+              <a:rPr lang="en-US" dirty="0"/>
               <a:t>http://infocraft.net</a:t>
             </a:r>
-            <a:endParaRPr lang="en-US" dirty="0"/>
           </a:p>
         </p:txBody>
       </p:sp>
@@ -2509,7 +2790,7 @@
           </a:lstStyle>
           <a:p>
             <a:r>
-              <a:rPr lang="en-US" smtClean="0"/>
+              <a:rPr lang="en-US"/>
               <a:t>Click to edit Master title style</a:t>
             </a:r>
             <a:endParaRPr lang="en-US" dirty="0"/>
@@ -2652,7 +2933,7 @@
           <a:p>
             <a:fld id="{D01B1534-8D07-4037-A73D-B2B2270F597C}" type="datetime1">
               <a:rPr lang="en-US" smtClean="0"/>
-              <a:t>2/25/2016</a:t>
+              <a:t>4/27/2016</a:t>
             </a:fld>
             <a:endParaRPr lang="en-US" dirty="0"/>
           </a:p>
@@ -2674,7 +2955,7 @@
           <a:lstStyle/>
           <a:p>
             <a:r>
-              <a:rPr lang="en-US" smtClean="0"/>
+              <a:rPr lang="en-US"/>
               <a:t>@iddJoe</a:t>
             </a:r>
             <a:endParaRPr lang="en-US" dirty="0"/>
@@ -2767,11 +3048,11 @@
           <a:lstStyle/>
           <a:p>
             <a:r>
-              <a:rPr lang="en-US" dirty="0" smtClean="0"/>
+              <a:rPr lang="en-US" dirty="0"/>
               <a:t>@</a:t>
             </a:r>
             <a:r>
-              <a:rPr lang="en-US" dirty="0" err="1" smtClean="0"/>
+              <a:rPr lang="en-US" dirty="0" err="1"/>
               <a:t>iddJoe</a:t>
             </a:r>
             <a:endParaRPr lang="en-US" dirty="0"/>
@@ -2801,10 +3082,9 @@
           <a:lstStyle/>
           <a:p>
             <a:r>
-              <a:rPr lang="en-US" dirty="0" smtClean="0"/>
+              <a:rPr lang="en-US" dirty="0"/>
               <a:t>http://infocraft.net</a:t>
             </a:r>
-            <a:endParaRPr lang="en-US" dirty="0"/>
           </a:p>
         </p:txBody>
       </p:sp>
@@ -2854,7 +3134,7 @@
           <a:lstStyle/>
           <a:p>
             <a:r>
-              <a:rPr lang="en-US" smtClean="0"/>
+              <a:rPr lang="en-US"/>
               <a:t>Click to edit Master title style</a:t>
             </a:r>
             <a:endParaRPr lang="en-US" dirty="0"/>
@@ -2883,35 +3163,35 @@
           <a:p>
             <a:pPr lvl="0"/>
             <a:r>
-              <a:rPr lang="en-US" smtClean="0"/>
+              <a:rPr lang="en-US"/>
               <a:t>Edit Master text styles</a:t>
             </a:r>
           </a:p>
           <a:p>
             <a:pPr lvl="1"/>
             <a:r>
-              <a:rPr lang="en-US" smtClean="0"/>
+              <a:rPr lang="en-US"/>
               <a:t>Second level</a:t>
             </a:r>
           </a:p>
           <a:p>
             <a:pPr lvl="2"/>
             <a:r>
-              <a:rPr lang="en-US" smtClean="0"/>
+              <a:rPr lang="en-US"/>
               <a:t>Third level</a:t>
             </a:r>
           </a:p>
           <a:p>
             <a:pPr lvl="3"/>
             <a:r>
-              <a:rPr lang="en-US" smtClean="0"/>
+              <a:rPr lang="en-US"/>
               <a:t>Fourth level</a:t>
             </a:r>
           </a:p>
           <a:p>
             <a:pPr lvl="4"/>
             <a:r>
-              <a:rPr lang="en-US" smtClean="0"/>
+              <a:rPr lang="en-US"/>
               <a:t>Fifth level</a:t>
             </a:r>
             <a:endParaRPr lang="en-US" dirty="0"/>
@@ -2940,35 +3220,35 @@
           <a:p>
             <a:pPr lvl="0"/>
             <a:r>
-              <a:rPr lang="en-US" smtClean="0"/>
+              <a:rPr lang="en-US"/>
               <a:t>Edit Master text styles</a:t>
             </a:r>
           </a:p>
           <a:p>
             <a:pPr lvl="1"/>
             <a:r>
-              <a:rPr lang="en-US" smtClean="0"/>
+              <a:rPr lang="en-US"/>
               <a:t>Second level</a:t>
             </a:r>
           </a:p>
           <a:p>
             <a:pPr lvl="2"/>
             <a:r>
-              <a:rPr lang="en-US" smtClean="0"/>
+              <a:rPr lang="en-US"/>
               <a:t>Third level</a:t>
             </a:r>
           </a:p>
           <a:p>
             <a:pPr lvl="3"/>
             <a:r>
-              <a:rPr lang="en-US" smtClean="0"/>
+              <a:rPr lang="en-US"/>
               <a:t>Fourth level</a:t>
             </a:r>
           </a:p>
           <a:p>
             <a:pPr lvl="4"/>
             <a:r>
-              <a:rPr lang="en-US" smtClean="0"/>
+              <a:rPr lang="en-US"/>
               <a:t>Fifth level</a:t>
             </a:r>
             <a:endParaRPr lang="en-US" dirty="0"/>
@@ -2992,7 +3272,7 @@
           <a:p>
             <a:fld id="{3BA250D4-12A0-43C8-A1CF-99BCBDD8B988}" type="datetime1">
               <a:rPr lang="en-US" smtClean="0"/>
-              <a:t>2/25/2016</a:t>
+              <a:t>4/27/2016</a:t>
             </a:fld>
             <a:endParaRPr lang="en-US" dirty="0"/>
           </a:p>
@@ -3014,7 +3294,7 @@
           <a:lstStyle/>
           <a:p>
             <a:r>
-              <a:rPr lang="en-US" smtClean="0"/>
+              <a:rPr lang="en-US"/>
               <a:t>@iddJoe</a:t>
             </a:r>
             <a:endParaRPr lang="en-US" dirty="0"/>
@@ -3107,11 +3387,11 @@
           <a:lstStyle/>
           <a:p>
             <a:r>
-              <a:rPr lang="en-US" dirty="0" smtClean="0"/>
+              <a:rPr lang="en-US" dirty="0"/>
               <a:t>@</a:t>
             </a:r>
             <a:r>
-              <a:rPr lang="en-US" dirty="0" err="1" smtClean="0"/>
+              <a:rPr lang="en-US" dirty="0" err="1"/>
               <a:t>iddJoe</a:t>
             </a:r>
             <a:endParaRPr lang="en-US" dirty="0"/>
@@ -3141,10 +3421,9 @@
           <a:lstStyle/>
           <a:p>
             <a:r>
-              <a:rPr lang="en-US" dirty="0" smtClean="0"/>
+              <a:rPr lang="en-US" dirty="0"/>
               <a:t>http://infocraft.net</a:t>
             </a:r>
-            <a:endParaRPr lang="en-US" dirty="0"/>
           </a:p>
         </p:txBody>
       </p:sp>
@@ -3194,7 +3473,7 @@
           <a:lstStyle/>
           <a:p>
             <a:r>
-              <a:rPr lang="en-US" smtClean="0"/>
+              <a:rPr lang="en-US"/>
               <a:t>Click to edit Master title style</a:t>
             </a:r>
             <a:endParaRPr lang="en-US" dirty="0"/>
@@ -3269,7 +3548,7 @@
           <a:p>
             <a:pPr lvl="0"/>
             <a:r>
-              <a:rPr lang="en-US" smtClean="0"/>
+              <a:rPr lang="en-US"/>
               <a:t>Edit Master text styles</a:t>
             </a:r>
           </a:p>
@@ -3297,35 +3576,35 @@
           <a:p>
             <a:pPr lvl="0"/>
             <a:r>
-              <a:rPr lang="en-US" smtClean="0"/>
+              <a:rPr lang="en-US"/>
               <a:t>Edit Master text styles</a:t>
             </a:r>
           </a:p>
           <a:p>
             <a:pPr lvl="1"/>
             <a:r>
-              <a:rPr lang="en-US" smtClean="0"/>
+              <a:rPr lang="en-US"/>
               <a:t>Second level</a:t>
             </a:r>
           </a:p>
           <a:p>
             <a:pPr lvl="2"/>
             <a:r>
-              <a:rPr lang="en-US" smtClean="0"/>
+              <a:rPr lang="en-US"/>
               <a:t>Third level</a:t>
             </a:r>
           </a:p>
           <a:p>
             <a:pPr lvl="3"/>
             <a:r>
-              <a:rPr lang="en-US" smtClean="0"/>
+              <a:rPr lang="en-US"/>
               <a:t>Fourth level</a:t>
             </a:r>
           </a:p>
           <a:p>
             <a:pPr lvl="4"/>
             <a:r>
-              <a:rPr lang="en-US" smtClean="0"/>
+              <a:rPr lang="en-US"/>
               <a:t>Fifth level</a:t>
             </a:r>
             <a:endParaRPr lang="en-US" dirty="0"/>
@@ -3400,7 +3679,7 @@
           <a:p>
             <a:pPr lvl="0"/>
             <a:r>
-              <a:rPr lang="en-US" smtClean="0"/>
+              <a:rPr lang="en-US"/>
               <a:t>Edit Master text styles</a:t>
             </a:r>
           </a:p>
@@ -3428,35 +3707,35 @@
           <a:p>
             <a:pPr lvl="0"/>
             <a:r>
-              <a:rPr lang="en-US" smtClean="0"/>
+              <a:rPr lang="en-US"/>
               <a:t>Edit Master text styles</a:t>
             </a:r>
           </a:p>
           <a:p>
             <a:pPr lvl="1"/>
             <a:r>
-              <a:rPr lang="en-US" smtClean="0"/>
+              <a:rPr lang="en-US"/>
               <a:t>Second level</a:t>
             </a:r>
           </a:p>
           <a:p>
             <a:pPr lvl="2"/>
             <a:r>
-              <a:rPr lang="en-US" smtClean="0"/>
+              <a:rPr lang="en-US"/>
               <a:t>Third level</a:t>
             </a:r>
           </a:p>
           <a:p>
             <a:pPr lvl="3"/>
             <a:r>
-              <a:rPr lang="en-US" smtClean="0"/>
+              <a:rPr lang="en-US"/>
               <a:t>Fourth level</a:t>
             </a:r>
           </a:p>
           <a:p>
             <a:pPr lvl="4"/>
             <a:r>
-              <a:rPr lang="en-US" smtClean="0"/>
+              <a:rPr lang="en-US"/>
               <a:t>Fifth level</a:t>
             </a:r>
             <a:endParaRPr lang="en-US" dirty="0"/>
@@ -3480,7 +3759,7 @@
           <a:p>
             <a:fld id="{E59661DB-8378-4CD0-AFBE-01F12CFCF0EB}" type="datetime1">
               <a:rPr lang="en-US" smtClean="0"/>
-              <a:t>2/25/2016</a:t>
+              <a:t>4/27/2016</a:t>
             </a:fld>
             <a:endParaRPr lang="en-US" dirty="0"/>
           </a:p>
@@ -3502,7 +3781,7 @@
           <a:lstStyle/>
           <a:p>
             <a:r>
-              <a:rPr lang="en-US" smtClean="0"/>
+              <a:rPr lang="en-US"/>
               <a:t>@iddJoe</a:t>
             </a:r>
             <a:endParaRPr lang="en-US" dirty="0"/>
@@ -3595,11 +3874,11 @@
           <a:lstStyle/>
           <a:p>
             <a:r>
-              <a:rPr lang="en-US" dirty="0" smtClean="0"/>
+              <a:rPr lang="en-US" dirty="0"/>
               <a:t>@</a:t>
             </a:r>
             <a:r>
-              <a:rPr lang="en-US" dirty="0" err="1" smtClean="0"/>
+              <a:rPr lang="en-US" dirty="0" err="1"/>
               <a:t>iddJoe</a:t>
             </a:r>
             <a:endParaRPr lang="en-US" dirty="0"/>
@@ -3629,10 +3908,9 @@
           <a:lstStyle/>
           <a:p>
             <a:r>
-              <a:rPr lang="en-US" dirty="0" smtClean="0"/>
+              <a:rPr lang="en-US" dirty="0"/>
               <a:t>http://infocraft.net</a:t>
             </a:r>
-            <a:endParaRPr lang="en-US" dirty="0"/>
           </a:p>
         </p:txBody>
       </p:sp>
@@ -3677,7 +3955,7 @@
           <a:lstStyle/>
           <a:p>
             <a:r>
-              <a:rPr lang="en-US" smtClean="0"/>
+              <a:rPr lang="en-US"/>
               <a:t>Click to edit Master title style</a:t>
             </a:r>
             <a:endParaRPr lang="en-US" dirty="0"/>
@@ -3701,7 +3979,7 @@
           <a:p>
             <a:fld id="{47978105-B0CE-4596-84BB-C9F093A62A71}" type="datetime1">
               <a:rPr lang="en-US" smtClean="0"/>
-              <a:t>2/25/2016</a:t>
+              <a:t>4/27/2016</a:t>
             </a:fld>
             <a:endParaRPr lang="en-US" dirty="0"/>
           </a:p>
@@ -3723,7 +4001,7 @@
           <a:lstStyle/>
           <a:p>
             <a:r>
-              <a:rPr lang="en-US" smtClean="0"/>
+              <a:rPr lang="en-US"/>
               <a:t>@iddJoe</a:t>
             </a:r>
             <a:endParaRPr lang="en-US" dirty="0"/>
@@ -3816,11 +4094,11 @@
           <a:lstStyle/>
           <a:p>
             <a:r>
-              <a:rPr lang="en-US" dirty="0" smtClean="0"/>
+              <a:rPr lang="en-US" dirty="0"/>
               <a:t>@</a:t>
             </a:r>
             <a:r>
-              <a:rPr lang="en-US" dirty="0" err="1" smtClean="0"/>
+              <a:rPr lang="en-US" dirty="0" err="1"/>
               <a:t>iddJoe</a:t>
             </a:r>
             <a:endParaRPr lang="en-US" dirty="0"/>
@@ -3850,10 +4128,9 @@
           <a:lstStyle/>
           <a:p>
             <a:r>
-              <a:rPr lang="en-US" dirty="0" smtClean="0"/>
+              <a:rPr lang="en-US" dirty="0"/>
               <a:t>http://infocraft.net</a:t>
             </a:r>
-            <a:endParaRPr lang="en-US" dirty="0"/>
           </a:p>
         </p:txBody>
       </p:sp>
@@ -3899,7 +4176,7 @@
           <a:p>
             <a:fld id="{525E11DF-B9CA-48C5-81E6-337899557DC2}" type="datetime1">
               <a:rPr lang="en-US" smtClean="0"/>
-              <a:t>2/25/2016</a:t>
+              <a:t>4/27/2016</a:t>
             </a:fld>
             <a:endParaRPr lang="en-US" dirty="0"/>
           </a:p>
@@ -3921,7 +4198,7 @@
           <a:lstStyle/>
           <a:p>
             <a:r>
-              <a:rPr lang="en-US" smtClean="0"/>
+              <a:rPr lang="en-US"/>
               <a:t>@iddJoe</a:t>
             </a:r>
             <a:endParaRPr lang="en-US" dirty="0"/>
@@ -3974,11 +4251,11 @@
           <a:lstStyle/>
           <a:p>
             <a:r>
-              <a:rPr lang="en-US" dirty="0" smtClean="0"/>
+              <a:rPr lang="en-US" dirty="0"/>
               <a:t>@</a:t>
             </a:r>
             <a:r>
-              <a:rPr lang="en-US" dirty="0" err="1" smtClean="0"/>
+              <a:rPr lang="en-US" dirty="0" err="1"/>
               <a:t>iddJoe</a:t>
             </a:r>
             <a:endParaRPr lang="en-US" dirty="0"/>
@@ -4008,10 +4285,9 @@
           <a:lstStyle/>
           <a:p>
             <a:r>
-              <a:rPr lang="en-US" dirty="0" smtClean="0"/>
+              <a:rPr lang="en-US" dirty="0"/>
               <a:t>http://infocraft.net</a:t>
             </a:r>
-            <a:endParaRPr lang="en-US" dirty="0"/>
           </a:p>
         </p:txBody>
       </p:sp>
@@ -4067,7 +4343,7 @@
           </a:lstStyle>
           <a:p>
             <a:r>
-              <a:rPr lang="en-US" smtClean="0"/>
+              <a:rPr lang="en-US"/>
               <a:t>Click to edit Master title style</a:t>
             </a:r>
             <a:endParaRPr lang="en-US" dirty="0"/>
@@ -4096,35 +4372,35 @@
           <a:p>
             <a:pPr lvl="0"/>
             <a:r>
-              <a:rPr lang="en-US" smtClean="0"/>
+              <a:rPr lang="en-US"/>
               <a:t>Edit Master text styles</a:t>
             </a:r>
           </a:p>
           <a:p>
             <a:pPr lvl="1"/>
             <a:r>
-              <a:rPr lang="en-US" smtClean="0"/>
+              <a:rPr lang="en-US"/>
               <a:t>Second level</a:t>
             </a:r>
           </a:p>
           <a:p>
             <a:pPr lvl="2"/>
             <a:r>
-              <a:rPr lang="en-US" smtClean="0"/>
+              <a:rPr lang="en-US"/>
               <a:t>Third level</a:t>
             </a:r>
           </a:p>
           <a:p>
             <a:pPr lvl="3"/>
             <a:r>
-              <a:rPr lang="en-US" smtClean="0"/>
+              <a:rPr lang="en-US"/>
               <a:t>Fourth level</a:t>
             </a:r>
           </a:p>
           <a:p>
             <a:pPr lvl="4"/>
             <a:r>
-              <a:rPr lang="en-US" smtClean="0"/>
+              <a:rPr lang="en-US"/>
               <a:t>Fifth level</a:t>
             </a:r>
             <a:endParaRPr lang="en-US" dirty="0"/>
@@ -4190,7 +4466,7 @@
           <a:p>
             <a:pPr lvl="0"/>
             <a:r>
-              <a:rPr lang="en-US" smtClean="0"/>
+              <a:rPr lang="en-US"/>
               <a:t>Edit Master text styles</a:t>
             </a:r>
           </a:p>
@@ -4213,7 +4489,7 @@
           <a:p>
             <a:fld id="{4803EA06-4E45-4653-A29C-5A7E490F3733}" type="datetime1">
               <a:rPr lang="en-US" smtClean="0"/>
-              <a:t>2/25/2016</a:t>
+              <a:t>4/27/2016</a:t>
             </a:fld>
             <a:endParaRPr lang="en-US" dirty="0"/>
           </a:p>
@@ -4235,7 +4511,7 @@
           <a:lstStyle/>
           <a:p>
             <a:r>
-              <a:rPr lang="en-US" smtClean="0"/>
+              <a:rPr lang="en-US"/>
               <a:t>@iddJoe</a:t>
             </a:r>
             <a:endParaRPr lang="en-US" dirty="0"/>
@@ -4328,11 +4604,11 @@
           <a:lstStyle/>
           <a:p>
             <a:r>
-              <a:rPr lang="en-US" dirty="0" smtClean="0"/>
+              <a:rPr lang="en-US" dirty="0"/>
               <a:t>@</a:t>
             </a:r>
             <a:r>
-              <a:rPr lang="en-US" dirty="0" err="1" smtClean="0"/>
+              <a:rPr lang="en-US" dirty="0" err="1"/>
               <a:t>iddJoe</a:t>
             </a:r>
             <a:endParaRPr lang="en-US" dirty="0"/>
@@ -4362,10 +4638,9 @@
           <a:lstStyle/>
           <a:p>
             <a:r>
-              <a:rPr lang="en-US" dirty="0" smtClean="0"/>
+              <a:rPr lang="en-US" dirty="0"/>
               <a:t>http://infocraft.net</a:t>
             </a:r>
-            <a:endParaRPr lang="en-US" dirty="0"/>
           </a:p>
         </p:txBody>
       </p:sp>
@@ -4561,7 +4836,7 @@
           </a:lstStyle>
           <a:p>
             <a:r>
-              <a:rPr lang="en-US" smtClean="0"/>
+              <a:rPr lang="en-US"/>
               <a:t>Click to edit Master title style</a:t>
             </a:r>
             <a:endParaRPr lang="en-US" dirty="0"/>
@@ -4636,7 +4911,7 @@
           </a:lstStyle>
           <a:p>
             <a:r>
-              <a:rPr lang="en-US" smtClean="0"/>
+              <a:rPr lang="en-US"/>
               <a:t>Click icon to add picture</a:t>
             </a:r>
             <a:endParaRPr lang="en-US" dirty="0"/>
@@ -4704,7 +4979,7 @@
           <a:p>
             <a:pPr lvl="0"/>
             <a:r>
-              <a:rPr lang="en-US" smtClean="0"/>
+              <a:rPr lang="en-US"/>
               <a:t>Edit Master text styles</a:t>
             </a:r>
           </a:p>
@@ -4736,7 +5011,7 @@
           <a:p>
             <a:fld id="{2DB3552D-7290-43DD-AD07-60F561629260}" type="datetime1">
               <a:rPr lang="en-US" smtClean="0"/>
-              <a:t>2/25/2016</a:t>
+              <a:t>4/27/2016</a:t>
             </a:fld>
             <a:endParaRPr lang="en-US" dirty="0"/>
           </a:p>
@@ -4763,7 +5038,7 @@
           <a:lstStyle/>
           <a:p>
             <a:r>
-              <a:rPr lang="en-US" smtClean="0"/>
+              <a:rPr lang="en-US"/>
               <a:t>@iddJoe</a:t>
             </a:r>
             <a:endParaRPr lang="en-US" dirty="0"/>
@@ -4861,11 +5136,11 @@
           <a:lstStyle/>
           <a:p>
             <a:r>
-              <a:rPr lang="en-US" dirty="0" smtClean="0"/>
+              <a:rPr lang="en-US" dirty="0"/>
               <a:t>@</a:t>
             </a:r>
             <a:r>
-              <a:rPr lang="en-US" dirty="0" err="1" smtClean="0"/>
+              <a:rPr lang="en-US" dirty="0" err="1"/>
               <a:t>iddJoe</a:t>
             </a:r>
             <a:endParaRPr lang="en-US" dirty="0"/>
@@ -4895,10 +5170,9 @@
           <a:lstStyle/>
           <a:p>
             <a:r>
-              <a:rPr lang="en-US" dirty="0" smtClean="0"/>
+              <a:rPr lang="en-US" dirty="0"/>
               <a:t>http://infocraft.net</a:t>
             </a:r>
-            <a:endParaRPr lang="en-US" dirty="0"/>
           </a:p>
         </p:txBody>
       </p:sp>
@@ -5077,7 +5351,7 @@
           <a:lstStyle/>
           <a:p>
             <a:r>
-              <a:rPr lang="en-US" smtClean="0"/>
+              <a:rPr lang="en-US"/>
               <a:t>Click to edit Master title style</a:t>
             </a:r>
             <a:endParaRPr lang="en-US" dirty="0"/>
@@ -5180,7 +5454,7 @@
           <a:p>
             <a:fld id="{BC367024-4554-4F1F-91AB-08006E299A3C}" type="datetime1">
               <a:rPr lang="en-US" smtClean="0"/>
-              <a:t>2/25/2016</a:t>
+              <a:t>4/27/2016</a:t>
             </a:fld>
             <a:endParaRPr lang="en-US" dirty="0"/>
           </a:p>
@@ -5220,7 +5494,7 @@
           </a:lstStyle>
           <a:p>
             <a:r>
-              <a:rPr lang="en-US" smtClean="0"/>
+              <a:rPr lang="en-US"/>
               <a:t>@iddJoe</a:t>
             </a:r>
             <a:endParaRPr lang="en-US" dirty="0"/>
@@ -5290,11 +5564,11 @@
           <a:lstStyle/>
           <a:p>
             <a:r>
-              <a:rPr lang="en-US" dirty="0" smtClean="0"/>
+              <a:rPr lang="en-US" dirty="0"/>
               <a:t>@</a:t>
             </a:r>
             <a:r>
-              <a:rPr lang="en-US" dirty="0" err="1" smtClean="0"/>
+              <a:rPr lang="en-US" dirty="0" err="1"/>
               <a:t>iddJoe</a:t>
             </a:r>
             <a:endParaRPr lang="en-US" dirty="0"/>
@@ -5324,10 +5598,9 @@
           <a:lstStyle/>
           <a:p>
             <a:r>
-              <a:rPr lang="en-US" dirty="0" smtClean="0"/>
+              <a:rPr lang="en-US" dirty="0"/>
               <a:t>http://infocraft.net</a:t>
             </a:r>
-            <a:endParaRPr lang="en-US" dirty="0"/>
           </a:p>
         </p:txBody>
       </p:sp>
@@ -5710,10 +5983,9 @@
           <a:lstStyle/>
           <a:p>
             <a:r>
-              <a:rPr lang="en-US" dirty="0" smtClean="0"/>
+              <a:rPr lang="en-US" dirty="0"/>
               <a:t>C# 6 New Language Features</a:t>
             </a:r>
-            <a:endParaRPr lang="en-US" dirty="0"/>
           </a:p>
         </p:txBody>
       </p:sp>
@@ -5735,24 +6007,24 @@
           <a:lstStyle/>
           <a:p>
             <a:r>
-              <a:rPr lang="en-US" dirty="0" smtClean="0"/>
+              <a:rPr lang="en-US" dirty="0"/>
               <a:t>Joseph Reynolds</a:t>
             </a:r>
           </a:p>
           <a:p>
             <a:r>
-              <a:rPr lang="en-US" smtClean="0"/>
+              <a:rPr lang="en-US"/>
               <a:t>http://Infocraft.Net</a:t>
             </a:r>
-            <a:endParaRPr lang="en-US" dirty="0" smtClean="0"/>
-          </a:p>
-          <a:p>
-            <a:r>
-              <a:rPr lang="en-US" dirty="0" smtClean="0"/>
+            <a:endParaRPr lang="en-US" dirty="0"/>
+          </a:p>
+          <a:p>
+            <a:r>
+              <a:rPr lang="en-US" dirty="0"/>
               <a:t>@</a:t>
             </a:r>
             <a:r>
-              <a:rPr lang="en-US" dirty="0" err="1" smtClean="0"/>
+              <a:rPr lang="en-US" dirty="0" err="1"/>
               <a:t>iddJoe</a:t>
             </a:r>
             <a:endParaRPr lang="en-US" dirty="0"/>
@@ -5805,10 +6077,9 @@
           <a:lstStyle/>
           <a:p>
             <a:r>
-              <a:rPr lang="en-US" dirty="0" smtClean="0"/>
+              <a:rPr lang="en-US" dirty="0"/>
               <a:t>Null Conditional – The Elvis Operator</a:t>
             </a:r>
-            <a:endParaRPr lang="en-US" dirty="0"/>
           </a:p>
         </p:txBody>
       </p:sp>
@@ -5835,10 +6106,9 @@
           <a:lstStyle/>
           <a:p>
             <a:r>
-              <a:rPr lang="en-US" dirty="0" smtClean="0"/>
+              <a:rPr lang="en-US" dirty="0"/>
               <a:t>Gets rid of some nasty looking code…</a:t>
             </a:r>
-            <a:endParaRPr lang="en-US" dirty="0"/>
           </a:p>
         </p:txBody>
       </p:sp>
@@ -7855,10 +8125,9 @@
           <a:lstStyle/>
           <a:p>
             <a:r>
-              <a:rPr lang="en-US" dirty="0" smtClean="0"/>
+              <a:rPr lang="en-US" dirty="0"/>
               <a:t>Null Conditionals – Part 2</a:t>
             </a:r>
-            <a:endParaRPr lang="en-US" dirty="0"/>
           </a:p>
         </p:txBody>
       </p:sp>
@@ -8386,7 +8655,7 @@
               <a:t>	</a:t>
             </a:r>
             <a:r>
-              <a:rPr lang="en-US" sz="1400" dirty="0" err="1" smtClean="0">
+              <a:rPr lang="en-US" sz="1400" dirty="0" err="1">
                 <a:solidFill>
                   <a:srgbClr val="000000"/>
                 </a:solidFill>
@@ -8397,7 +8666,7 @@
               <a:t>sb</a:t>
             </a:r>
             <a:r>
-              <a:rPr lang="en-US" sz="1400" b="1" dirty="0" err="1" smtClean="0">
+              <a:rPr lang="en-US" sz="1400" b="1" dirty="0" err="1">
                 <a:solidFill>
                   <a:srgbClr val="000080"/>
                 </a:solidFill>
@@ -8408,7 +8677,7 @@
               <a:t>.</a:t>
             </a:r>
             <a:r>
-              <a:rPr lang="en-US" sz="1400" dirty="0" err="1" smtClean="0">
+              <a:rPr lang="en-US" sz="1400" dirty="0" err="1">
                 <a:solidFill>
                   <a:srgbClr val="000000"/>
                 </a:solidFill>
@@ -8419,7 +8688,7 @@
               <a:t>AppendLine</a:t>
             </a:r>
             <a:r>
-              <a:rPr lang="en-US" sz="1400" b="1" dirty="0" smtClean="0">
+              <a:rPr lang="en-US" sz="1400" b="1" dirty="0">
                 <a:solidFill>
                   <a:srgbClr val="000080"/>
                 </a:solidFill>
@@ -8430,7 +8699,7 @@
               <a:t>(</a:t>
             </a:r>
             <a:r>
-              <a:rPr lang="en-US" sz="1400" dirty="0" err="1" smtClean="0">
+              <a:rPr lang="en-US" sz="1400" dirty="0" err="1">
                 <a:solidFill>
                   <a:srgbClr val="000000"/>
                 </a:solidFill>
@@ -8441,7 +8710,7 @@
               <a:t>currentInvoice</a:t>
             </a:r>
             <a:r>
-              <a:rPr lang="en-US" sz="1400" b="1" dirty="0" smtClean="0">
+              <a:rPr lang="en-US" sz="1400" b="1" dirty="0">
                 <a:solidFill>
                   <a:srgbClr val="000080"/>
                 </a:solidFill>
@@ -8517,7 +8786,7 @@
               <a:t>	</a:t>
             </a:r>
             <a:r>
-              <a:rPr lang="en-US" sz="1400" dirty="0" err="1" smtClean="0">
+              <a:rPr lang="en-US" sz="1400" dirty="0" err="1">
                 <a:solidFill>
                   <a:srgbClr val="000000"/>
                 </a:solidFill>
@@ -8528,7 +8797,7 @@
               <a:t>sb</a:t>
             </a:r>
             <a:r>
-              <a:rPr lang="en-US" sz="1400" b="1" dirty="0" err="1" smtClean="0">
+              <a:rPr lang="en-US" sz="1400" b="1" dirty="0" err="1">
                 <a:solidFill>
                   <a:srgbClr val="000080"/>
                 </a:solidFill>
@@ -8539,7 +8808,7 @@
               <a:t>.</a:t>
             </a:r>
             <a:r>
-              <a:rPr lang="en-US" sz="1400" dirty="0" err="1" smtClean="0">
+              <a:rPr lang="en-US" sz="1400" dirty="0" err="1">
                 <a:solidFill>
                   <a:srgbClr val="000000"/>
                 </a:solidFill>
@@ -8550,7 +8819,7 @@
               <a:t>AppendLine</a:t>
             </a:r>
             <a:r>
-              <a:rPr lang="en-US" sz="1400" b="1" dirty="0" smtClean="0">
+              <a:rPr lang="en-US" sz="1400" b="1" dirty="0">
                 <a:solidFill>
                   <a:srgbClr val="000080"/>
                 </a:solidFill>
@@ -8561,7 +8830,7 @@
               <a:t>(</a:t>
             </a:r>
             <a:r>
-              <a:rPr lang="en-US" sz="1400" dirty="0" err="1" smtClean="0">
+              <a:rPr lang="en-US" sz="1400" dirty="0" err="1">
                 <a:solidFill>
                   <a:srgbClr val="000000"/>
                 </a:solidFill>
@@ -8572,7 +8841,7 @@
               <a:t>currentInvoice</a:t>
             </a:r>
             <a:r>
-              <a:rPr lang="en-US" sz="1400" b="1" dirty="0" smtClean="0">
+              <a:rPr lang="en-US" sz="1400" b="1" dirty="0">
                 <a:solidFill>
                   <a:srgbClr val="000080"/>
                 </a:solidFill>
@@ -8648,7 +8917,7 @@
               <a:t>	</a:t>
             </a:r>
             <a:r>
-              <a:rPr lang="en-US" sz="1400" dirty="0" err="1" smtClean="0">
+              <a:rPr lang="en-US" sz="1400" dirty="0" err="1">
                 <a:solidFill>
                   <a:srgbClr val="000000"/>
                 </a:solidFill>
@@ -8659,7 +8928,7 @@
               <a:t>sb</a:t>
             </a:r>
             <a:r>
-              <a:rPr lang="en-US" sz="1400" b="1" dirty="0" err="1" smtClean="0">
+              <a:rPr lang="en-US" sz="1400" b="1" dirty="0" err="1">
                 <a:solidFill>
                   <a:srgbClr val="000080"/>
                 </a:solidFill>
@@ -8670,7 +8939,7 @@
               <a:t>.</a:t>
             </a:r>
             <a:r>
-              <a:rPr lang="en-US" sz="1400" dirty="0" err="1" smtClean="0">
+              <a:rPr lang="en-US" sz="1400" dirty="0" err="1">
                 <a:solidFill>
                   <a:srgbClr val="000000"/>
                 </a:solidFill>
@@ -8681,7 +8950,7 @@
               <a:t>AppendLine</a:t>
             </a:r>
             <a:r>
-              <a:rPr lang="en-US" sz="1400" b="1" dirty="0" smtClean="0">
+              <a:rPr lang="en-US" sz="1400" b="1" dirty="0">
                 <a:solidFill>
                   <a:srgbClr val="000080"/>
                 </a:solidFill>
@@ -8692,7 +8961,7 @@
               <a:t>(</a:t>
             </a:r>
             <a:r>
-              <a:rPr lang="en-US" sz="1400" dirty="0" err="1" smtClean="0">
+              <a:rPr lang="en-US" sz="1400" dirty="0" err="1">
                 <a:solidFill>
                   <a:srgbClr val="000000"/>
                 </a:solidFill>
@@ -8703,7 +8972,7 @@
               <a:t>currentInvoice</a:t>
             </a:r>
             <a:r>
-              <a:rPr lang="en-US" sz="1400" b="1" dirty="0" smtClean="0">
+              <a:rPr lang="en-US" sz="1400" b="1" dirty="0">
                 <a:solidFill>
                   <a:srgbClr val="000080"/>
                 </a:solidFill>
@@ -8915,10 +9184,9 @@
           <a:lstStyle/>
           <a:p>
             <a:r>
-              <a:rPr lang="en-US" dirty="0" smtClean="0"/>
+              <a:rPr lang="en-US" dirty="0"/>
               <a:t>Null Conditionals – Part 3 (What if it’s null?)</a:t>
             </a:r>
-            <a:endParaRPr lang="en-US" dirty="0"/>
           </a:p>
         </p:txBody>
       </p:sp>
@@ -10123,13 +10391,8 @@
           <a:p>
             <a:r>
               <a:rPr lang="en-US" dirty="0"/>
-              <a:t>Expression Bodied </a:t>
-            </a:r>
-            <a:r>
-              <a:rPr lang="en-US" dirty="0" smtClean="0"/>
-              <a:t>Members</a:t>
-            </a:r>
-            <a:endParaRPr lang="en-US" dirty="0"/>
+              <a:t>Expression Bodied Members</a:t>
+            </a:r>
           </a:p>
         </p:txBody>
       </p:sp>
@@ -10154,16 +10417,15 @@
           <a:lstStyle/>
           <a:p>
             <a:r>
-              <a:rPr lang="en-US" dirty="0" smtClean="0"/>
+              <a:rPr lang="en-US" dirty="0"/>
               <a:t>Nice for one-line methods and properties.</a:t>
             </a:r>
           </a:p>
           <a:p>
             <a:r>
-              <a:rPr lang="en-US" dirty="0" smtClean="0"/>
+              <a:rPr lang="en-US" dirty="0"/>
               <a:t>Can be very confusing if you try to force it everywhere.</a:t>
             </a:r>
-            <a:endParaRPr lang="en-US" dirty="0"/>
           </a:p>
         </p:txBody>
       </p:sp>
@@ -10802,10 +11064,9 @@
           <a:lstStyle/>
           <a:p>
             <a:r>
-              <a:rPr lang="en-US" dirty="0" smtClean="0"/>
+              <a:rPr lang="en-US" dirty="0"/>
               <a:t>Expression Body Quick Facts</a:t>
             </a:r>
-            <a:endParaRPr lang="en-US" dirty="0"/>
           </a:p>
         </p:txBody>
       </p:sp>
@@ -10825,34 +11086,33 @@
           <a:lstStyle/>
           <a:p>
             <a:r>
-              <a:rPr lang="en-US" dirty="0" smtClean="0"/>
+              <a:rPr lang="en-US" dirty="0"/>
               <a:t>Works with Method-Like members</a:t>
             </a:r>
           </a:p>
           <a:p>
             <a:r>
-              <a:rPr lang="en-US" dirty="0" smtClean="0"/>
+              <a:rPr lang="en-US" dirty="0"/>
               <a:t>Works with Property-Like members</a:t>
             </a:r>
           </a:p>
           <a:p>
             <a:r>
-              <a:rPr lang="en-US" dirty="0" smtClean="0"/>
+              <a:rPr lang="en-US" dirty="0"/>
               <a:t>Does NOT work on Constructors</a:t>
             </a:r>
           </a:p>
           <a:p>
             <a:r>
-              <a:rPr lang="en-US" dirty="0" smtClean="0"/>
+              <a:rPr lang="en-US" dirty="0"/>
               <a:t>Does NOT work on Events</a:t>
             </a:r>
           </a:p>
           <a:p>
             <a:r>
-              <a:rPr lang="en-US" dirty="0" smtClean="0"/>
+              <a:rPr lang="en-US" dirty="0"/>
               <a:t>Recommendation: use sparingly, but don’t be afraid of it.</a:t>
             </a:r>
-            <a:endParaRPr lang="en-US" dirty="0"/>
           </a:p>
         </p:txBody>
       </p:sp>
@@ -10902,10 +11162,9 @@
           <a:lstStyle/>
           <a:p>
             <a:r>
-              <a:rPr lang="en-US" dirty="0" smtClean="0"/>
+              <a:rPr lang="en-US" dirty="0"/>
               <a:t>Auto Property Features</a:t>
             </a:r>
-            <a:endParaRPr lang="en-US" dirty="0"/>
           </a:p>
         </p:txBody>
       </p:sp>
@@ -10930,10 +11189,9 @@
           <a:lstStyle/>
           <a:p>
             <a:r>
-              <a:rPr lang="en-US" dirty="0" smtClean="0"/>
+              <a:rPr lang="en-US" dirty="0"/>
               <a:t>One of my two favorite new features…</a:t>
             </a:r>
-            <a:endParaRPr lang="en-US" dirty="0"/>
           </a:p>
         </p:txBody>
       </p:sp>
@@ -12021,10 +12279,9 @@
           <a:lstStyle/>
           <a:p>
             <a:r>
-              <a:rPr lang="en-US" dirty="0" smtClean="0"/>
+              <a:rPr lang="en-US" dirty="0"/>
               <a:t>Auto Properties Part 2</a:t>
             </a:r>
-            <a:endParaRPr lang="en-US" dirty="0"/>
           </a:p>
         </p:txBody>
       </p:sp>
@@ -12049,16 +12306,15 @@
           <a:lstStyle/>
           <a:p>
             <a:r>
-              <a:rPr lang="en-US" dirty="0" smtClean="0"/>
+              <a:rPr lang="en-US" dirty="0"/>
               <a:t>Removes a bunch of plumbing which is nice…</a:t>
             </a:r>
           </a:p>
           <a:p>
             <a:r>
-              <a:rPr lang="en-US" dirty="0" smtClean="0"/>
+              <a:rPr lang="en-US" dirty="0"/>
               <a:t>Also makes immutability easier</a:t>
             </a:r>
-            <a:endParaRPr lang="en-US" dirty="0"/>
           </a:p>
         </p:txBody>
       </p:sp>
@@ -12657,10 +12913,9 @@
           <a:lstStyle/>
           <a:p>
             <a:r>
-              <a:rPr lang="en-US" dirty="0" smtClean="0"/>
+              <a:rPr lang="en-US" dirty="0"/>
               <a:t>Auto Properties Part 3</a:t>
             </a:r>
-            <a:endParaRPr lang="en-US" dirty="0"/>
           </a:p>
         </p:txBody>
       </p:sp>
@@ -12685,10 +12940,9 @@
           <a:lstStyle/>
           <a:p>
             <a:r>
-              <a:rPr lang="en-US" dirty="0" smtClean="0"/>
+              <a:rPr lang="en-US" dirty="0"/>
               <a:t>Also, read-only getters…</a:t>
             </a:r>
-            <a:endParaRPr lang="en-US" dirty="0"/>
           </a:p>
         </p:txBody>
       </p:sp>
@@ -13146,10 +13400,9 @@
           <a:lstStyle/>
           <a:p>
             <a:r>
-              <a:rPr lang="en-US" dirty="0" smtClean="0"/>
+              <a:rPr lang="en-US" dirty="0"/>
               <a:t>String Interpolation</a:t>
             </a:r>
-            <a:endParaRPr lang="en-US" dirty="0"/>
           </a:p>
         </p:txBody>
       </p:sp>
@@ -13169,22 +13422,21 @@
           <a:lstStyle/>
           <a:p>
             <a:r>
-              <a:rPr lang="en-US" dirty="0" smtClean="0"/>
+              <a:rPr lang="en-US" dirty="0"/>
               <a:t>Easily my favorite new feature.</a:t>
             </a:r>
           </a:p>
           <a:p>
             <a:r>
-              <a:rPr lang="en-US" dirty="0" smtClean="0"/>
+              <a:rPr lang="en-US" dirty="0"/>
               <a:t>Not a huge, life-changing deal…</a:t>
             </a:r>
           </a:p>
           <a:p>
             <a:r>
-              <a:rPr lang="en-US" dirty="0" smtClean="0"/>
+              <a:rPr lang="en-US" dirty="0"/>
               <a:t>But makes life much nicer</a:t>
             </a:r>
-            <a:endParaRPr lang="en-US" dirty="0"/>
           </a:p>
         </p:txBody>
       </p:sp>
@@ -13234,10 +13486,9 @@
           <a:lstStyle/>
           <a:p>
             <a:r>
-              <a:rPr lang="en-US" dirty="0" smtClean="0"/>
+              <a:rPr lang="en-US" dirty="0"/>
               <a:t>String Interpolation</a:t>
             </a:r>
-            <a:endParaRPr lang="en-US" dirty="0"/>
           </a:p>
         </p:txBody>
       </p:sp>
@@ -13262,24 +13513,23 @@
           <a:lstStyle/>
           <a:p>
             <a:r>
-              <a:rPr lang="en-US" dirty="0" smtClean="0"/>
+              <a:rPr lang="en-US" dirty="0"/>
               <a:t>Instead of </a:t>
             </a:r>
             <a:r>
-              <a:rPr lang="en-US" dirty="0" err="1" smtClean="0"/>
+              <a:rPr lang="en-US" dirty="0" err="1"/>
               <a:t>string.Format</a:t>
             </a:r>
             <a:r>
-              <a:rPr lang="en-US" dirty="0" smtClean="0"/>
+              <a:rPr lang="en-US" dirty="0"/>
               <a:t>(“{0}{1}{2}”,thing1,thing2,thing3};</a:t>
             </a:r>
           </a:p>
           <a:p>
             <a:r>
-              <a:rPr lang="en-US" dirty="0" smtClean="0"/>
+              <a:rPr lang="en-US" dirty="0"/>
               <a:t>Use: $”{thing1} {thing2} {thing3}”;</a:t>
             </a:r>
-            <a:endParaRPr lang="en-US" dirty="0"/>
           </a:p>
         </p:txBody>
       </p:sp>
@@ -13306,7 +13556,7 @@
           <a:lstStyle/>
           <a:p>
             <a:r>
-              <a:rPr lang="en-US" dirty="0" err="1" smtClean="0">
+              <a:rPr lang="en-US" dirty="0" err="1">
                 <a:solidFill>
                   <a:srgbClr val="0000FF"/>
                 </a:solidFill>
@@ -13318,9 +13568,215 @@
               <a:t>var</a:t>
             </a:r>
             <a:r>
-              <a:rPr lang="en-US" dirty="0" smtClean="0">
-                <a:solidFill>
-                  <a:srgbClr val="000000"/>
+              <a:rPr lang="en-US" dirty="0">
+                <a:solidFill>
+                  <a:srgbClr val="000000"/>
+                </a:solidFill>
+                <a:highlight>
+                  <a:srgbClr val="FFFFFF"/>
+                </a:highlight>
+                <a:latin typeface="Consolas" panose="020B0609020204030204" pitchFamily="49" charset="0"/>
+              </a:rPr>
+              <a:t> line1 = </a:t>
+            </a:r>
+            <a:r>
+              <a:rPr lang="en-US" dirty="0" err="1">
+                <a:solidFill>
+                  <a:srgbClr val="0000FF"/>
+                </a:solidFill>
+                <a:highlight>
+                  <a:srgbClr val="FFFFFF"/>
+                </a:highlight>
+                <a:latin typeface="Consolas" panose="020B0609020204030204" pitchFamily="49" charset="0"/>
+              </a:rPr>
+              <a:t>string</a:t>
+            </a:r>
+            <a:r>
+              <a:rPr lang="en-US" dirty="0" err="1">
+                <a:solidFill>
+                  <a:srgbClr val="000000"/>
+                </a:solidFill>
+                <a:highlight>
+                  <a:srgbClr val="FFFFFF"/>
+                </a:highlight>
+                <a:latin typeface="Consolas" panose="020B0609020204030204" pitchFamily="49" charset="0"/>
+              </a:rPr>
+              <a:t>.Format</a:t>
+            </a:r>
+            <a:r>
+              <a:rPr lang="en-US" dirty="0">
+                <a:solidFill>
+                  <a:srgbClr val="000000"/>
+                </a:solidFill>
+                <a:highlight>
+                  <a:srgbClr val="FFFFFF"/>
+                </a:highlight>
+                <a:latin typeface="Consolas" panose="020B0609020204030204" pitchFamily="49" charset="0"/>
+              </a:rPr>
+              <a:t>(</a:t>
+            </a:r>
+            <a:r>
+              <a:rPr lang="en-US" dirty="0">
+                <a:solidFill>
+                  <a:srgbClr val="A31515"/>
+                </a:solidFill>
+                <a:highlight>
+                  <a:srgbClr val="FFFFFF"/>
+                </a:highlight>
+                <a:latin typeface="Consolas" panose="020B0609020204030204" pitchFamily="49" charset="0"/>
+              </a:rPr>
+              <a:t>"Person ID: </a:t>
+            </a:r>
+            <a:r>
+              <a:rPr lang="en-US" dirty="0">
+                <a:solidFill>
+                  <a:srgbClr val="3CB371"/>
+                </a:solidFill>
+                <a:highlight>
+                  <a:srgbClr val="FFFFFF"/>
+                </a:highlight>
+                <a:latin typeface="Consolas" panose="020B0609020204030204" pitchFamily="49" charset="0"/>
+              </a:rPr>
+              <a:t>{0}</a:t>
+            </a:r>
+            <a:r>
+              <a:rPr lang="en-US" dirty="0">
+                <a:solidFill>
+                  <a:srgbClr val="A31515"/>
+                </a:solidFill>
+                <a:highlight>
+                  <a:srgbClr val="FFFFFF"/>
+                </a:highlight>
+                <a:latin typeface="Consolas" panose="020B0609020204030204" pitchFamily="49" charset="0"/>
+              </a:rPr>
+              <a:t>"</a:t>
+            </a:r>
+            <a:r>
+              <a:rPr lang="en-US" dirty="0">
+                <a:solidFill>
+                  <a:srgbClr val="000000"/>
+                </a:solidFill>
+                <a:highlight>
+                  <a:srgbClr val="FFFFFF"/>
+                </a:highlight>
+                <a:latin typeface="Consolas" panose="020B0609020204030204" pitchFamily="49" charset="0"/>
+              </a:rPr>
+              <a:t>, </a:t>
+            </a:r>
+            <a:r>
+              <a:rPr lang="en-US" dirty="0" err="1">
+                <a:solidFill>
+                  <a:srgbClr val="000000"/>
+                </a:solidFill>
+                <a:highlight>
+                  <a:srgbClr val="FFFFFF"/>
+                </a:highlight>
+                <a:latin typeface="Consolas" panose="020B0609020204030204" pitchFamily="49" charset="0"/>
+              </a:rPr>
+              <a:t>person.PersonId.ToString</a:t>
+            </a:r>
+            <a:r>
+              <a:rPr lang="en-US" dirty="0">
+                <a:solidFill>
+                  <a:srgbClr val="000000"/>
+                </a:solidFill>
+                <a:highlight>
+                  <a:srgbClr val="FFFFFF"/>
+                </a:highlight>
+                <a:latin typeface="Consolas" panose="020B0609020204030204" pitchFamily="49" charset="0"/>
+              </a:rPr>
+              <a:t>());</a:t>
+            </a:r>
+          </a:p>
+          <a:p>
+            <a:r>
+              <a:rPr lang="en-US" dirty="0" err="1">
+                <a:solidFill>
+                  <a:srgbClr val="0000FF"/>
+                </a:solidFill>
+                <a:highlight>
+                  <a:srgbClr val="FFFFFF"/>
+                </a:highlight>
+                <a:latin typeface="Consolas" panose="020B0609020204030204" pitchFamily="49" charset="0"/>
+              </a:rPr>
+              <a:t>var</a:t>
+            </a:r>
+            <a:r>
+              <a:rPr lang="en-US" dirty="0">
+                <a:solidFill>
+                  <a:srgbClr val="000000"/>
+                </a:solidFill>
+                <a:highlight>
+                  <a:srgbClr val="FFFFFF"/>
+                </a:highlight>
+                <a:latin typeface="Consolas" panose="020B0609020204030204" pitchFamily="49" charset="0"/>
+              </a:rPr>
+              <a:t> line2 = </a:t>
+            </a:r>
+            <a:r>
+              <a:rPr lang="en-US" dirty="0" err="1">
+                <a:solidFill>
+                  <a:srgbClr val="0000FF"/>
+                </a:solidFill>
+                <a:highlight>
+                  <a:srgbClr val="FFFFFF"/>
+                </a:highlight>
+                <a:latin typeface="Consolas" panose="020B0609020204030204" pitchFamily="49" charset="0"/>
+              </a:rPr>
+              <a:t>string</a:t>
+            </a:r>
+            <a:r>
+              <a:rPr lang="en-US" dirty="0" err="1">
+                <a:solidFill>
+                  <a:srgbClr val="000000"/>
+                </a:solidFill>
+                <a:highlight>
+                  <a:srgbClr val="FFFFFF"/>
+                </a:highlight>
+                <a:latin typeface="Consolas" panose="020B0609020204030204" pitchFamily="49" charset="0"/>
+              </a:rPr>
+              <a:t>.Format</a:t>
+            </a:r>
+            <a:r>
+              <a:rPr lang="en-US" dirty="0">
+                <a:solidFill>
+                  <a:srgbClr val="000000"/>
+                </a:solidFill>
+                <a:highlight>
+                  <a:srgbClr val="FFFFFF"/>
+                </a:highlight>
+                <a:latin typeface="Consolas" panose="020B0609020204030204" pitchFamily="49" charset="0"/>
+              </a:rPr>
+              <a:t>(</a:t>
+            </a:r>
+            <a:r>
+              <a:rPr lang="en-US" dirty="0">
+                <a:solidFill>
+                  <a:srgbClr val="A31515"/>
+                </a:solidFill>
+                <a:highlight>
+                  <a:srgbClr val="FFFFFF"/>
+                </a:highlight>
+                <a:latin typeface="Consolas" panose="020B0609020204030204" pitchFamily="49" charset="0"/>
+              </a:rPr>
+              <a:t>"Name: </a:t>
+            </a:r>
+            <a:r>
+              <a:rPr lang="en-US" dirty="0">
+                <a:solidFill>
+                  <a:srgbClr val="3CB371"/>
+                </a:solidFill>
+                <a:highlight>
+                  <a:srgbClr val="FFFFFF"/>
+                </a:highlight>
+                <a:latin typeface="Consolas" panose="020B0609020204030204" pitchFamily="49" charset="0"/>
+              </a:rPr>
+              <a:t>{0}</a:t>
+            </a:r>
+            <a:r>
+              <a:rPr lang="en-US" dirty="0">
+                <a:solidFill>
+                  <a:srgbClr val="A31515"/>
                 </a:solidFill>
                 <a:highlight>
                   <a:srgbClr val="FFFFFF"/>
@@ -13332,26 +13788,62 @@
             <a:r>
               <a:rPr lang="en-US" dirty="0">
                 <a:solidFill>
-                  <a:srgbClr val="000000"/>
-                </a:solidFill>
-                <a:highlight>
-                  <a:srgbClr val="FFFFFF"/>
-                </a:highlight>
-                <a:latin typeface="Consolas" panose="020B0609020204030204" pitchFamily="49" charset="0"/>
-              </a:rPr>
-              <a:t>line1 = </a:t>
+                  <a:srgbClr val="3CB371"/>
+                </a:solidFill>
+                <a:highlight>
+                  <a:srgbClr val="FFFFFF"/>
+                </a:highlight>
+                <a:latin typeface="Consolas" panose="020B0609020204030204" pitchFamily="49" charset="0"/>
+              </a:rPr>
+              <a:t>{1}</a:t>
+            </a:r>
+            <a:r>
+              <a:rPr lang="en-US" dirty="0">
+                <a:solidFill>
+                  <a:srgbClr val="A31515"/>
+                </a:solidFill>
+                <a:highlight>
+                  <a:srgbClr val="FFFFFF"/>
+                </a:highlight>
+                <a:latin typeface="Consolas" panose="020B0609020204030204" pitchFamily="49" charset="0"/>
+              </a:rPr>
+              <a:t>"</a:t>
+            </a:r>
+            <a:r>
+              <a:rPr lang="en-US" dirty="0">
+                <a:solidFill>
+                  <a:srgbClr val="000000"/>
+                </a:solidFill>
+                <a:highlight>
+                  <a:srgbClr val="FFFFFF"/>
+                </a:highlight>
+                <a:latin typeface="Consolas" panose="020B0609020204030204" pitchFamily="49" charset="0"/>
+              </a:rPr>
+              <a:t>, </a:t>
             </a:r>
             <a:r>
               <a:rPr lang="en-US" dirty="0" err="1">
                 <a:solidFill>
-                  <a:srgbClr val="0000FF"/>
-                </a:solidFill>
-                <a:highlight>
-                  <a:srgbClr val="FFFFFF"/>
-                </a:highlight>
-                <a:latin typeface="Consolas" panose="020B0609020204030204" pitchFamily="49" charset="0"/>
-              </a:rPr>
-              <a:t>string</a:t>
+                  <a:srgbClr val="000000"/>
+                </a:solidFill>
+                <a:highlight>
+                  <a:srgbClr val="FFFFFF"/>
+                </a:highlight>
+                <a:latin typeface="Consolas" panose="020B0609020204030204" pitchFamily="49" charset="0"/>
+              </a:rPr>
+              <a:t>person.FirstName</a:t>
+            </a:r>
+            <a:r>
+              <a:rPr lang="en-US" dirty="0">
+                <a:solidFill>
+                  <a:srgbClr val="000000"/>
+                </a:solidFill>
+                <a:highlight>
+                  <a:srgbClr val="FFFFFF"/>
+                </a:highlight>
+                <a:latin typeface="Consolas" panose="020B0609020204030204" pitchFamily="49" charset="0"/>
+              </a:rPr>
+              <a:t>, </a:t>
             </a:r>
             <a:r>
               <a:rPr lang="en-US" dirty="0" err="1">
@@ -13363,7 +13855,7 @@
                 </a:highlight>
                 <a:latin typeface="Consolas" panose="020B0609020204030204" pitchFamily="49" charset="0"/>
               </a:rPr>
-              <a:t>.Format</a:t>
+              <a:t>person.LastName</a:t>
             </a:r>
             <a:r>
               <a:rPr lang="en-US" dirty="0">
@@ -13375,373 +13867,83 @@
                 </a:highlight>
                 <a:latin typeface="Consolas" panose="020B0609020204030204" pitchFamily="49" charset="0"/>
               </a:rPr>
-              <a:t>(</a:t>
+              <a:t>);</a:t>
+            </a:r>
+          </a:p>
+          <a:p>
+            <a:r>
+              <a:rPr lang="en-US" dirty="0" err="1">
+                <a:solidFill>
+                  <a:srgbClr val="2B91AF"/>
+                </a:solidFill>
+                <a:highlight>
+                  <a:srgbClr val="FFFFFF"/>
+                </a:highlight>
+                <a:latin typeface="Consolas" panose="020B0609020204030204" pitchFamily="49" charset="0"/>
+              </a:rPr>
+              <a:t>Console</a:t>
+            </a:r>
+            <a:r>
+              <a:rPr lang="en-US" dirty="0" err="1">
+                <a:solidFill>
+                  <a:srgbClr val="000000"/>
+                </a:solidFill>
+                <a:highlight>
+                  <a:srgbClr val="FFFFFF"/>
+                </a:highlight>
+                <a:latin typeface="Consolas" panose="020B0609020204030204" pitchFamily="49" charset="0"/>
+              </a:rPr>
+              <a:t>.WriteLine</a:t>
             </a:r>
             <a:r>
               <a:rPr lang="en-US" dirty="0">
                 <a:solidFill>
-                  <a:srgbClr val="A31515"/>
-                </a:solidFill>
-                <a:highlight>
-                  <a:srgbClr val="FFFFFF"/>
-                </a:highlight>
-                <a:latin typeface="Consolas" panose="020B0609020204030204" pitchFamily="49" charset="0"/>
-              </a:rPr>
-              <a:t>"Person ID: </a:t>
+                  <a:srgbClr val="000000"/>
+                </a:solidFill>
+                <a:highlight>
+                  <a:srgbClr val="FFFFFF"/>
+                </a:highlight>
+                <a:latin typeface="Consolas" panose="020B0609020204030204" pitchFamily="49" charset="0"/>
+              </a:rPr>
+              <a:t>(line1);</a:t>
+            </a:r>
+          </a:p>
+          <a:p>
+            <a:r>
+              <a:rPr lang="en-US" dirty="0" err="1">
+                <a:solidFill>
+                  <a:srgbClr val="2B91AF"/>
+                </a:solidFill>
+                <a:highlight>
+                  <a:srgbClr val="FFFFFF"/>
+                </a:highlight>
+                <a:latin typeface="Consolas" panose="020B0609020204030204" pitchFamily="49" charset="0"/>
+              </a:rPr>
+              <a:t>Console</a:t>
+            </a:r>
+            <a:r>
+              <a:rPr lang="en-US" dirty="0" err="1">
+                <a:solidFill>
+                  <a:srgbClr val="000000"/>
+                </a:solidFill>
+                <a:highlight>
+                  <a:srgbClr val="FFFFFF"/>
+                </a:highlight>
+                <a:latin typeface="Consolas" panose="020B0609020204030204" pitchFamily="49" charset="0"/>
+              </a:rPr>
+              <a:t>.WriteLine</a:t>
             </a:r>
             <a:r>
               <a:rPr lang="en-US" dirty="0">
                 <a:solidFill>
-                  <a:srgbClr val="3CB371"/>
-                </a:solidFill>
-                <a:highlight>
-                  <a:srgbClr val="FFFFFF"/>
-                </a:highlight>
-                <a:latin typeface="Consolas" panose="020B0609020204030204" pitchFamily="49" charset="0"/>
-              </a:rPr>
-              <a:t>{0}</a:t>
-            </a:r>
-            <a:r>
-              <a:rPr lang="en-US" dirty="0">
-                <a:solidFill>
-                  <a:srgbClr val="A31515"/>
-                </a:solidFill>
-                <a:highlight>
-                  <a:srgbClr val="FFFFFF"/>
-                </a:highlight>
-                <a:latin typeface="Consolas" panose="020B0609020204030204" pitchFamily="49" charset="0"/>
-              </a:rPr>
-              <a:t>"</a:t>
-            </a:r>
-            <a:r>
-              <a:rPr lang="en-US" dirty="0">
-                <a:solidFill>
-                  <a:srgbClr val="000000"/>
-                </a:solidFill>
-                <a:highlight>
-                  <a:srgbClr val="FFFFFF"/>
-                </a:highlight>
-                <a:latin typeface="Consolas" panose="020B0609020204030204" pitchFamily="49" charset="0"/>
-              </a:rPr>
-              <a:t>, </a:t>
-            </a:r>
-            <a:r>
-              <a:rPr lang="en-US" dirty="0" err="1">
-                <a:solidFill>
-                  <a:srgbClr val="000000"/>
-                </a:solidFill>
-                <a:highlight>
-                  <a:srgbClr val="FFFFFF"/>
-                </a:highlight>
-                <a:latin typeface="Consolas" panose="020B0609020204030204" pitchFamily="49" charset="0"/>
-              </a:rPr>
-              <a:t>person.PersonId.ToString</a:t>
-            </a:r>
-            <a:r>
-              <a:rPr lang="en-US" dirty="0">
-                <a:solidFill>
-                  <a:srgbClr val="000000"/>
-                </a:solidFill>
-                <a:highlight>
-                  <a:srgbClr val="FFFFFF"/>
-                </a:highlight>
-                <a:latin typeface="Consolas" panose="020B0609020204030204" pitchFamily="49" charset="0"/>
-              </a:rPr>
-              <a:t>());</a:t>
-            </a:r>
-          </a:p>
-          <a:p>
-            <a:r>
-              <a:rPr lang="en-US" dirty="0" err="1" smtClean="0">
-                <a:solidFill>
-                  <a:srgbClr val="0000FF"/>
-                </a:solidFill>
-                <a:highlight>
-                  <a:srgbClr val="FFFFFF"/>
-                </a:highlight>
-                <a:latin typeface="Consolas" panose="020B0609020204030204" pitchFamily="49" charset="0"/>
-              </a:rPr>
-              <a:t>var</a:t>
-            </a:r>
-            <a:r>
-              <a:rPr lang="en-US" dirty="0" smtClean="0">
-                <a:solidFill>
-                  <a:srgbClr val="000000"/>
-                </a:solidFill>
-                <a:highlight>
-                  <a:srgbClr val="FFFFFF"/>
-                </a:highlight>
-                <a:latin typeface="Consolas" panose="020B0609020204030204" pitchFamily="49" charset="0"/>
-              </a:rPr>
-              <a:t> </a:t>
-            </a:r>
-            <a:r>
-              <a:rPr lang="en-US" dirty="0">
-                <a:solidFill>
-                  <a:srgbClr val="000000"/>
-                </a:solidFill>
-                <a:highlight>
-                  <a:srgbClr val="FFFFFF"/>
-                </a:highlight>
-                <a:latin typeface="Consolas" panose="020B0609020204030204" pitchFamily="49" charset="0"/>
-              </a:rPr>
-              <a:t>line2 = </a:t>
-            </a:r>
-            <a:r>
-              <a:rPr lang="en-US" dirty="0" err="1">
-                <a:solidFill>
-                  <a:srgbClr val="0000FF"/>
-                </a:solidFill>
-                <a:highlight>
-                  <a:srgbClr val="FFFFFF"/>
-                </a:highlight>
-                <a:latin typeface="Consolas" panose="020B0609020204030204" pitchFamily="49" charset="0"/>
-              </a:rPr>
-              <a:t>string</a:t>
-            </a:r>
-            <a:r>
-              <a:rPr lang="en-US" dirty="0" err="1">
-                <a:solidFill>
-                  <a:srgbClr val="000000"/>
-                </a:solidFill>
-                <a:highlight>
-                  <a:srgbClr val="FFFFFF"/>
-                </a:highlight>
-                <a:latin typeface="Consolas" panose="020B0609020204030204" pitchFamily="49" charset="0"/>
-              </a:rPr>
-              <a:t>.Format</a:t>
-            </a:r>
-            <a:r>
-              <a:rPr lang="en-US" dirty="0">
-                <a:solidFill>
-                  <a:srgbClr val="000000"/>
-                </a:solidFill>
-                <a:highlight>
-                  <a:srgbClr val="FFFFFF"/>
-                </a:highlight>
-                <a:latin typeface="Consolas" panose="020B0609020204030204" pitchFamily="49" charset="0"/>
-              </a:rPr>
-              <a:t>(</a:t>
-            </a:r>
-            <a:r>
-              <a:rPr lang="en-US" dirty="0">
-                <a:solidFill>
-                  <a:srgbClr val="A31515"/>
-                </a:solidFill>
-                <a:highlight>
-                  <a:srgbClr val="FFFFFF"/>
-                </a:highlight>
-                <a:latin typeface="Consolas" panose="020B0609020204030204" pitchFamily="49" charset="0"/>
-              </a:rPr>
-              <a:t>"Name: </a:t>
-            </a:r>
-            <a:r>
-              <a:rPr lang="en-US" dirty="0">
-                <a:solidFill>
-                  <a:srgbClr val="3CB371"/>
-                </a:solidFill>
-                <a:highlight>
-                  <a:srgbClr val="FFFFFF"/>
-                </a:highlight>
-                <a:latin typeface="Consolas" panose="020B0609020204030204" pitchFamily="49" charset="0"/>
-              </a:rPr>
-              <a:t>{0}</a:t>
-            </a:r>
-            <a:r>
-              <a:rPr lang="en-US" dirty="0">
-                <a:solidFill>
-                  <a:srgbClr val="A31515"/>
-                </a:solidFill>
-                <a:highlight>
-                  <a:srgbClr val="FFFFFF"/>
-                </a:highlight>
-                <a:latin typeface="Consolas" panose="020B0609020204030204" pitchFamily="49" charset="0"/>
-              </a:rPr>
-              <a:t> </a:t>
-            </a:r>
-            <a:r>
-              <a:rPr lang="en-US" dirty="0">
-                <a:solidFill>
-                  <a:srgbClr val="3CB371"/>
-                </a:solidFill>
-                <a:highlight>
-                  <a:srgbClr val="FFFFFF"/>
-                </a:highlight>
-                <a:latin typeface="Consolas" panose="020B0609020204030204" pitchFamily="49" charset="0"/>
-              </a:rPr>
-              <a:t>{1}</a:t>
-            </a:r>
-            <a:r>
-              <a:rPr lang="en-US" dirty="0">
-                <a:solidFill>
-                  <a:srgbClr val="A31515"/>
-                </a:solidFill>
-                <a:highlight>
-                  <a:srgbClr val="FFFFFF"/>
-                </a:highlight>
-                <a:latin typeface="Consolas" panose="020B0609020204030204" pitchFamily="49" charset="0"/>
-              </a:rPr>
-              <a:t>"</a:t>
-            </a:r>
-            <a:r>
-              <a:rPr lang="en-US" dirty="0">
-                <a:solidFill>
-                  <a:srgbClr val="000000"/>
-                </a:solidFill>
-                <a:highlight>
-                  <a:srgbClr val="FFFFFF"/>
-                </a:highlight>
-                <a:latin typeface="Consolas" panose="020B0609020204030204" pitchFamily="49" charset="0"/>
-              </a:rPr>
-              <a:t>, </a:t>
-            </a:r>
-            <a:r>
-              <a:rPr lang="en-US" dirty="0" err="1">
-                <a:solidFill>
-                  <a:srgbClr val="000000"/>
-                </a:solidFill>
-                <a:highlight>
-                  <a:srgbClr val="FFFFFF"/>
-                </a:highlight>
-                <a:latin typeface="Consolas" panose="020B0609020204030204" pitchFamily="49" charset="0"/>
-              </a:rPr>
-              <a:t>person.FirstName</a:t>
-            </a:r>
-            <a:r>
-              <a:rPr lang="en-US" dirty="0">
-                <a:solidFill>
-                  <a:srgbClr val="000000"/>
-                </a:solidFill>
-                <a:highlight>
-                  <a:srgbClr val="FFFFFF"/>
-                </a:highlight>
-                <a:latin typeface="Consolas" panose="020B0609020204030204" pitchFamily="49" charset="0"/>
-              </a:rPr>
-              <a:t>, </a:t>
-            </a:r>
-            <a:r>
-              <a:rPr lang="en-US" dirty="0" err="1">
-                <a:solidFill>
-                  <a:srgbClr val="000000"/>
-                </a:solidFill>
-                <a:highlight>
-                  <a:srgbClr val="FFFFFF"/>
-                </a:highlight>
-                <a:latin typeface="Consolas" panose="020B0609020204030204" pitchFamily="49" charset="0"/>
-              </a:rPr>
-              <a:t>person.LastName</a:t>
-            </a:r>
-            <a:r>
-              <a:rPr lang="en-US" dirty="0">
-                <a:solidFill>
-                  <a:srgbClr val="000000"/>
-                </a:solidFill>
-                <a:highlight>
-                  <a:srgbClr val="FFFFFF"/>
-                </a:highlight>
-                <a:latin typeface="Consolas" panose="020B0609020204030204" pitchFamily="49" charset="0"/>
-              </a:rPr>
-              <a:t>);</a:t>
-            </a:r>
-          </a:p>
-          <a:p>
-            <a:r>
-              <a:rPr lang="en-US" dirty="0" err="1" smtClean="0">
-                <a:solidFill>
-                  <a:srgbClr val="2B91AF"/>
-                </a:solidFill>
-                <a:highlight>
-                  <a:srgbClr val="FFFFFF"/>
-                </a:highlight>
-                <a:latin typeface="Consolas" panose="020B0609020204030204" pitchFamily="49" charset="0"/>
-              </a:rPr>
-              <a:t>Console</a:t>
-            </a:r>
-            <a:r>
-              <a:rPr lang="en-US" dirty="0" err="1" smtClean="0">
-                <a:solidFill>
-                  <a:srgbClr val="000000"/>
-                </a:solidFill>
-                <a:highlight>
-                  <a:srgbClr val="FFFFFF"/>
-                </a:highlight>
-                <a:latin typeface="Consolas" panose="020B0609020204030204" pitchFamily="49" charset="0"/>
-              </a:rPr>
-              <a:t>.WriteLine</a:t>
-            </a:r>
-            <a:r>
-              <a:rPr lang="en-US" dirty="0" smtClean="0">
-                <a:solidFill>
-                  <a:srgbClr val="000000"/>
-                </a:solidFill>
-                <a:highlight>
-                  <a:srgbClr val="FFFFFF"/>
-                </a:highlight>
-                <a:latin typeface="Consolas" panose="020B0609020204030204" pitchFamily="49" charset="0"/>
-              </a:rPr>
-              <a:t>(line1</a:t>
-            </a:r>
-            <a:r>
-              <a:rPr lang="en-US" dirty="0">
-                <a:solidFill>
-                  <a:srgbClr val="000000"/>
-                </a:solidFill>
-                <a:highlight>
-                  <a:srgbClr val="FFFFFF"/>
-                </a:highlight>
-                <a:latin typeface="Consolas" panose="020B0609020204030204" pitchFamily="49" charset="0"/>
-              </a:rPr>
-              <a:t>);</a:t>
-            </a:r>
-          </a:p>
-          <a:p>
-            <a:r>
-              <a:rPr lang="en-US" dirty="0" err="1" smtClean="0">
-                <a:solidFill>
-                  <a:srgbClr val="2B91AF"/>
-                </a:solidFill>
-                <a:highlight>
-                  <a:srgbClr val="FFFFFF"/>
-                </a:highlight>
-                <a:latin typeface="Consolas" panose="020B0609020204030204" pitchFamily="49" charset="0"/>
-              </a:rPr>
-              <a:t>Console</a:t>
-            </a:r>
-            <a:r>
-              <a:rPr lang="en-US" dirty="0" err="1" smtClean="0">
-                <a:solidFill>
-                  <a:srgbClr val="000000"/>
-                </a:solidFill>
-                <a:highlight>
-                  <a:srgbClr val="FFFFFF"/>
-                </a:highlight>
-                <a:latin typeface="Consolas" panose="020B0609020204030204" pitchFamily="49" charset="0"/>
-              </a:rPr>
-              <a:t>.WriteLine</a:t>
-            </a:r>
-            <a:r>
-              <a:rPr lang="en-US" dirty="0" smtClean="0">
-                <a:solidFill>
-                  <a:srgbClr val="000000"/>
-                </a:solidFill>
-                <a:highlight>
-                  <a:srgbClr val="FFFFFF"/>
-                </a:highlight>
-                <a:latin typeface="Consolas" panose="020B0609020204030204" pitchFamily="49" charset="0"/>
-              </a:rPr>
-              <a:t>(line2</a:t>
-            </a:r>
-            <a:r>
-              <a:rPr lang="en-US" dirty="0">
-                <a:solidFill>
-                  <a:srgbClr val="000000"/>
-                </a:solidFill>
-                <a:highlight>
-                  <a:srgbClr val="FFFFFF"/>
-                </a:highlight>
-                <a:latin typeface="Consolas" panose="020B0609020204030204" pitchFamily="49" charset="0"/>
-              </a:rPr>
-              <a:t>);</a:t>
+                  <a:srgbClr val="000000"/>
+                </a:solidFill>
+                <a:highlight>
+                  <a:srgbClr val="FFFFFF"/>
+                </a:highlight>
+                <a:latin typeface="Consolas" panose="020B0609020204030204" pitchFamily="49" charset="0"/>
+              </a:rPr>
+              <a:t>(line2);</a:t>
             </a:r>
             <a:endParaRPr lang="en-US" dirty="0"/>
           </a:p>
@@ -13770,7 +13972,7 @@
           <a:lstStyle/>
           <a:p>
             <a:r>
-              <a:rPr lang="en-US" dirty="0" err="1" smtClean="0">
+              <a:rPr lang="en-US" dirty="0" err="1">
                 <a:solidFill>
                   <a:srgbClr val="2B91AF"/>
                 </a:solidFill>
@@ -13782,7 +13984,7 @@
               <a:t>Console</a:t>
             </a:r>
             <a:r>
-              <a:rPr lang="en-US" dirty="0" err="1" smtClean="0">
+              <a:rPr lang="en-US" dirty="0" err="1">
                 <a:solidFill>
                   <a:srgbClr val="000000"/>
                 </a:solidFill>
@@ -13880,7 +14082,7 @@
           </a:p>
           <a:p>
             <a:r>
-              <a:rPr lang="en-US" dirty="0" err="1" smtClean="0">
+              <a:rPr lang="en-US" dirty="0" err="1">
                 <a:solidFill>
                   <a:srgbClr val="2B91AF"/>
                 </a:solidFill>
@@ -13892,7 +14094,7 @@
               <a:t>Console</a:t>
             </a:r>
             <a:r>
-              <a:rPr lang="en-US" dirty="0" err="1" smtClean="0">
+              <a:rPr lang="en-US" dirty="0" err="1">
                 <a:solidFill>
                   <a:srgbClr val="000000"/>
                 </a:solidFill>
@@ -14085,10 +14287,9 @@
           <a:lstStyle/>
           <a:p>
             <a:r>
-              <a:rPr lang="en-US" dirty="0" smtClean="0"/>
+              <a:rPr lang="en-US" dirty="0"/>
               <a:t>Joseph Reynolds</a:t>
             </a:r>
-            <a:endParaRPr lang="en-US" dirty="0"/>
           </a:p>
         </p:txBody>
       </p:sp>
@@ -14110,54 +14311,54 @@
           <a:lstStyle/>
           <a:p>
             <a:r>
-              <a:rPr lang="en-US" dirty="0" smtClean="0"/>
+              <a:rPr lang="en-US" dirty="0"/>
               <a:t>Independent Software Consultant</a:t>
             </a:r>
             <a:br>
-              <a:rPr lang="en-US" dirty="0" smtClean="0"/>
+              <a:rPr lang="en-US" dirty="0"/>
             </a:br>
             <a:r>
-              <a:rPr lang="en-US" i="1" dirty="0" smtClean="0"/>
+              <a:rPr lang="en-US" i="1" dirty="0"/>
               <a:t>InfoCraft.net</a:t>
             </a:r>
           </a:p>
           <a:p>
             <a:r>
-              <a:rPr lang="en-US" dirty="0" smtClean="0"/>
+              <a:rPr lang="en-US" dirty="0"/>
               <a:t>North Houston </a:t>
             </a:r>
             <a:r>
-              <a:rPr lang="en-US" dirty="0" err="1" smtClean="0"/>
+              <a:rPr lang="en-US" dirty="0" err="1"/>
               <a:t>.Net</a:t>
             </a:r>
             <a:r>
-              <a:rPr lang="en-US" dirty="0" smtClean="0"/>
+              <a:rPr lang="en-US" dirty="0"/>
               <a:t> User Group</a:t>
             </a:r>
             <a:br>
-              <a:rPr lang="en-US" dirty="0" smtClean="0"/>
+              <a:rPr lang="en-US" dirty="0"/>
             </a:br>
             <a:r>
-              <a:rPr lang="en-US" i="1" dirty="0" smtClean="0"/>
+              <a:rPr lang="en-US" i="1" dirty="0"/>
               <a:t>Board Member, 2011 – present</a:t>
             </a:r>
           </a:p>
           <a:p>
             <a:r>
-              <a:rPr lang="en-US" dirty="0" smtClean="0"/>
+              <a:rPr lang="en-US" dirty="0"/>
               <a:t>Microsoft C# MVP</a:t>
             </a:r>
             <a:br>
-              <a:rPr lang="en-US" dirty="0" smtClean="0"/>
+              <a:rPr lang="en-US" dirty="0"/>
             </a:br>
             <a:r>
-              <a:rPr lang="en-US" i="1" dirty="0" smtClean="0"/>
+              <a:rPr lang="en-US" i="1" dirty="0"/>
               <a:t>2013 – present</a:t>
             </a:r>
           </a:p>
           <a:p>
             <a:r>
-              <a:rPr lang="en-US" dirty="0" smtClean="0"/>
+              <a:rPr lang="en-US" dirty="0"/>
               <a:t>Enjoys reading, role-playing games, and spending time with family.</a:t>
             </a:r>
           </a:p>
@@ -14236,14 +14437,6 @@
   <p:clrMapOvr>
     <a:masterClrMapping/>
   </p:clrMapOvr>
-  <mc:AlternateContent xmlns:mc="http://schemas.openxmlformats.org/markup-compatibility/2006" xmlns:p14="http://schemas.microsoft.com/office/powerpoint/2010/main">
-    <mc:Choice Requires="p14">
-      <p:transition spd="slow" p14:dur="2000"/>
-    </mc:Choice>
-    <mc:Fallback xmlns="">
-      <p:transition spd="slow"/>
-    </mc:Fallback>
-  </mc:AlternateContent>
 </p:sld>
 </file>
 
@@ -14280,10 +14473,9 @@
           <a:lstStyle/>
           <a:p>
             <a:r>
-              <a:rPr lang="en-US" dirty="0" smtClean="0"/>
+              <a:rPr lang="en-US" dirty="0"/>
               <a:t>String Interpolation</a:t>
             </a:r>
-            <a:endParaRPr lang="en-US" dirty="0"/>
           </a:p>
         </p:txBody>
       </p:sp>
@@ -14396,7 +14588,7 @@
           </a:p>
           <a:p>
             <a:r>
-              <a:rPr lang="en-US" dirty="0" smtClean="0">
+              <a:rPr lang="en-US" dirty="0">
                 <a:solidFill>
                   <a:srgbClr val="000000"/>
                 </a:solidFill>
@@ -14407,19 +14599,10 @@
               </a:rPr>
               <a:t>{</a:t>
             </a:r>
-            <a:endParaRPr lang="en-US" dirty="0">
-              <a:solidFill>
-                <a:srgbClr val="000000"/>
-              </a:solidFill>
-              <a:highlight>
-                <a:srgbClr val="FFFFFF"/>
-              </a:highlight>
-              <a:latin typeface="Consolas" panose="020B0609020204030204" pitchFamily="49" charset="0"/>
-            </a:endParaRPr>
-          </a:p>
-          <a:p>
-            <a:r>
-              <a:rPr lang="en-US" dirty="0" smtClean="0">
+          </a:p>
+          <a:p>
+            <a:r>
+              <a:rPr lang="en-US" dirty="0">
                 <a:solidFill>
                   <a:srgbClr val="0000FF"/>
                 </a:solidFill>
@@ -14431,7 +14614,7 @@
               <a:t>	return</a:t>
             </a:r>
             <a:r>
-              <a:rPr lang="en-US" dirty="0" smtClean="0">
+              <a:rPr lang="en-US" dirty="0">
                 <a:solidFill>
                   <a:srgbClr val="000000"/>
                 </a:solidFill>
@@ -14517,7 +14700,7 @@
           </a:p>
           <a:p>
             <a:r>
-              <a:rPr lang="en-US" dirty="0" smtClean="0">
+              <a:rPr lang="en-US" dirty="0">
                 <a:solidFill>
                   <a:srgbClr val="800000"/>
                 </a:solidFill>
@@ -14627,7 +14810,7 @@
           </a:p>
           <a:p>
             <a:r>
-              <a:rPr lang="en-US" dirty="0" smtClean="0">
+              <a:rPr lang="en-US" dirty="0">
                 <a:solidFill>
                   <a:srgbClr val="800000"/>
                 </a:solidFill>
@@ -14713,7 +14896,7 @@
           </a:p>
           <a:p>
             <a:r>
-              <a:rPr lang="en-US" dirty="0" smtClean="0">
+              <a:rPr lang="en-US" dirty="0">
                 <a:solidFill>
                   <a:srgbClr val="800000"/>
                 </a:solidFill>
@@ -14751,7 +14934,7 @@
           </a:p>
           <a:p>
             <a:r>
-              <a:rPr lang="en-US" dirty="0" smtClean="0">
+              <a:rPr lang="en-US" dirty="0">
                 <a:solidFill>
                   <a:srgbClr val="800000"/>
                 </a:solidFill>
@@ -14799,7 +14982,7 @@
               <a:t>, </a:t>
             </a:r>
             <a:r>
-              <a:rPr lang="en-US" dirty="0" err="1" smtClean="0">
+              <a:rPr lang="en-US" dirty="0" err="1">
                 <a:solidFill>
                   <a:srgbClr val="000000"/>
                 </a:solidFill>
@@ -14811,7 +14994,7 @@
               <a:t>custno</a:t>
             </a:r>
             <a:r>
-              <a:rPr lang="en-US" dirty="0" smtClean="0">
+              <a:rPr lang="en-US" dirty="0">
                 <a:solidFill>
                   <a:srgbClr val="000000"/>
                 </a:solidFill>
@@ -14822,19 +15005,10 @@
               </a:rPr>
               <a:t>);</a:t>
             </a:r>
-            <a:endParaRPr lang="en-US" dirty="0">
-              <a:solidFill>
-                <a:srgbClr val="000000"/>
-              </a:solidFill>
-              <a:highlight>
-                <a:srgbClr val="FFFFFF"/>
-              </a:highlight>
-              <a:latin typeface="Consolas" panose="020B0609020204030204" pitchFamily="49" charset="0"/>
-            </a:endParaRPr>
-          </a:p>
-          <a:p>
-            <a:r>
-              <a:rPr lang="en-US" dirty="0" smtClean="0">
+          </a:p>
+          <a:p>
+            <a:r>
+              <a:rPr lang="en-US" dirty="0">
                 <a:solidFill>
                   <a:srgbClr val="000000"/>
                 </a:solidFill>
@@ -14872,10 +15046,9 @@
           <a:lstStyle/>
           <a:p>
             <a:r>
-              <a:rPr lang="en-US" dirty="0" smtClean="0"/>
+              <a:rPr lang="en-US" dirty="0"/>
               <a:t>Imagine this, only with about 20-30 fields being concatenated in…</a:t>
             </a:r>
-            <a:endParaRPr lang="en-US" dirty="0"/>
           </a:p>
         </p:txBody>
       </p:sp>
@@ -14925,10 +15098,9 @@
           <a:lstStyle/>
           <a:p>
             <a:r>
-              <a:rPr lang="en-US" dirty="0" smtClean="0"/>
+              <a:rPr lang="en-US" dirty="0"/>
               <a:t>String Interpolation</a:t>
             </a:r>
-            <a:endParaRPr lang="en-US" dirty="0"/>
           </a:p>
         </p:txBody>
       </p:sp>
@@ -14956,10 +15128,9 @@
               <a:buNone/>
             </a:pPr>
             <a:r>
-              <a:rPr lang="en-US" dirty="0" smtClean="0"/>
+              <a:rPr lang="en-US" dirty="0"/>
               <a:t>At least this is readable…</a:t>
             </a:r>
-            <a:endParaRPr lang="en-US" dirty="0"/>
           </a:p>
         </p:txBody>
       </p:sp>
@@ -15072,7 +15243,7 @@
           </a:p>
           <a:p>
             <a:r>
-              <a:rPr lang="en-US" dirty="0" smtClean="0">
+              <a:rPr lang="en-US" dirty="0">
                 <a:solidFill>
                   <a:srgbClr val="000000"/>
                 </a:solidFill>
@@ -15083,19 +15254,10 @@
               </a:rPr>
               <a:t>{</a:t>
             </a:r>
-            <a:endParaRPr lang="en-US" dirty="0">
-              <a:solidFill>
-                <a:srgbClr val="000000"/>
-              </a:solidFill>
-              <a:highlight>
-                <a:srgbClr val="FFFFFF"/>
-              </a:highlight>
-              <a:latin typeface="Consolas" panose="020B0609020204030204" pitchFamily="49" charset="0"/>
-            </a:endParaRPr>
-          </a:p>
-          <a:p>
-            <a:r>
-              <a:rPr lang="en-US" dirty="0" smtClean="0">
+          </a:p>
+          <a:p>
+            <a:r>
+              <a:rPr lang="en-US" dirty="0">
                 <a:solidFill>
                   <a:srgbClr val="0000FF"/>
                 </a:solidFill>
@@ -15107,7 +15269,7 @@
               <a:t>	return</a:t>
             </a:r>
             <a:r>
-              <a:rPr lang="en-US" dirty="0" smtClean="0">
+              <a:rPr lang="en-US" dirty="0">
                 <a:solidFill>
                   <a:srgbClr val="000000"/>
                 </a:solidFill>
@@ -15130,22 +15292,10 @@
                 </a:highlight>
                 <a:latin typeface="Consolas" panose="020B0609020204030204" pitchFamily="49" charset="0"/>
               </a:rPr>
-              <a:t>	</a:t>
-            </a:r>
-            <a:r>
-              <a:rPr lang="en-US" dirty="0" smtClean="0">
-                <a:solidFill>
-                  <a:srgbClr val="000000"/>
-                </a:solidFill>
-                <a:highlight>
-                  <a:srgbClr val="FFFFFF"/>
-                </a:highlight>
-                <a:latin typeface="Consolas" panose="020B0609020204030204" pitchFamily="49" charset="0"/>
-              </a:rPr>
-              <a:t>	</a:t>
-            </a:r>
-            <a:r>
-              <a:rPr lang="en-US" dirty="0" smtClean="0">
+              <a:t>		</a:t>
+            </a:r>
+            <a:r>
+              <a:rPr lang="en-US" dirty="0">
                 <a:solidFill>
                   <a:srgbClr val="A31515"/>
                 </a:solidFill>
@@ -15231,7 +15381,7 @@
           </a:p>
           <a:p>
             <a:r>
-              <a:rPr lang="en-US" dirty="0" smtClean="0">
+              <a:rPr lang="en-US" dirty="0">
                 <a:solidFill>
                   <a:srgbClr val="A31515"/>
                 </a:solidFill>
@@ -15389,7 +15539,7 @@
           </a:p>
           <a:p>
             <a:r>
-              <a:rPr lang="en-US" dirty="0" smtClean="0">
+              <a:rPr lang="en-US" dirty="0">
                 <a:solidFill>
                   <a:srgbClr val="A31515"/>
                 </a:solidFill>
@@ -15413,7 +15563,7 @@
               <a:t>custNo</a:t>
             </a:r>
             <a:r>
-              <a:rPr lang="en-US" dirty="0" smtClean="0">
+              <a:rPr lang="en-US" dirty="0">
                 <a:solidFill>
                   <a:srgbClr val="A31515"/>
                 </a:solidFill>
@@ -15425,7 +15575,7 @@
               <a:t>&gt;</a:t>
             </a:r>
             <a:r>
-              <a:rPr lang="en-US" dirty="0" smtClean="0">
+              <a:rPr lang="en-US" dirty="0">
                 <a:solidFill>
                   <a:srgbClr val="000000"/>
                 </a:solidFill>
@@ -15437,7 +15587,7 @@
               <a:t>{</a:t>
             </a:r>
             <a:r>
-              <a:rPr lang="en-US" dirty="0" err="1" smtClean="0">
+              <a:rPr lang="en-US" dirty="0" err="1">
                 <a:solidFill>
                   <a:srgbClr val="000000"/>
                 </a:solidFill>
@@ -15449,7 +15599,7 @@
               <a:t>custno</a:t>
             </a:r>
             <a:r>
-              <a:rPr lang="en-US" dirty="0" smtClean="0">
+              <a:rPr lang="en-US" dirty="0">
                 <a:solidFill>
                   <a:srgbClr val="000000"/>
                 </a:solidFill>
@@ -15461,7 +15611,7 @@
               <a:t>}</a:t>
             </a:r>
             <a:r>
-              <a:rPr lang="en-US" dirty="0" smtClean="0">
+              <a:rPr lang="en-US" dirty="0">
                 <a:solidFill>
                   <a:srgbClr val="A31515"/>
                 </a:solidFill>
@@ -15547,7 +15697,7 @@
           </a:p>
           <a:p>
             <a:r>
-              <a:rPr lang="en-US" dirty="0" smtClean="0">
+              <a:rPr lang="en-US" dirty="0">
                 <a:solidFill>
                   <a:srgbClr val="A31515"/>
                 </a:solidFill>
@@ -15633,7 +15783,7 @@
           </a:p>
           <a:p>
             <a:r>
-              <a:rPr lang="en-US" dirty="0" smtClean="0">
+              <a:rPr lang="en-US" dirty="0">
                 <a:solidFill>
                   <a:srgbClr val="A31515"/>
                 </a:solidFill>
@@ -15683,7 +15833,7 @@
           </a:p>
           <a:p>
             <a:r>
-              <a:rPr lang="en-US" dirty="0" smtClean="0">
+              <a:rPr lang="en-US" dirty="0">
                 <a:solidFill>
                   <a:srgbClr val="000000"/>
                 </a:solidFill>
@@ -15749,10 +15899,9 @@
           <a:lstStyle/>
           <a:p>
             <a:r>
-              <a:rPr lang="en-US" dirty="0" smtClean="0"/>
+              <a:rPr lang="en-US" dirty="0"/>
               <a:t>C# 6: Summary</a:t>
             </a:r>
-            <a:endParaRPr lang="en-US" dirty="0"/>
           </a:p>
         </p:txBody>
       </p:sp>
@@ -15803,10 +15952,9 @@
                     <a:lstStyle/>
                     <a:p>
                       <a:r>
-                        <a:rPr lang="en-US" dirty="0" smtClean="0"/>
+                        <a:rPr lang="en-US" dirty="0"/>
                         <a:t>AWESOME</a:t>
                       </a:r>
-                      <a:endParaRPr lang="en-US" dirty="0"/>
                     </a:p>
                   </a:txBody>
                   <a:tcPr/>
@@ -15817,14 +15965,13 @@
                     <a:lstStyle/>
                     <a:p>
                       <a:r>
-                        <a:rPr lang="en-US" dirty="0" err="1" smtClean="0"/>
+                        <a:rPr lang="en-US" dirty="0" err="1"/>
                         <a:t>Kinda</a:t>
                       </a:r>
                       <a:r>
-                        <a:rPr lang="en-US" dirty="0" smtClean="0"/>
+                        <a:rPr lang="en-US" dirty="0"/>
                         <a:t> interesting in small doses</a:t>
                       </a:r>
-                      <a:endParaRPr lang="en-US" dirty="0"/>
                     </a:p>
                   </a:txBody>
                   <a:tcPr/>
@@ -15842,10 +15989,9 @@
                     <a:lstStyle/>
                     <a:p>
                       <a:r>
-                        <a:rPr lang="en-US" dirty="0" smtClean="0"/>
+                        <a:rPr lang="en-US" dirty="0"/>
                         <a:t>String Interpolation</a:t>
                       </a:r>
-                      <a:endParaRPr lang="en-US" dirty="0"/>
                     </a:p>
                   </a:txBody>
                   <a:tcPr/>
@@ -15856,10 +16002,9 @@
                     <a:lstStyle/>
                     <a:p>
                       <a:r>
-                        <a:rPr lang="en-US" dirty="0" smtClean="0"/>
+                        <a:rPr lang="en-US" dirty="0"/>
                         <a:t>Await in catch\finally</a:t>
                       </a:r>
-                      <a:endParaRPr lang="en-US" dirty="0"/>
                     </a:p>
                   </a:txBody>
                   <a:tcPr/>
@@ -15877,10 +16022,9 @@
                     <a:lstStyle/>
                     <a:p>
                       <a:r>
-                        <a:rPr lang="en-US" dirty="0" smtClean="0"/>
+                        <a:rPr lang="en-US" dirty="0"/>
                         <a:t>Auto Property Updates</a:t>
                       </a:r>
-                      <a:endParaRPr lang="en-US" dirty="0"/>
                     </a:p>
                   </a:txBody>
                   <a:tcPr/>
@@ -15891,10 +16035,9 @@
                     <a:lstStyle/>
                     <a:p>
                       <a:r>
-                        <a:rPr lang="en-US" dirty="0" smtClean="0"/>
+                        <a:rPr lang="en-US" dirty="0"/>
                         <a:t>Exception Filters</a:t>
                       </a:r>
-                      <a:endParaRPr lang="en-US" dirty="0"/>
                     </a:p>
                   </a:txBody>
                   <a:tcPr/>
@@ -15912,10 +16055,9 @@
                     <a:lstStyle/>
                     <a:p>
                       <a:r>
-                        <a:rPr lang="en-US" dirty="0" smtClean="0"/>
+                        <a:rPr lang="en-US" dirty="0"/>
                         <a:t>Null Conditionals</a:t>
                       </a:r>
-                      <a:endParaRPr lang="en-US" dirty="0"/>
                     </a:p>
                   </a:txBody>
                   <a:tcPr/>
@@ -15926,10 +16068,9 @@
                     <a:lstStyle/>
                     <a:p>
                       <a:r>
-                        <a:rPr lang="en-US" dirty="0" smtClean="0"/>
+                        <a:rPr lang="en-US" dirty="0"/>
                         <a:t>Using Statics</a:t>
                       </a:r>
-                      <a:endParaRPr lang="en-US" dirty="0"/>
                     </a:p>
                   </a:txBody>
                   <a:tcPr/>
@@ -15947,11 +16088,11 @@
                     <a:lstStyle/>
                     <a:p>
                       <a:r>
-                        <a:rPr lang="en-US" dirty="0" smtClean="0"/>
+                        <a:rPr lang="en-US" dirty="0"/>
                         <a:t>Expression</a:t>
                       </a:r>
                       <a:r>
-                        <a:rPr lang="en-US" baseline="0" dirty="0" smtClean="0"/>
+                        <a:rPr lang="en-US" baseline="0" dirty="0"/>
                         <a:t> Bodied Members</a:t>
                       </a:r>
                       <a:endParaRPr lang="en-US" dirty="0"/>
@@ -15965,10 +16106,9 @@
                     <a:lstStyle/>
                     <a:p>
                       <a:r>
-                        <a:rPr lang="en-US" dirty="0" smtClean="0"/>
+                        <a:rPr lang="en-US" dirty="0"/>
                         <a:t>Collection initializer changes</a:t>
                       </a:r>
-                      <a:endParaRPr lang="en-US" dirty="0"/>
                     </a:p>
                   </a:txBody>
                   <a:tcPr/>
@@ -15986,11 +16126,11 @@
                     <a:lstStyle/>
                     <a:p>
                       <a:r>
-                        <a:rPr lang="en-US" dirty="0" err="1" smtClean="0"/>
+                        <a:rPr lang="en-US" dirty="0" err="1"/>
                         <a:t>Nameof</a:t>
                       </a:r>
                       <a:r>
-                        <a:rPr lang="en-US" baseline="0" dirty="0" smtClean="0"/>
+                        <a:rPr lang="en-US" baseline="0" dirty="0"/>
                         <a:t> Operator</a:t>
                       </a:r>
                       <a:endParaRPr lang="en-US" dirty="0"/>
@@ -16091,10 +16231,9 @@
           <a:lstStyle/>
           <a:p>
             <a:r>
-              <a:rPr lang="en-US" dirty="0" smtClean="0"/>
+              <a:rPr lang="en-US" dirty="0"/>
               <a:t>More Information</a:t>
             </a:r>
-            <a:endParaRPr lang="en-US" dirty="0"/>
           </a:p>
         </p:txBody>
       </p:sp>
@@ -16124,24 +16263,14 @@
               <a:rPr lang="en-US" dirty="0">
                 <a:hlinkClick r:id="rId2"/>
               </a:rPr>
-              <a:t>https://</a:t>
-            </a:r>
-            <a:r>
-              <a:rPr lang="en-US" dirty="0" smtClean="0">
-                <a:hlinkClick r:id="rId2"/>
-              </a:rPr>
-              <a:t>github.com/dotnet/roslyn/wiki/New-Language-Features-in-C%23-6</a:t>
-            </a:r>
-            <a:endParaRPr lang="en-US" dirty="0" smtClean="0"/>
-          </a:p>
-          <a:p>
-            <a:r>
-              <a:rPr lang="en-US" dirty="0" smtClean="0"/>
-              <a:t>InfoCraft New Features </a:t>
-            </a:r>
+              <a:t>https://github.com/dotnet/roslyn/wiki/New-Language-Features-in-C%23-6</a:t>
+            </a:r>
+            <a:endParaRPr lang="en-US" dirty="0"/>
+          </a:p>
+          <a:p>
             <a:r>
               <a:rPr lang="en-US" dirty="0"/>
-              <a:t>Blog Series</a:t>
+              <a:t>InfoCraft New Features Blog Series</a:t>
             </a:r>
             <a:br>
               <a:rPr lang="en-US" dirty="0"/>
@@ -16150,19 +16279,13 @@
               <a:rPr lang="en-US" dirty="0">
                 <a:hlinkClick r:id="rId3"/>
               </a:rPr>
-              <a:t>http://www.infocraft.net/tag/new-features</a:t>
-            </a:r>
-            <a:r>
-              <a:rPr lang="en-US" dirty="0" smtClean="0">
-                <a:hlinkClick r:id="rId3"/>
-              </a:rPr>
-              <a:t>/</a:t>
-            </a:r>
-            <a:endParaRPr lang="en-US" dirty="0" smtClean="0"/>
-          </a:p>
-          <a:p>
-            <a:r>
-              <a:rPr lang="en-US" dirty="0" smtClean="0"/>
+              <a:t>http://www.infocraft.net/tag/new-features/</a:t>
+            </a:r>
+            <a:endParaRPr lang="en-US" dirty="0"/>
+          </a:p>
+          <a:p>
+            <a:r>
+              <a:rPr lang="en-US" dirty="0"/>
               <a:t>GitHub site for </a:t>
             </a:r>
             <a:r>
@@ -16176,17 +16299,7 @@
               <a:rPr lang="en-US">
                 <a:hlinkClick r:id="rId4"/>
               </a:rPr>
-              <a:t>https://</a:t>
-            </a:r>
-            <a:r>
-              <a:rPr lang="en-US" smtClean="0">
-                <a:hlinkClick r:id="rId4"/>
-              </a:rPr>
-              <a:t>github.com/jmreynolds/CSharp-6-New-Language-Features</a:t>
-            </a:r>
-            <a:r>
-              <a:rPr lang="en-US"/>
-              <a:t/>
+              <a:t>https://github.com/jmreynolds/CSharp-6-New-Language-Features</a:t>
             </a:r>
             <a:br>
               <a:rPr lang="en-US"/>
@@ -16195,16 +16308,10 @@
               <a:rPr lang="en-US">
                 <a:hlinkClick r:id="rId5"/>
               </a:rPr>
-              <a:t>http://jmreynolds.github.io/CSharp-6-New-Language-Features</a:t>
-            </a:r>
-            <a:r>
-              <a:rPr lang="en-US" smtClean="0">
-                <a:hlinkClick r:id="rId5"/>
-              </a:rPr>
-              <a:t>/</a:t>
-            </a:r>
-            <a:r>
-              <a:rPr lang="en-US" smtClean="0"/>
+              <a:t>http://jmreynolds.github.io/CSharp-6-New-Language-Features/</a:t>
+            </a:r>
+            <a:r>
+              <a:rPr lang="en-US"/>
               <a:t> </a:t>
             </a:r>
           </a:p>
@@ -16259,10 +16366,9 @@
           <a:lstStyle/>
           <a:p>
             <a:r>
-              <a:rPr lang="en-US" dirty="0" smtClean="0"/>
+              <a:rPr lang="en-US" dirty="0"/>
               <a:t>History of C#</a:t>
             </a:r>
-            <a:endParaRPr lang="en-US" dirty="0"/>
           </a:p>
         </p:txBody>
       </p:sp>
@@ -16276,14 +16382,14 @@
             <p:ph idx="1"/>
             <p:extLst>
               <p:ext uri="{D42A27DB-BD31-4B8C-83A1-F6EECF244321}">
-                <p14:modId xmlns:p14="http://schemas.microsoft.com/office/powerpoint/2010/main" val="1635072190"/>
+                <p14:modId xmlns:p14="http://schemas.microsoft.com/office/powerpoint/2010/main" val="1529050436"/>
               </p:ext>
             </p:extLst>
           </p:nvPr>
         </p:nvGraphicFramePr>
         <p:xfrm>
           <a:off x="1130757" y="1544320"/>
-          <a:ext cx="9602788" cy="3667760"/>
+          <a:ext cx="9602789" cy="3266440"/>
         </p:xfrm>
         <a:graphic>
           <a:graphicData uri="http://schemas.openxmlformats.org/drawingml/2006/table">
@@ -16292,35 +16398,42 @@
                 <a:tableStyleId>{5C22544A-7EE6-4342-B048-85BDC9FD1C3A}</a:tableStyleId>
               </a:tblPr>
               <a:tblGrid>
-                <a:gridCol w="1438333">
+                <a:gridCol w="1250961">
                   <a:extLst>
                     <a:ext uri="{9D8B030D-6E8A-4147-A177-3AD203B41FA5}">
                       <a16:colId xmlns:a16="http://schemas.microsoft.com/office/drawing/2014/main" val="421787945"/>
                     </a:ext>
                   </a:extLst>
                 </a:gridCol>
-                <a:gridCol w="1645920">
+                <a:gridCol w="1250961">
+                  <a:extLst>
+                    <a:ext uri="{9D8B030D-6E8A-4147-A177-3AD203B41FA5}">
+                      <a16:colId xmlns:a16="http://schemas.microsoft.com/office/drawing/2014/main" val="2894965188"/>
+                    </a:ext>
+                  </a:extLst>
+                </a:gridCol>
+                <a:gridCol w="1431505">
                   <a:extLst>
                     <a:ext uri="{9D8B030D-6E8A-4147-A177-3AD203B41FA5}">
                       <a16:colId xmlns:a16="http://schemas.microsoft.com/office/drawing/2014/main" val="854556743"/>
                     </a:ext>
                   </a:extLst>
                 </a:gridCol>
-                <a:gridCol w="1612669">
+                <a:gridCol w="1402586">
                   <a:extLst>
                     <a:ext uri="{9D8B030D-6E8A-4147-A177-3AD203B41FA5}">
                       <a16:colId xmlns:a16="http://schemas.microsoft.com/office/drawing/2014/main" val="1107124545"/>
                     </a:ext>
                   </a:extLst>
                 </a:gridCol>
-                <a:gridCol w="2626365">
+                <a:gridCol w="2284227">
                   <a:extLst>
                     <a:ext uri="{9D8B030D-6E8A-4147-A177-3AD203B41FA5}">
                       <a16:colId xmlns:a16="http://schemas.microsoft.com/office/drawing/2014/main" val="913579310"/>
                     </a:ext>
                   </a:extLst>
                 </a:gridCol>
-                <a:gridCol w="2279501">
+                <a:gridCol w="1982549">
                   <a:extLst>
                     <a:ext uri="{9D8B030D-6E8A-4147-A177-3AD203B41FA5}">
                       <a16:colId xmlns:a16="http://schemas.microsoft.com/office/drawing/2014/main" val="107415656"/>
@@ -16335,10 +16448,9 @@
                     <a:lstStyle/>
                     <a:p>
                       <a:r>
-                        <a:rPr lang="en-US" dirty="0" smtClean="0"/>
+                        <a:rPr lang="en-US" sz="1600" dirty="0"/>
                         <a:t>C# Version</a:t>
                       </a:r>
-                      <a:endParaRPr lang="en-US" dirty="0"/>
                     </a:p>
                   </a:txBody>
                   <a:tcPr/>
@@ -16349,14 +16461,9 @@
                     <a:lstStyle/>
                     <a:p>
                       <a:r>
-                        <a:rPr lang="en-US" dirty="0" err="1" smtClean="0"/>
-                        <a:t>.Net</a:t>
+                        <a:rPr lang="en-US" sz="1600" dirty="0"/>
+                        <a:t>Release</a:t>
                       </a:r>
-                      <a:r>
-                        <a:rPr lang="en-US" dirty="0" smtClean="0"/>
-                        <a:t> Version</a:t>
-                      </a:r>
-                      <a:endParaRPr lang="en-US" dirty="0"/>
                     </a:p>
                   </a:txBody>
                   <a:tcPr/>
@@ -16367,10 +16474,26 @@
                     <a:lstStyle/>
                     <a:p>
                       <a:r>
-                        <a:rPr lang="en-US" dirty="0" smtClean="0"/>
+                        <a:rPr lang="en-US" sz="1600" dirty="0" err="1"/>
+                        <a:t>.Net</a:t>
+                      </a:r>
+                      <a:r>
+                        <a:rPr lang="en-US" sz="1600" dirty="0"/>
+                        <a:t> Version</a:t>
+                      </a:r>
+                    </a:p>
+                  </a:txBody>
+                  <a:tcPr/>
+                </a:tc>
+                <a:tc>
+                  <a:txBody>
+                    <a:bodyPr/>
+                    <a:lstStyle/>
+                    <a:p>
+                      <a:r>
+                        <a:rPr lang="en-US" sz="1600" dirty="0"/>
                         <a:t>Visual Studio</a:t>
                       </a:r>
-                      <a:endParaRPr lang="en-US" dirty="0"/>
                     </a:p>
                   </a:txBody>
                   <a:tcPr/>
@@ -16381,10 +16504,9 @@
                     <a:lstStyle/>
                     <a:p>
                       <a:r>
-                        <a:rPr lang="en-US" dirty="0" smtClean="0"/>
+                        <a:rPr lang="en-US" sz="1600" dirty="0"/>
                         <a:t>Features</a:t>
                       </a:r>
-                      <a:endParaRPr lang="en-US" dirty="0"/>
                     </a:p>
                   </a:txBody>
                   <a:tcPr/>
@@ -16412,10 +16534,9 @@
                     <a:lstStyle/>
                     <a:p>
                       <a:r>
-                        <a:rPr lang="en-US" dirty="0" smtClean="0"/>
+                        <a:rPr lang="en-US" sz="1400" dirty="0"/>
                         <a:t>C# 1.0</a:t>
                       </a:r>
-                      <a:endParaRPr lang="en-US" dirty="0"/>
                     </a:p>
                   </a:txBody>
                   <a:tcPr/>
@@ -16426,14 +16547,9 @@
                     <a:lstStyle/>
                     <a:p>
                       <a:r>
-                        <a:rPr lang="en-US" dirty="0" err="1" smtClean="0"/>
-                        <a:t>.Net</a:t>
+                        <a:rPr lang="en-US" sz="1400" dirty="0"/>
+                        <a:t>2002</a:t>
                       </a:r>
-                      <a:r>
-                        <a:rPr lang="en-US" dirty="0" smtClean="0"/>
-                        <a:t> 1.0/1.1</a:t>
-                      </a:r>
-                      <a:endParaRPr lang="en-US" dirty="0"/>
                     </a:p>
                   </a:txBody>
                   <a:tcPr/>
@@ -16444,14 +16560,31 @@
                     <a:lstStyle/>
                     <a:p>
                       <a:r>
-                        <a:rPr lang="en-US" dirty="0" smtClean="0"/>
+                        <a:rPr lang="en-US" sz="1400" dirty="0" err="1"/>
+                        <a:t>.Net</a:t>
+                      </a:r>
+                      <a:r>
+                        <a:rPr lang="en-US" sz="1400" dirty="0"/>
+                        <a:t> 1.0/1.1</a:t>
+                      </a:r>
+                    </a:p>
+                  </a:txBody>
+                  <a:tcPr/>
+                </a:tc>
+                <a:tc>
+                  <a:txBody>
+                    <a:bodyPr/>
+                    <a:lstStyle/>
+                    <a:p>
+                      <a:r>
+                        <a:rPr lang="en-US" sz="1400" dirty="0"/>
                         <a:t>VS </a:t>
                       </a:r>
                       <a:r>
-                        <a:rPr lang="en-US" baseline="0" dirty="0" smtClean="0"/>
+                        <a:rPr lang="en-US" sz="1400" baseline="0" dirty="0"/>
                         <a:t>2002</a:t>
                       </a:r>
-                      <a:endParaRPr lang="en-US" dirty="0"/>
+                      <a:endParaRPr lang="en-US" sz="1400" dirty="0"/>
                     </a:p>
                   </a:txBody>
                   <a:tcPr/>
@@ -16462,10 +16595,9 @@
                     <a:lstStyle/>
                     <a:p>
                       <a:r>
-                        <a:rPr lang="en-US" dirty="0" smtClean="0"/>
+                        <a:rPr lang="en-US" sz="1400" dirty="0"/>
                         <a:t>Basic Features</a:t>
                       </a:r>
-                      <a:endParaRPr lang="en-US" dirty="0"/>
                     </a:p>
                   </a:txBody>
                   <a:tcPr/>
@@ -16493,10 +16625,9 @@
                     <a:lstStyle/>
                     <a:p>
                       <a:r>
-                        <a:rPr lang="en-US" dirty="0" smtClean="0"/>
+                        <a:rPr lang="en-US" sz="1400" dirty="0"/>
                         <a:t>C# 2.0</a:t>
                       </a:r>
-                      <a:endParaRPr lang="en-US" dirty="0"/>
                     </a:p>
                   </a:txBody>
                   <a:tcPr/>
@@ -16507,14 +16638,9 @@
                     <a:lstStyle/>
                     <a:p>
                       <a:r>
-                        <a:rPr lang="en-US" dirty="0" err="1" smtClean="0"/>
-                        <a:t>.Net</a:t>
+                        <a:rPr lang="en-US" sz="1400" dirty="0"/>
+                        <a:t>2005</a:t>
                       </a:r>
-                      <a:r>
-                        <a:rPr lang="en-US" dirty="0" smtClean="0"/>
-                        <a:t> 2.0</a:t>
-                      </a:r>
-                      <a:endParaRPr lang="en-US" dirty="0"/>
                     </a:p>
                   </a:txBody>
                   <a:tcPr/>
@@ -16525,10 +16651,26 @@
                     <a:lstStyle/>
                     <a:p>
                       <a:r>
-                        <a:rPr lang="en-US" dirty="0" smtClean="0"/>
+                        <a:rPr lang="en-US" sz="1400" dirty="0" err="1"/>
+                        <a:t>.Net</a:t>
+                      </a:r>
+                      <a:r>
+                        <a:rPr lang="en-US" sz="1400" dirty="0"/>
+                        <a:t> 2.0</a:t>
+                      </a:r>
+                    </a:p>
+                  </a:txBody>
+                  <a:tcPr/>
+                </a:tc>
+                <a:tc>
+                  <a:txBody>
+                    <a:bodyPr/>
+                    <a:lstStyle/>
+                    <a:p>
+                      <a:r>
+                        <a:rPr lang="en-US" sz="1400" dirty="0"/>
                         <a:t>VS 2005</a:t>
                       </a:r>
-                      <a:endParaRPr lang="en-US" dirty="0"/>
                     </a:p>
                   </a:txBody>
                   <a:tcPr/>
@@ -16543,7 +16685,7 @@
                         <a:buChar char="•"/>
                       </a:pPr>
                       <a:r>
-                        <a:rPr lang="en-US" dirty="0" smtClean="0"/>
+                        <a:rPr lang="en-US" sz="1400" dirty="0"/>
                         <a:t>Generics</a:t>
                       </a:r>
                     </a:p>
@@ -16553,7 +16695,7 @@
                         <a:buChar char="•"/>
                       </a:pPr>
                       <a:r>
-                        <a:rPr lang="en-US" dirty="0" smtClean="0"/>
+                        <a:rPr lang="en-US" sz="1400" dirty="0"/>
                         <a:t>Partial Types</a:t>
                       </a:r>
                     </a:p>
@@ -16563,7 +16705,7 @@
                         <a:buChar char="•"/>
                       </a:pPr>
                       <a:r>
-                        <a:rPr lang="en-US" dirty="0" smtClean="0"/>
+                        <a:rPr lang="en-US" sz="1400" dirty="0"/>
                         <a:t>Anonymous Methods</a:t>
                       </a:r>
                     </a:p>
@@ -16573,7 +16715,7 @@
                         <a:buChar char="•"/>
                       </a:pPr>
                       <a:r>
-                        <a:rPr lang="en-US" dirty="0" smtClean="0"/>
+                        <a:rPr lang="en-US" sz="1400" dirty="0"/>
                         <a:t>Iterators</a:t>
                       </a:r>
                     </a:p>
@@ -16590,11 +16732,11 @@
                         <a:buChar char="•"/>
                       </a:pPr>
                       <a:r>
-                        <a:rPr lang="en-US" dirty="0" err="1" smtClean="0"/>
+                        <a:rPr lang="en-US" sz="1400" dirty="0" err="1"/>
                         <a:t>Nullable</a:t>
                       </a:r>
                       <a:r>
-                        <a:rPr lang="en-US" baseline="0" dirty="0" smtClean="0"/>
+                        <a:rPr lang="en-US" sz="1400" baseline="0" dirty="0"/>
                         <a:t> Types</a:t>
                       </a:r>
                     </a:p>
@@ -16604,7 +16746,7 @@
                         <a:buChar char="•"/>
                       </a:pPr>
                       <a:r>
-                        <a:rPr lang="en-US" baseline="0" dirty="0" smtClean="0"/>
+                        <a:rPr lang="en-US" sz="1400" baseline="0" dirty="0"/>
                         <a:t>Private Setters</a:t>
                       </a:r>
                     </a:p>
@@ -16614,7 +16756,7 @@
                         <a:buChar char="•"/>
                       </a:pPr>
                       <a:r>
-                        <a:rPr lang="en-US" baseline="0" dirty="0" smtClean="0"/>
+                        <a:rPr lang="en-US" sz="1400" baseline="0" dirty="0"/>
                         <a:t>Delegates</a:t>
                       </a:r>
                     </a:p>
@@ -16624,7 +16766,7 @@
                         <a:buChar char="•"/>
                       </a:pPr>
                       <a:r>
-                        <a:rPr lang="en-US" baseline="0" dirty="0" smtClean="0"/>
+                        <a:rPr lang="en-US" sz="1400" baseline="0" dirty="0"/>
                         <a:t>Variance</a:t>
                       </a:r>
                     </a:p>
@@ -16634,10 +16776,10 @@
                         <a:buChar char="•"/>
                       </a:pPr>
                       <a:r>
-                        <a:rPr lang="en-US" baseline="0" dirty="0" smtClean="0"/>
+                        <a:rPr lang="en-US" sz="1400" baseline="0" dirty="0"/>
                         <a:t>Static Classes</a:t>
                       </a:r>
-                      <a:endParaRPr lang="en-US" dirty="0" smtClean="0"/>
+                      <a:endParaRPr lang="en-US" sz="1400" dirty="0"/>
                     </a:p>
                   </a:txBody>
                   <a:tcPr/>
@@ -16655,10 +16797,9 @@
                     <a:lstStyle/>
                     <a:p>
                       <a:r>
-                        <a:rPr lang="en-US" dirty="0" smtClean="0"/>
+                        <a:rPr lang="en-US" sz="1400" dirty="0"/>
                         <a:t>C# 3.0</a:t>
                       </a:r>
-                      <a:endParaRPr lang="en-US" dirty="0"/>
                     </a:p>
                   </a:txBody>
                   <a:tcPr/>
@@ -16669,14 +16810,9 @@
                     <a:lstStyle/>
                     <a:p>
                       <a:r>
-                        <a:rPr lang="en-US" dirty="0" err="1" smtClean="0"/>
-                        <a:t>.Net</a:t>
+                        <a:rPr lang="en-US" sz="1400" dirty="0"/>
+                        <a:t>2007</a:t>
                       </a:r>
-                      <a:r>
-                        <a:rPr lang="en-US" dirty="0" smtClean="0"/>
-                        <a:t> 3.0/3.5</a:t>
-                      </a:r>
-                      <a:endParaRPr lang="en-US" dirty="0"/>
                     </a:p>
                   </a:txBody>
                   <a:tcPr/>
@@ -16687,14 +16823,31 @@
                     <a:lstStyle/>
                     <a:p>
                       <a:r>
-                        <a:rPr lang="en-US" dirty="0" smtClean="0"/>
+                        <a:rPr lang="en-US" sz="1400" dirty="0" err="1"/>
+                        <a:t>.Net</a:t>
+                      </a:r>
+                      <a:r>
+                        <a:rPr lang="en-US" sz="1400" dirty="0"/>
+                        <a:t> 3.0/3.5</a:t>
+                      </a:r>
+                    </a:p>
+                  </a:txBody>
+                  <a:tcPr/>
+                </a:tc>
+                <a:tc>
+                  <a:txBody>
+                    <a:bodyPr/>
+                    <a:lstStyle/>
+                    <a:p>
+                      <a:r>
+                        <a:rPr lang="en-US" sz="1400" dirty="0"/>
                         <a:t>VS</a:t>
                       </a:r>
                       <a:r>
-                        <a:rPr lang="en-US" baseline="0" dirty="0" smtClean="0"/>
+                        <a:rPr lang="en-US" sz="1400" baseline="0" dirty="0"/>
                         <a:t> 2008</a:t>
                       </a:r>
-                      <a:endParaRPr lang="en-US" dirty="0"/>
+                      <a:endParaRPr lang="en-US" sz="1400" dirty="0"/>
                     </a:p>
                   </a:txBody>
                   <a:tcPr/>
@@ -16709,7 +16862,7 @@
                         <a:buChar char="•"/>
                       </a:pPr>
                       <a:r>
-                        <a:rPr lang="en-US" dirty="0" smtClean="0"/>
+                        <a:rPr lang="en-US" sz="1400" dirty="0"/>
                         <a:t>Implicit Variable</a:t>
                       </a:r>
                     </a:p>
@@ -16719,11 +16872,11 @@
                         <a:buChar char="•"/>
                       </a:pPr>
                       <a:r>
-                        <a:rPr lang="en-US" dirty="0" smtClean="0"/>
+                        <a:rPr lang="en-US" sz="1400" dirty="0"/>
                         <a:t>Object</a:t>
                       </a:r>
                       <a:r>
-                        <a:rPr lang="en-US" baseline="0" dirty="0" smtClean="0"/>
+                        <a:rPr lang="en-US" sz="1400" baseline="0" dirty="0"/>
                         <a:t> Initializer</a:t>
                       </a:r>
                     </a:p>
@@ -16733,7 +16886,7 @@
                         <a:buChar char="•"/>
                       </a:pPr>
                       <a:r>
-                        <a:rPr lang="en-US" dirty="0" smtClean="0"/>
+                        <a:rPr lang="en-US" sz="1400" dirty="0"/>
                         <a:t>Auto Properties</a:t>
                       </a:r>
                     </a:p>
@@ -16743,11 +16896,11 @@
                         <a:buChar char="•"/>
                       </a:pPr>
                       <a:r>
-                        <a:rPr lang="en-US" dirty="0" smtClean="0"/>
+                        <a:rPr lang="en-US" sz="1400" dirty="0"/>
                         <a:t>Anonymous</a:t>
                       </a:r>
                       <a:r>
-                        <a:rPr lang="en-US" baseline="0" dirty="0" smtClean="0"/>
+                        <a:rPr lang="en-US" sz="1400" baseline="0" dirty="0"/>
                         <a:t> Types</a:t>
                       </a:r>
                     </a:p>
@@ -16757,7 +16910,7 @@
                         <a:buChar char="•"/>
                       </a:pPr>
                       <a:r>
-                        <a:rPr lang="en-US" baseline="0" dirty="0" smtClean="0"/>
+                        <a:rPr lang="en-US" sz="1400" baseline="0" dirty="0"/>
                         <a:t>Extension Methods</a:t>
                       </a:r>
                     </a:p>
@@ -16774,7 +16927,7 @@
                         <a:buChar char="•"/>
                       </a:pPr>
                       <a:r>
-                        <a:rPr lang="en-US" baseline="0" dirty="0" smtClean="0"/>
+                        <a:rPr lang="en-US" sz="1400" baseline="0" dirty="0"/>
                         <a:t>Query Methods</a:t>
                       </a:r>
                     </a:p>
@@ -16784,7 +16937,7 @@
                         <a:buChar char="•"/>
                       </a:pPr>
                       <a:r>
-                        <a:rPr lang="en-US" baseline="0" dirty="0" smtClean="0"/>
+                        <a:rPr lang="en-US" sz="1400" baseline="0" dirty="0"/>
                         <a:t>Lambda Expressions</a:t>
                       </a:r>
                     </a:p>
@@ -16794,7 +16947,7 @@
                         <a:buChar char="•"/>
                       </a:pPr>
                       <a:r>
-                        <a:rPr lang="en-US" baseline="0" dirty="0" smtClean="0"/>
+                        <a:rPr lang="en-US" sz="1400" baseline="0" dirty="0"/>
                         <a:t>Expression Trees</a:t>
                       </a:r>
                     </a:p>
@@ -16804,7 +16957,7 @@
                         <a:buChar char="•"/>
                       </a:pPr>
                       <a:r>
-                        <a:rPr lang="en-US" dirty="0" smtClean="0"/>
+                        <a:rPr lang="en-US" sz="1400" dirty="0"/>
                         <a:t>Partial Methods</a:t>
                       </a:r>
                     </a:p>
@@ -16872,10 +17025,9 @@
           <a:lstStyle/>
           <a:p>
             <a:r>
-              <a:rPr lang="en-US" dirty="0" smtClean="0"/>
+              <a:rPr lang="en-US" dirty="0"/>
               <a:t>History of C# - Continued</a:t>
             </a:r>
-            <a:endParaRPr lang="en-US" dirty="0"/>
           </a:p>
         </p:txBody>
       </p:sp>
@@ -16889,14 +17041,14 @@
             <p:ph idx="1"/>
             <p:extLst>
               <p:ext uri="{D42A27DB-BD31-4B8C-83A1-F6EECF244321}">
-                <p14:modId xmlns:p14="http://schemas.microsoft.com/office/powerpoint/2010/main" val="4138665030"/>
+                <p14:modId xmlns:p14="http://schemas.microsoft.com/office/powerpoint/2010/main" val="1114506689"/>
               </p:ext>
             </p:extLst>
           </p:nvPr>
         </p:nvGraphicFramePr>
         <p:xfrm>
           <a:off x="1130757" y="1544320"/>
-          <a:ext cx="9602788" cy="2570480"/>
+          <a:ext cx="9602788" cy="2413000"/>
         </p:xfrm>
         <a:graphic>
           <a:graphicData uri="http://schemas.openxmlformats.org/drawingml/2006/table">
@@ -16905,35 +17057,42 @@
                 <a:tableStyleId>{5C22544A-7EE6-4342-B048-85BDC9FD1C3A}</a:tableStyleId>
               </a:tblPr>
               <a:tblGrid>
-                <a:gridCol w="1438333">
+                <a:gridCol w="1250961">
                   <a:extLst>
                     <a:ext uri="{9D8B030D-6E8A-4147-A177-3AD203B41FA5}">
                       <a16:colId xmlns:a16="http://schemas.microsoft.com/office/drawing/2014/main" val="421787945"/>
                     </a:ext>
                   </a:extLst>
                 </a:gridCol>
-                <a:gridCol w="1537397">
+                <a:gridCol w="1250961">
+                  <a:extLst>
+                    <a:ext uri="{9D8B030D-6E8A-4147-A177-3AD203B41FA5}">
+                      <a16:colId xmlns:a16="http://schemas.microsoft.com/office/drawing/2014/main" val="160472510"/>
+                    </a:ext>
+                  </a:extLst>
+                </a:gridCol>
+                <a:gridCol w="1337119">
                   <a:extLst>
                     <a:ext uri="{9D8B030D-6E8A-4147-A177-3AD203B41FA5}">
                       <a16:colId xmlns:a16="http://schemas.microsoft.com/office/drawing/2014/main" val="854556743"/>
                     </a:ext>
                   </a:extLst>
                 </a:gridCol>
-                <a:gridCol w="1721192">
+                <a:gridCol w="1496971">
                   <a:extLst>
                     <a:ext uri="{9D8B030D-6E8A-4147-A177-3AD203B41FA5}">
                       <a16:colId xmlns:a16="http://schemas.microsoft.com/office/drawing/2014/main" val="1107124545"/>
                     </a:ext>
                   </a:extLst>
                 </a:gridCol>
-                <a:gridCol w="2626365">
+                <a:gridCol w="2284227">
                   <a:extLst>
                     <a:ext uri="{9D8B030D-6E8A-4147-A177-3AD203B41FA5}">
                       <a16:colId xmlns:a16="http://schemas.microsoft.com/office/drawing/2014/main" val="913579310"/>
                     </a:ext>
                   </a:extLst>
                 </a:gridCol>
-                <a:gridCol w="2279501">
+                <a:gridCol w="1982549">
                   <a:extLst>
                     <a:ext uri="{9D8B030D-6E8A-4147-A177-3AD203B41FA5}">
                       <a16:colId xmlns:a16="http://schemas.microsoft.com/office/drawing/2014/main" val="107415656"/>
@@ -16948,10 +17107,9 @@
                     <a:lstStyle/>
                     <a:p>
                       <a:r>
-                        <a:rPr lang="en-US" dirty="0" smtClean="0"/>
+                        <a:rPr lang="en-US" sz="1600" dirty="0"/>
                         <a:t>C# Version</a:t>
                       </a:r>
-                      <a:endParaRPr lang="en-US" dirty="0"/>
                     </a:p>
                   </a:txBody>
                   <a:tcPr/>
@@ -16962,14 +17120,9 @@
                     <a:lstStyle/>
                     <a:p>
                       <a:r>
-                        <a:rPr lang="en-US" dirty="0" err="1" smtClean="0"/>
-                        <a:t>.Net</a:t>
+                        <a:rPr lang="en-US" sz="1600" dirty="0"/>
+                        <a:t>Release</a:t>
                       </a:r>
-                      <a:r>
-                        <a:rPr lang="en-US" dirty="0" smtClean="0"/>
-                        <a:t> Version</a:t>
-                      </a:r>
-                      <a:endParaRPr lang="en-US" dirty="0"/>
                     </a:p>
                   </a:txBody>
                   <a:tcPr/>
@@ -16980,10 +17133,26 @@
                     <a:lstStyle/>
                     <a:p>
                       <a:r>
-                        <a:rPr lang="en-US" dirty="0" smtClean="0"/>
+                        <a:rPr lang="en-US" sz="1600" dirty="0" err="1"/>
+                        <a:t>.Net</a:t>
+                      </a:r>
+                      <a:r>
+                        <a:rPr lang="en-US" sz="1600" dirty="0"/>
+                        <a:t> Version</a:t>
+                      </a:r>
+                    </a:p>
+                  </a:txBody>
+                  <a:tcPr/>
+                </a:tc>
+                <a:tc>
+                  <a:txBody>
+                    <a:bodyPr/>
+                    <a:lstStyle/>
+                    <a:p>
+                      <a:r>
+                        <a:rPr lang="en-US" sz="1600" dirty="0"/>
                         <a:t>Visual Studio</a:t>
                       </a:r>
-                      <a:endParaRPr lang="en-US" dirty="0"/>
                     </a:p>
                   </a:txBody>
                   <a:tcPr/>
@@ -16994,10 +17163,9 @@
                     <a:lstStyle/>
                     <a:p>
                       <a:r>
-                        <a:rPr lang="en-US" dirty="0" smtClean="0"/>
+                        <a:rPr lang="en-US" sz="1600" dirty="0"/>
                         <a:t>Features</a:t>
                       </a:r>
-                      <a:endParaRPr lang="en-US" dirty="0"/>
                     </a:p>
                   </a:txBody>
                   <a:tcPr/>
@@ -17025,10 +17193,9 @@
                     <a:lstStyle/>
                     <a:p>
                       <a:r>
-                        <a:rPr lang="en-US" dirty="0" smtClean="0"/>
+                        <a:rPr lang="en-US" sz="1400" dirty="0"/>
                         <a:t>C# 4.0</a:t>
                       </a:r>
-                      <a:endParaRPr lang="en-US" dirty="0"/>
                     </a:p>
                   </a:txBody>
                   <a:tcPr/>
@@ -17039,14 +17206,9 @@
                     <a:lstStyle/>
                     <a:p>
                       <a:r>
-                        <a:rPr lang="en-US" dirty="0" err="1" smtClean="0"/>
-                        <a:t>.Net</a:t>
+                        <a:rPr lang="en-US" sz="1400" dirty="0"/>
+                        <a:t>2010</a:t>
                       </a:r>
-                      <a:r>
-                        <a:rPr lang="en-US" dirty="0" smtClean="0"/>
-                        <a:t> 4.0</a:t>
-                      </a:r>
-                      <a:endParaRPr lang="en-US" dirty="0"/>
                     </a:p>
                   </a:txBody>
                   <a:tcPr/>
@@ -17057,10 +17219,26 @@
                     <a:lstStyle/>
                     <a:p>
                       <a:r>
-                        <a:rPr lang="en-US" dirty="0" smtClean="0"/>
+                        <a:rPr lang="en-US" sz="1400" dirty="0" err="1"/>
+                        <a:t>.Net</a:t>
+                      </a:r>
+                      <a:r>
+                        <a:rPr lang="en-US" sz="1400" dirty="0"/>
+                        <a:t> 4.0</a:t>
+                      </a:r>
+                    </a:p>
+                  </a:txBody>
+                  <a:tcPr/>
+                </a:tc>
+                <a:tc>
+                  <a:txBody>
+                    <a:bodyPr/>
+                    <a:lstStyle/>
+                    <a:p>
+                      <a:r>
+                        <a:rPr lang="en-US" sz="1400" dirty="0"/>
                         <a:t>VS 2010</a:t>
                       </a:r>
-                      <a:endParaRPr lang="en-US" dirty="0"/>
                     </a:p>
                   </a:txBody>
                   <a:tcPr/>
@@ -17075,7 +17253,7 @@
                         <a:buChar char="•"/>
                       </a:pPr>
                       <a:r>
-                        <a:rPr lang="en-US" dirty="0" smtClean="0"/>
+                        <a:rPr lang="en-US" sz="1400" dirty="0"/>
                         <a:t>Dynamic (late) Binding</a:t>
                       </a:r>
                     </a:p>
@@ -17085,7 +17263,7 @@
                         <a:buChar char="•"/>
                       </a:pPr>
                       <a:r>
-                        <a:rPr lang="en-US" dirty="0" smtClean="0"/>
+                        <a:rPr lang="en-US" sz="1400" dirty="0"/>
                         <a:t>Named\optional parameters</a:t>
                       </a:r>
                     </a:p>
@@ -17102,7 +17280,7 @@
                         <a:buChar char="•"/>
                       </a:pPr>
                       <a:r>
-                        <a:rPr lang="en-US" dirty="0" smtClean="0"/>
+                        <a:rPr lang="en-US" sz="1400" dirty="0"/>
                         <a:t>Generic Variance</a:t>
                       </a:r>
                     </a:p>
@@ -17112,7 +17290,7 @@
                         <a:buChar char="•"/>
                       </a:pPr>
                       <a:r>
-                        <a:rPr lang="en-US" dirty="0" smtClean="0"/>
+                        <a:rPr lang="en-US" sz="1400" dirty="0"/>
                         <a:t>Embedded Interop Types</a:t>
                       </a:r>
                     </a:p>
@@ -17132,10 +17310,9 @@
                     <a:lstStyle/>
                     <a:p>
                       <a:r>
-                        <a:rPr lang="en-US" dirty="0" smtClean="0"/>
+                        <a:rPr lang="en-US" sz="1400" dirty="0"/>
                         <a:t>C# 5.0</a:t>
                       </a:r>
-                      <a:endParaRPr lang="en-US" dirty="0"/>
                     </a:p>
                   </a:txBody>
                   <a:tcPr/>
@@ -17146,14 +17323,9 @@
                     <a:lstStyle/>
                     <a:p>
                       <a:r>
-                        <a:rPr lang="en-US" dirty="0" err="1" smtClean="0"/>
-                        <a:t>.Net</a:t>
+                        <a:rPr lang="en-US" sz="1400" dirty="0"/>
+                        <a:t>2013</a:t>
                       </a:r>
-                      <a:r>
-                        <a:rPr lang="en-US" dirty="0" smtClean="0"/>
-                        <a:t> 4.5</a:t>
-                      </a:r>
-                      <a:endParaRPr lang="en-US" dirty="0"/>
                     </a:p>
                   </a:txBody>
                   <a:tcPr/>
@@ -17164,14 +17336,31 @@
                     <a:lstStyle/>
                     <a:p>
                       <a:r>
-                        <a:rPr lang="en-US" dirty="0" smtClean="0"/>
+                        <a:rPr lang="en-US" sz="1400" dirty="0" err="1"/>
+                        <a:t>.Net</a:t>
+                      </a:r>
+                      <a:r>
+                        <a:rPr lang="en-US" sz="1400" dirty="0"/>
+                        <a:t> 4.5</a:t>
+                      </a:r>
+                    </a:p>
+                  </a:txBody>
+                  <a:tcPr/>
+                </a:tc>
+                <a:tc>
+                  <a:txBody>
+                    <a:bodyPr/>
+                    <a:lstStyle/>
+                    <a:p>
+                      <a:r>
+                        <a:rPr lang="en-US" sz="1400" dirty="0"/>
                         <a:t>VS</a:t>
                       </a:r>
                       <a:r>
-                        <a:rPr lang="en-US" baseline="0" dirty="0" smtClean="0"/>
+                        <a:rPr lang="en-US" sz="1400" baseline="0" dirty="0"/>
                         <a:t> 2012/2013</a:t>
                       </a:r>
-                      <a:endParaRPr lang="en-US" dirty="0"/>
+                      <a:endParaRPr lang="en-US" sz="1400" dirty="0"/>
                     </a:p>
                   </a:txBody>
                   <a:tcPr/>
@@ -17186,11 +17375,11 @@
                         <a:buChar char="•"/>
                       </a:pPr>
                       <a:r>
-                        <a:rPr lang="en-US" dirty="0" err="1" smtClean="0"/>
+                        <a:rPr lang="en-US" sz="1400" dirty="0" err="1"/>
                         <a:t>Async</a:t>
                       </a:r>
                       <a:r>
-                        <a:rPr lang="en-US" dirty="0" smtClean="0"/>
+                        <a:rPr lang="en-US" sz="1400" dirty="0"/>
                         <a:t> Features</a:t>
                       </a:r>
                     </a:p>
@@ -17200,7 +17389,7 @@
                         <a:buChar char="•"/>
                       </a:pPr>
                       <a:r>
-                        <a:rPr lang="en-US" baseline="0" dirty="0" smtClean="0"/>
+                        <a:rPr lang="en-US" sz="1400" baseline="0" dirty="0"/>
                         <a:t>Caller Information</a:t>
                       </a:r>
                     </a:p>
@@ -17216,7 +17405,7 @@
                         <a:buFont typeface="Arial" panose="020B0604020202020204" pitchFamily="34" charset="0"/>
                         <a:buNone/>
                       </a:pPr>
-                      <a:endParaRPr lang="en-US" dirty="0" smtClean="0"/>
+                      <a:endParaRPr lang="en-US" sz="1400" dirty="0"/>
                     </a:p>
                   </a:txBody>
                   <a:tcPr/>
@@ -17234,10 +17423,9 @@
                     <a:lstStyle/>
                     <a:p>
                       <a:r>
-                        <a:rPr lang="en-US" dirty="0" smtClean="0"/>
+                        <a:rPr lang="en-US" sz="1400" dirty="0"/>
                         <a:t>C#6</a:t>
                       </a:r>
-                      <a:endParaRPr lang="en-US" dirty="0"/>
                     </a:p>
                   </a:txBody>
                   <a:tcPr/>
@@ -17248,14 +17436,9 @@
                     <a:lstStyle/>
                     <a:p>
                       <a:r>
-                        <a:rPr lang="en-US" dirty="0" err="1" smtClean="0"/>
-                        <a:t>.Net</a:t>
+                        <a:rPr lang="en-US" sz="1400" dirty="0"/>
+                        <a:t>2015</a:t>
                       </a:r>
-                      <a:r>
-                        <a:rPr lang="en-US" dirty="0" smtClean="0"/>
-                        <a:t> 4.6</a:t>
-                      </a:r>
-                      <a:endParaRPr lang="en-US" dirty="0"/>
                     </a:p>
                   </a:txBody>
                   <a:tcPr/>
@@ -17266,10 +17449,26 @@
                     <a:lstStyle/>
                     <a:p>
                       <a:r>
-                        <a:rPr lang="en-US" dirty="0" smtClean="0"/>
+                        <a:rPr lang="en-US" sz="1400" dirty="0" err="1"/>
+                        <a:t>.Net</a:t>
+                      </a:r>
+                      <a:r>
+                        <a:rPr lang="en-US" sz="1400" dirty="0"/>
+                        <a:t> 4.6</a:t>
+                      </a:r>
+                    </a:p>
+                  </a:txBody>
+                  <a:tcPr/>
+                </a:tc>
+                <a:tc>
+                  <a:txBody>
+                    <a:bodyPr/>
+                    <a:lstStyle/>
+                    <a:p>
+                      <a:r>
+                        <a:rPr lang="en-US" sz="1400" dirty="0"/>
                         <a:t>VS 2015</a:t>
                       </a:r>
-                      <a:endParaRPr lang="en-US" dirty="0"/>
                     </a:p>
                   </a:txBody>
                   <a:tcPr/>
@@ -17283,7 +17482,7 @@
                         <a:buFont typeface="Arial" panose="020B0604020202020204" pitchFamily="34" charset="0"/>
                         <a:buNone/>
                       </a:pPr>
-                      <a:endParaRPr lang="en-US" baseline="0" dirty="0" smtClean="0"/>
+                      <a:endParaRPr lang="en-US" sz="1400" baseline="0" dirty="0"/>
                     </a:p>
                   </a:txBody>
                   <a:tcPr/>
@@ -17297,7 +17496,7 @@
                         <a:buFont typeface="Arial" panose="020B0604020202020204" pitchFamily="34" charset="0"/>
                         <a:buNone/>
                       </a:pPr>
-                      <a:endParaRPr lang="en-US" dirty="0" smtClean="0"/>
+                      <a:endParaRPr lang="en-US" sz="1400" dirty="0"/>
                     </a:p>
                   </a:txBody>
                   <a:tcPr/>
@@ -17389,10 +17588,9 @@
           <a:lstStyle/>
           <a:p>
             <a:r>
-              <a:rPr lang="en-US" dirty="0" smtClean="0"/>
+              <a:rPr lang="en-US" dirty="0"/>
               <a:t>Before we do any demos…</a:t>
             </a:r>
-            <a:endParaRPr lang="en-US" dirty="0"/>
           </a:p>
         </p:txBody>
       </p:sp>
@@ -17424,7 +17622,7 @@
           <a:p>
             <a:pPr algn="ctr"/>
             <a:r>
-              <a:rPr lang="en-US" sz="6000" b="1" dirty="0" smtClean="0">
+              <a:rPr lang="en-US" sz="6000" b="1" dirty="0">
                 <a:ln w="13462">
                   <a:solidFill>
                     <a:schemeClr val="bg1"/>
@@ -17446,26 +17644,6 @@
               </a:rPr>
               <a:t>This is not production code.</a:t>
             </a:r>
-            <a:endParaRPr lang="en-US" sz="6000" b="1" dirty="0">
-              <a:ln w="13462">
-                <a:solidFill>
-                  <a:schemeClr val="bg1"/>
-                </a:solidFill>
-                <a:prstDash val="solid"/>
-              </a:ln>
-              <a:solidFill>
-                <a:schemeClr val="tx1">
-                  <a:lumMod val="85000"/>
-                  <a:lumOff val="15000"/>
-                </a:schemeClr>
-              </a:solidFill>
-              <a:effectLst>
-                <a:outerShdw dist="38100" dir="2700000" algn="bl" rotWithShape="0">
-                  <a:schemeClr val="accent5"/>
-                </a:outerShdw>
-                <a:reflection blurRad="6350" stA="55000" endA="50" endPos="85000" dist="60007" dir="5400000" sy="-100000" algn="bl" rotWithShape="0"/>
-              </a:effectLst>
-            </a:endParaRPr>
           </a:p>
         </p:txBody>
       </p:sp>
@@ -17479,13 +17657,6 @@
   <p:clrMapOvr>
     <a:masterClrMapping/>
   </p:clrMapOvr>
-  <p:timing>
-    <p:tnLst>
-      <p:par>
-        <p:cTn id="1" dur="indefinite" restart="never" nodeType="tmRoot"/>
-      </p:par>
-    </p:tnLst>
-  </p:timing>
 </p:sld>
 </file>
 
@@ -17522,10 +17693,9 @@
           <a:lstStyle/>
           <a:p>
             <a:r>
-              <a:rPr lang="en-US" dirty="0" smtClean="0"/>
+              <a:rPr lang="en-US" dirty="0"/>
               <a:t>C# 6: Overview of New Stuff</a:t>
             </a:r>
-            <a:endParaRPr lang="en-US" dirty="0"/>
           </a:p>
         </p:txBody>
       </p:sp>
@@ -17547,19 +17717,19 @@
           <a:lstStyle/>
           <a:p>
             <a:r>
-              <a:rPr lang="en-US" dirty="0" smtClean="0"/>
+              <a:rPr lang="en-US" dirty="0"/>
               <a:t>CLR – Very Backwards Compatible</a:t>
             </a:r>
           </a:p>
           <a:p>
             <a:r>
-              <a:rPr lang="en-US" dirty="0" smtClean="0"/>
+              <a:rPr lang="en-US" dirty="0"/>
               <a:t>String Interpolation</a:t>
             </a:r>
           </a:p>
           <a:p>
             <a:r>
-              <a:rPr lang="en-US" dirty="0" smtClean="0"/>
+              <a:rPr lang="en-US" dirty="0"/>
               <a:t>Auto Property Features</a:t>
             </a:r>
           </a:p>
@@ -17571,56 +17741,43 @@
           </a:p>
           <a:p>
             <a:r>
-              <a:rPr lang="en-US" dirty="0" smtClean="0"/>
+              <a:rPr lang="en-US" dirty="0"/>
               <a:t>Null Conditional Operators</a:t>
             </a:r>
           </a:p>
           <a:p>
             <a:r>
-              <a:rPr lang="en-US" dirty="0" err="1" smtClean="0"/>
+              <a:rPr lang="en-US" dirty="0" err="1"/>
               <a:t>nameof</a:t>
             </a:r>
             <a:r>
-              <a:rPr lang="en-US" dirty="0" smtClean="0"/>
+              <a:rPr lang="en-US" dirty="0"/>
               <a:t>() operator</a:t>
             </a:r>
           </a:p>
           <a:p>
             <a:r>
-              <a:rPr lang="en-US" dirty="0" smtClean="0"/>
+              <a:rPr lang="en-US" dirty="0"/>
               <a:t>Extension Add Methods in Collection Initializers</a:t>
             </a:r>
           </a:p>
           <a:p>
             <a:r>
-              <a:rPr lang="en-US" dirty="0" smtClean="0"/>
-              <a:t>Using </a:t>
-            </a:r>
-            <a:r>
               <a:rPr lang="en-US" dirty="0"/>
-              <a:t>Static and Using Extension Methods</a:t>
-            </a:r>
-          </a:p>
-          <a:p>
-            <a:r>
-              <a:rPr lang="en-US" dirty="0" smtClean="0"/>
-              <a:t>Exception </a:t>
-            </a:r>
+              <a:t>Using Static and Using Extension Methods</a:t>
+            </a:r>
+          </a:p>
+          <a:p>
             <a:r>
               <a:rPr lang="en-US" dirty="0"/>
-              <a:t>Filter</a:t>
+              <a:t>Exception Filter</a:t>
             </a:r>
           </a:p>
           <a:p>
             <a:r>
               <a:rPr lang="en-US" dirty="0"/>
-              <a:t>await in catch\finally </a:t>
-            </a:r>
-            <a:r>
-              <a:rPr lang="en-US" dirty="0" smtClean="0"/>
-              <a:t>block</a:t>
-            </a:r>
-            <a:endParaRPr lang="en-US" dirty="0"/>
+              <a:t>await in catch\finally block</a:t>
+            </a:r>
           </a:p>
         </p:txBody>
       </p:sp>
@@ -17670,18 +17827,9 @@
           <a:lstStyle/>
           <a:p>
             <a:r>
-              <a:rPr lang="en-US" dirty="0" smtClean="0"/>
-              <a:t>“Using Static” </a:t>
-            </a:r>
-            <a:r>
               <a:rPr lang="en-US" dirty="0"/>
-              <a:t>and </a:t>
-            </a:r>
-            <a:r>
-              <a:rPr lang="en-US" dirty="0" smtClean="0"/>
-              <a:t>“Using Extension Methods”</a:t>
-            </a:r>
-            <a:endParaRPr lang="en-US" dirty="0"/>
+              <a:t>“Using Static” and “Using Extension Methods”</a:t>
+            </a:r>
           </a:p>
         </p:txBody>
       </p:sp>
@@ -17706,10 +17854,9 @@
           <a:lstStyle/>
           <a:p>
             <a:r>
-              <a:rPr lang="en-US" dirty="0" smtClean="0"/>
+              <a:rPr lang="en-US" dirty="0"/>
               <a:t>A little strange, to be honest…</a:t>
             </a:r>
-            <a:endParaRPr lang="en-US" dirty="0"/>
           </a:p>
         </p:txBody>
       </p:sp>
@@ -19184,7 +19331,7 @@
           <a:lstStyle/>
           <a:p>
             <a:r>
-              <a:rPr lang="en-US" dirty="0" smtClean="0"/>
+              <a:rPr lang="en-US" dirty="0"/>
               <a:t>Basically fancy Dictionary&lt;T1,T2&gt;() initializer.</a:t>
             </a:r>
           </a:p>
@@ -19336,14 +19483,6 @@
               </a:rPr>
               <a:t> </a:t>
             </a:r>
-            <a:endParaRPr lang="en-US" sz="1400" dirty="0" smtClean="0">
-              <a:solidFill>
-                <a:srgbClr val="000000"/>
-              </a:solidFill>
-              <a:highlight>
-                <a:srgbClr val="FFFFFF"/>
-              </a:highlight>
-            </a:endParaRPr>
           </a:p>
           <a:p>
             <a:r>
@@ -19358,7 +19497,7 @@
               <a:t>	</a:t>
             </a:r>
             <a:r>
-              <a:rPr lang="en-US" sz="1400" dirty="0" err="1" smtClean="0">
+              <a:rPr lang="en-US" sz="1400" dirty="0" err="1">
                 <a:solidFill>
                   <a:srgbClr val="000000"/>
                 </a:solidFill>
@@ -20113,7 +20252,7 @@
               <a:t> </a:t>
             </a:r>
             <a:r>
-              <a:rPr lang="en-US" sz="1400" dirty="0" smtClean="0">
+              <a:rPr lang="en-US" sz="1400" dirty="0">
                 <a:solidFill>
                   <a:srgbClr val="8000FF"/>
                 </a:solidFill>
@@ -20124,7 +20263,7 @@
               <a:t>string</a:t>
             </a:r>
             <a:r>
-              <a:rPr lang="en-US" sz="1400" b="1" dirty="0" smtClean="0">
+              <a:rPr lang="en-US" sz="1400" b="1" dirty="0">
                 <a:solidFill>
                   <a:srgbClr val="000080"/>
                 </a:solidFill>
@@ -20135,7 +20274,7 @@
               <a:t>&gt;</a:t>
             </a:r>
             <a:r>
-              <a:rPr lang="en-US" sz="1400" dirty="0" smtClean="0">
+              <a:rPr lang="en-US" sz="1400" dirty="0">
                 <a:solidFill>
                   <a:srgbClr val="000000"/>
                 </a:solidFill>
@@ -20148,7 +20287,7 @@
           </a:p>
           <a:p>
             <a:r>
-              <a:rPr lang="en-US" sz="1400" dirty="0" smtClean="0">
+              <a:rPr lang="en-US" sz="1400" dirty="0">
                 <a:solidFill>
                   <a:srgbClr val="000000"/>
                 </a:solidFill>
@@ -20159,7 +20298,7 @@
               <a:t>	</a:t>
             </a:r>
             <a:r>
-              <a:rPr lang="en-US" sz="1400" dirty="0" err="1" smtClean="0">
+              <a:rPr lang="en-US" sz="1400" dirty="0" err="1">
                 <a:solidFill>
                   <a:srgbClr val="000000"/>
                 </a:solidFill>
@@ -20912,13 +21051,8 @@
             </a:r>
             <a:r>
               <a:rPr lang="en-US" dirty="0"/>
-              <a:t>() </a:t>
-            </a:r>
-            <a:r>
-              <a:rPr lang="en-US" dirty="0" smtClean="0"/>
-              <a:t>operator</a:t>
-            </a:r>
-            <a:endParaRPr lang="en-US" dirty="0"/>
+              <a:t>() operator</a:t>
+            </a:r>
           </a:p>
         </p:txBody>
       </p:sp>
@@ -20943,10 +21077,9 @@
           <a:lstStyle/>
           <a:p>
             <a:r>
-              <a:rPr lang="en-US" dirty="0" smtClean="0"/>
+              <a:rPr lang="en-US" dirty="0"/>
               <a:t>Pretty nifty – particularly for notification-type situations.</a:t>
             </a:r>
-            <a:endParaRPr lang="en-US" dirty="0"/>
           </a:p>
         </p:txBody>
       </p:sp>

--- a/Slides/CSharp-6-New-Language-Features.pptx
+++ b/Slides/CSharp-6-New-Language-Features.pptx
@@ -5,7 +5,7 @@
     <p:sldMasterId id="2147483660" r:id="rId1"/>
   </p:sldMasterIdLst>
   <p:notesMasterIdLst>
-    <p:notesMasterId r:id="rId30"/>
+    <p:notesMasterId r:id="rId29"/>
   </p:notesMasterIdLst>
   <p:sldIdLst>
     <p:sldId id="256" r:id="rId2"/>
@@ -34,8 +34,7 @@
     <p:sldId id="276" r:id="rId25"/>
     <p:sldId id="277" r:id="rId26"/>
     <p:sldId id="285" r:id="rId27"/>
-    <p:sldId id="283" r:id="rId28"/>
-    <p:sldId id="278" r:id="rId29"/>
+    <p:sldId id="278" r:id="rId28"/>
   </p:sldIdLst>
   <p:sldSz cx="12192000" cy="6858000"/>
   <p:notesSz cx="6858000" cy="9144000"/>
@@ -227,7 +226,7 @@
           <a:p>
             <a:fld id="{33E5E0E6-2657-4385-902D-2810122CB8F7}" type="datetimeFigureOut">
               <a:rPr lang="en-US" smtClean="0"/>
-              <a:t>8/5/2016</a:t>
+              <a:t>9/23/2016</a:t>
             </a:fld>
             <a:endParaRPr lang="en-US"/>
           </a:p>
@@ -589,7 +588,7 @@
             <a:fld id="{81331B57-0BE5-4F82-AA58-76F53EFF3ADA}" type="datetime8">
               <a:rPr lang="en-US" smtClean="0"/>
               <a:pPr/>
-              <a:t>8/5/2016 8:10 AM</a:t>
+              <a:t>9/23/2016 10:03 PM</a:t>
             </a:fld>
             <a:endParaRPr lang="en-US" dirty="0"/>
           </a:p>
@@ -1129,214 +1128,6 @@
 </p:notes>
 </file>
 
-<file path=ppt/notesSlides/notesSlide13.xml><?xml version="1.0" encoding="utf-8"?>
-<p:notes xmlns:a="http://schemas.openxmlformats.org/drawingml/2006/main" xmlns:r="http://schemas.openxmlformats.org/officeDocument/2006/relationships" xmlns:p="http://schemas.openxmlformats.org/presentationml/2006/main">
-  <p:cSld>
-    <p:spTree>
-      <p:nvGrpSpPr>
-        <p:cNvPr id="1" name=""/>
-        <p:cNvGrpSpPr/>
-        <p:nvPr/>
-      </p:nvGrpSpPr>
-      <p:grpSpPr>
-        <a:xfrm>
-          <a:off x="0" y="0"/>
-          <a:ext cx="0" cy="0"/>
-          <a:chOff x="0" y="0"/>
-          <a:chExt cx="0" cy="0"/>
-        </a:xfrm>
-      </p:grpSpPr>
-      <p:sp>
-        <p:nvSpPr>
-          <p:cNvPr id="2" name="Slide Image Placeholder 1"/>
-          <p:cNvSpPr>
-            <a:spLocks noGrp="1" noRot="1" noChangeAspect="1"/>
-          </p:cNvSpPr>
-          <p:nvPr>
-            <p:ph type="sldImg"/>
-          </p:nvPr>
-        </p:nvSpPr>
-        <p:spPr>
-          <a:xfrm>
-            <a:off x="685800" y="1143000"/>
-            <a:ext cx="5486400" cy="3086100"/>
-          </a:xfrm>
-        </p:spPr>
-      </p:sp>
-      <p:sp>
-        <p:nvSpPr>
-          <p:cNvPr id="3" name="Notes Placeholder 2"/>
-          <p:cNvSpPr>
-            <a:spLocks noGrp="1"/>
-          </p:cNvSpPr>
-          <p:nvPr>
-            <p:ph type="body" idx="1"/>
-          </p:nvPr>
-        </p:nvSpPr>
-        <p:spPr/>
-        <p:txBody>
-          <a:bodyPr>
-            <a:normAutofit/>
-          </a:bodyPr>
-          <a:lstStyle/>
-          <a:p>
-            <a:endParaRPr lang="en-US" dirty="0"/>
-          </a:p>
-        </p:txBody>
-      </p:sp>
-      <p:sp>
-        <p:nvSpPr>
-          <p:cNvPr id="4" name="Header Placeholder 3"/>
-          <p:cNvSpPr>
-            <a:spLocks noGrp="1"/>
-          </p:cNvSpPr>
-          <p:nvPr>
-            <p:ph type="hdr" sz="quarter" idx="10"/>
-          </p:nvPr>
-        </p:nvSpPr>
-        <p:spPr/>
-        <p:txBody>
-          <a:bodyPr/>
-          <a:lstStyle/>
-          <a:p>
-            <a:r>
-              <a:rPr lang="en-US" dirty="0"/>
-              <a:t>TechReady11</a:t>
-            </a:r>
-          </a:p>
-        </p:txBody>
-      </p:sp>
-      <p:sp>
-        <p:nvSpPr>
-          <p:cNvPr id="5" name="Date Placeholder 4"/>
-          <p:cNvSpPr>
-            <a:spLocks noGrp="1"/>
-          </p:cNvSpPr>
-          <p:nvPr>
-            <p:ph type="dt" idx="11"/>
-          </p:nvPr>
-        </p:nvSpPr>
-        <p:spPr/>
-        <p:txBody>
-          <a:bodyPr/>
-          <a:lstStyle/>
-          <a:p>
-            <a:fld id="{81331B57-0BE5-4F82-AA58-76F53EFF3ADA}" type="datetime8">
-              <a:rPr lang="en-US" smtClean="0"/>
-              <a:pPr/>
-              <a:t>8/5/2016 8:10 AM</a:t>
-            </a:fld>
-            <a:endParaRPr lang="en-US" dirty="0"/>
-          </a:p>
-        </p:txBody>
-      </p:sp>
-      <p:sp>
-        <p:nvSpPr>
-          <p:cNvPr id="6" name="Footer Placeholder 5"/>
-          <p:cNvSpPr>
-            <a:spLocks noGrp="1"/>
-          </p:cNvSpPr>
-          <p:nvPr>
-            <p:ph type="ftr" sz="quarter" idx="12"/>
-          </p:nvPr>
-        </p:nvSpPr>
-        <p:spPr>
-          <a:xfrm>
-            <a:off x="0" y="8685213"/>
-            <a:ext cx="6172200" cy="457200"/>
-          </a:xfrm>
-        </p:spPr>
-        <p:txBody>
-          <a:bodyPr/>
-          <a:lstStyle/>
-          <a:p>
-            <a:r>
-              <a:rPr lang="en-US" sz="500" dirty="0">
-                <a:solidFill>
-                  <a:srgbClr val="000000"/>
-                </a:solidFill>
-                <a:latin typeface="Segoe UI" pitchFamily="34" charset="0"/>
-              </a:rPr>
-              <a:t>© 2010 Microsoft Corporation. All rights reserved. Microsoft, Windows, Windows Vista and other product names are or may be registered trademarks and/or trademarks in the U.S. and/or other countries.</a:t>
-            </a:r>
-          </a:p>
-          <a:p>
-            <a:r>
-              <a:rPr lang="en-US" sz="500" dirty="0">
-                <a:solidFill>
-                  <a:srgbClr val="000000"/>
-                </a:solidFill>
-                <a:latin typeface="Segoe UI" pitchFamily="34" charset="0"/>
-              </a:rPr>
-              <a:t>The information herein is for informational purposes only and represents the current view of Microsoft Corporation as of the date of this presentation.  Because Microsoft must respond to changing market conditions, it should not be interpreted to be a commitment on the part of Microsoft, and Microsoft cannot guarantee the accuracy of any information provided after the date of this presentation.  </a:t>
-            </a:r>
-            <a:br>
-              <a:rPr lang="en-US" sz="500" dirty="0">
-                <a:solidFill>
-                  <a:srgbClr val="000000"/>
-                </a:solidFill>
-                <a:latin typeface="Segoe UI" pitchFamily="34" charset="0"/>
-              </a:rPr>
-            </a:br>
-            <a:r>
-              <a:rPr lang="en-US" sz="500" dirty="0">
-                <a:solidFill>
-                  <a:srgbClr val="000000"/>
-                </a:solidFill>
-                <a:latin typeface="Segoe UI" pitchFamily="34" charset="0"/>
-              </a:rPr>
-              <a:t>MICROSOFT MAKES NO WARRANTIES, EXPRESS, IMPLIED OR STATUTORY, AS TO THE INFORMATION IN THIS PRESENTATION.</a:t>
-            </a:r>
-          </a:p>
-          <a:p>
-            <a:endParaRPr lang="en-US" sz="500" dirty="0">
-              <a:latin typeface="Segoe UI" pitchFamily="34" charset="0"/>
-            </a:endParaRPr>
-          </a:p>
-        </p:txBody>
-      </p:sp>
-      <p:sp>
-        <p:nvSpPr>
-          <p:cNvPr id="7" name="Slide Number Placeholder 6"/>
-          <p:cNvSpPr>
-            <a:spLocks noGrp="1"/>
-          </p:cNvSpPr>
-          <p:nvPr>
-            <p:ph type="sldNum" sz="quarter" idx="13"/>
-          </p:nvPr>
-        </p:nvSpPr>
-        <p:spPr>
-          <a:xfrm>
-            <a:off x="6172199" y="8685213"/>
-            <a:ext cx="684213" cy="457200"/>
-          </a:xfrm>
-        </p:spPr>
-        <p:txBody>
-          <a:bodyPr/>
-          <a:lstStyle/>
-          <a:p>
-            <a:fld id="{EC87E0CF-87F6-4B58-B8B8-DCAB2DAAF3CA}" type="slidenum">
-              <a:rPr lang="en-US" smtClean="0"/>
-              <a:pPr/>
-              <a:t>27</a:t>
-            </a:fld>
-            <a:endParaRPr lang="en-US" dirty="0"/>
-          </a:p>
-        </p:txBody>
-      </p:sp>
-    </p:spTree>
-    <p:extLst>
-      <p:ext uri="{BB962C8B-B14F-4D97-AF65-F5344CB8AC3E}">
-        <p14:creationId xmlns:p14="http://schemas.microsoft.com/office/powerpoint/2010/main" val="4226960380"/>
-      </p:ext>
-    </p:extLst>
-  </p:cSld>
-  <p:clrMapOvr>
-    <a:masterClrMapping/>
-  </p:clrMapOvr>
-</p:notes>
-</file>
-
 <file path=ppt/notesSlides/notesSlide2.xml><?xml version="1.0" encoding="utf-8"?>
 <p:notes xmlns:a="http://schemas.openxmlformats.org/drawingml/2006/main" xmlns:r="http://schemas.openxmlformats.org/officeDocument/2006/relationships" xmlns:p="http://schemas.openxmlformats.org/presentationml/2006/main">
   <p:cSld>
@@ -2433,7 +2224,7 @@
           <a:p>
             <a:fld id="{0EE1B543-F909-4FF1-B2FE-428AB4A87B52}" type="datetime1">
               <a:rPr lang="en-US" smtClean="0"/>
-              <a:t>8/5/2016</a:t>
+              <a:t>9/23/2016</a:t>
             </a:fld>
             <a:endParaRPr lang="en-US" dirty="0"/>
           </a:p>
@@ -2720,7 +2511,7 @@
           <a:p>
             <a:fld id="{B6E37EB7-D403-45A2-AB5E-D280C516BC85}" type="datetime1">
               <a:rPr lang="en-US" smtClean="0"/>
-              <a:t>8/5/2016</a:t>
+              <a:t>9/23/2016</a:t>
             </a:fld>
             <a:endParaRPr lang="en-US" dirty="0"/>
           </a:p>
@@ -3011,7 +2802,7 @@
           <a:p>
             <a:fld id="{78D6D4BB-0428-4E19-B8E6-33EBEF93452B}" type="datetime1">
               <a:rPr lang="en-US" smtClean="0"/>
-              <a:t>8/5/2016</a:t>
+              <a:t>9/23/2016</a:t>
             </a:fld>
             <a:endParaRPr lang="en-US" dirty="0"/>
           </a:p>
@@ -3344,7 +3135,7 @@
           <a:p>
             <a:fld id="{E2EB21BC-B6B7-45A0-831A-39A08F64FEEE}" type="datetime1">
               <a:rPr lang="en-US" smtClean="0"/>
-              <a:t>8/5/2016</a:t>
+              <a:t>9/23/2016</a:t>
             </a:fld>
             <a:endParaRPr lang="en-US" dirty="0"/>
           </a:p>
@@ -3703,7 +3494,7 @@
           <a:p>
             <a:fld id="{D01B1534-8D07-4037-A73D-B2B2270F597C}" type="datetime1">
               <a:rPr lang="en-US" smtClean="0"/>
-              <a:t>8/5/2016</a:t>
+              <a:t>9/23/2016</a:t>
             </a:fld>
             <a:endParaRPr lang="en-US" dirty="0"/>
           </a:p>
@@ -4047,7 +3838,7 @@
           <a:p>
             <a:fld id="{3BA250D4-12A0-43C8-A1CF-99BCBDD8B988}" type="datetime1">
               <a:rPr lang="en-US" smtClean="0"/>
-              <a:t>8/5/2016</a:t>
+              <a:t>9/23/2016</a:t>
             </a:fld>
             <a:endParaRPr lang="en-US" dirty="0"/>
           </a:p>
@@ -4539,7 +4330,7 @@
           <a:p>
             <a:fld id="{E59661DB-8378-4CD0-AFBE-01F12CFCF0EB}" type="datetime1">
               <a:rPr lang="en-US" smtClean="0"/>
-              <a:t>8/5/2016</a:t>
+              <a:t>9/23/2016</a:t>
             </a:fld>
             <a:endParaRPr lang="en-US" dirty="0"/>
           </a:p>
@@ -4764,7 +4555,7 @@
           <a:p>
             <a:fld id="{47978105-B0CE-4596-84BB-C9F093A62A71}" type="datetime1">
               <a:rPr lang="en-US" smtClean="0"/>
-              <a:t>8/5/2016</a:t>
+              <a:t>9/23/2016</a:t>
             </a:fld>
             <a:endParaRPr lang="en-US" dirty="0"/>
           </a:p>
@@ -4966,7 +4757,7 @@
           <a:p>
             <a:fld id="{525E11DF-B9CA-48C5-81E6-337899557DC2}" type="datetime1">
               <a:rPr lang="en-US" smtClean="0"/>
-              <a:t>8/5/2016</a:t>
+              <a:t>9/23/2016</a:t>
             </a:fld>
             <a:endParaRPr lang="en-US" dirty="0"/>
           </a:p>
@@ -5284,7 +5075,7 @@
           <a:p>
             <a:fld id="{4803EA06-4E45-4653-A29C-5A7E490F3733}" type="datetime1">
               <a:rPr lang="en-US" smtClean="0"/>
-              <a:t>8/5/2016</a:t>
+              <a:t>9/23/2016</a:t>
             </a:fld>
             <a:endParaRPr lang="en-US" dirty="0"/>
           </a:p>
@@ -5811,7 +5602,7 @@
           <a:p>
             <a:fld id="{2DB3552D-7290-43DD-AD07-60F561629260}" type="datetime1">
               <a:rPr lang="en-US" smtClean="0"/>
-              <a:t>8/5/2016</a:t>
+              <a:t>9/23/2016</a:t>
             </a:fld>
             <a:endParaRPr lang="en-US" dirty="0"/>
           </a:p>
@@ -6259,7 +6050,7 @@
           <a:p>
             <a:fld id="{BC367024-4554-4F1F-91AB-08006E299A3C}" type="datetime1">
               <a:rPr lang="en-US" smtClean="0"/>
-              <a:t>8/5/2016</a:t>
+              <a:t>9/23/2016</a:t>
             </a:fld>
             <a:endParaRPr lang="en-US" dirty="0"/>
           </a:p>
@@ -14171,7 +13962,7 @@
       </p:sp>
       <p:pic>
         <p:nvPicPr>
-          <p:cNvPr id="8" name="Picture 7"/>
+          <p:cNvPr id="4" name="Picture 3"/>
           <p:cNvPicPr>
             <a:picLocks noChangeAspect="1"/>
           </p:cNvPicPr>
@@ -14185,8 +13976,8 @@
         </p:blipFill>
         <p:spPr>
           <a:xfrm>
-            <a:off x="1267298" y="1013401"/>
-            <a:ext cx="4748212" cy="3038855"/>
+            <a:off x="1524000" y="1690329"/>
+            <a:ext cx="5753100" cy="3416300"/>
           </a:xfrm>
           <a:prstGeom prst="rect">
             <a:avLst/>
@@ -14195,7 +13986,7 @@
       </p:pic>
       <p:pic>
         <p:nvPicPr>
-          <p:cNvPr id="9" name="Picture 8"/>
+          <p:cNvPr id="5" name="Picture 4"/>
           <p:cNvPicPr>
             <a:picLocks noChangeAspect="1"/>
           </p:cNvPicPr>
@@ -14209,8 +14000,8 @@
         </p:blipFill>
         <p:spPr>
           <a:xfrm>
-            <a:off x="1267298" y="4342800"/>
-            <a:ext cx="4754880" cy="609600"/>
+            <a:off x="7738665" y="1947699"/>
+            <a:ext cx="2139734" cy="1194917"/>
           </a:xfrm>
           <a:prstGeom prst="rect">
             <a:avLst/>
@@ -14219,7 +14010,7 @@
       </p:pic>
       <p:pic>
         <p:nvPicPr>
-          <p:cNvPr id="2" name="Picture 1"/>
+          <p:cNvPr id="7" name="Picture 6"/>
           <p:cNvPicPr>
             <a:picLocks noChangeAspect="1"/>
           </p:cNvPicPr>
@@ -14233,8 +14024,32 @@
         </p:blipFill>
         <p:spPr>
           <a:xfrm>
-            <a:off x="6674650" y="1013405"/>
-            <a:ext cx="1317864" cy="5536263"/>
+            <a:off x="7733054" y="4965784"/>
+            <a:ext cx="2299391" cy="919757"/>
+          </a:xfrm>
+          <a:prstGeom prst="rect">
+            <a:avLst/>
+          </a:prstGeom>
+        </p:spPr>
+      </p:pic>
+      <p:pic>
+        <p:nvPicPr>
+          <p:cNvPr id="10" name="Picture 9"/>
+          <p:cNvPicPr>
+            <a:picLocks noChangeAspect="1"/>
+          </p:cNvPicPr>
+          <p:nvPr/>
+        </p:nvPicPr>
+        <p:blipFill>
+          <a:blip r:embed="rId6"/>
+          <a:stretch>
+            <a:fillRect/>
+          </a:stretch>
+        </p:blipFill>
+        <p:spPr>
+          <a:xfrm>
+            <a:off x="7733054" y="3464211"/>
+            <a:ext cx="3754480" cy="1179978"/>
           </a:xfrm>
           <a:prstGeom prst="rect">
             <a:avLst/>
@@ -17425,63 +17240,29 @@
           </a:p>
         </p:txBody>
       </p:sp>
-      <p:sp>
-        <p:nvSpPr>
-          <p:cNvPr id="3" name="Content Placeholder 2"/>
-          <p:cNvSpPr>
-            <a:spLocks noGrp="1"/>
-          </p:cNvSpPr>
+      <p:pic>
+        <p:nvPicPr>
+          <p:cNvPr id="4" name="Content Placeholder 3"/>
+          <p:cNvPicPr>
+            <a:picLocks noGrp="1" noChangeAspect="1"/>
+          </p:cNvPicPr>
           <p:nvPr>
             <p:ph idx="1"/>
           </p:nvPr>
-        </p:nvSpPr>
-        <p:spPr/>
-        <p:txBody>
-          <a:bodyPr>
-            <a:normAutofit/>
-          </a:bodyPr>
-          <a:lstStyle/>
-          <a:p>
-            <a:r>
-              <a:rPr lang="en-US" dirty="0">
-                <a:hlinkClick r:id="rId2"/>
-              </a:rPr>
-              <a:t>http://TulsaTechFest.com</a:t>
-            </a:r>
-            <a:r>
-              <a:rPr lang="en-US" dirty="0"/>
-              <a:t> </a:t>
-            </a:r>
-          </a:p>
-          <a:p>
-            <a:r>
-              <a:rPr lang="en-US" dirty="0"/>
-              <a:t>Fill them out!</a:t>
-            </a:r>
-          </a:p>
-          <a:p>
-            <a:r>
-              <a:rPr lang="en-US" dirty="0"/>
-              <a:t>You can win additional prizes!</a:t>
-            </a:r>
-          </a:p>
-          <a:p>
-            <a:r>
-              <a:rPr lang="en-US" dirty="0"/>
-              <a:t>Like a $50 Best Buy Gift Card!!</a:t>
-            </a:r>
-          </a:p>
-          <a:p>
-            <a:r>
-              <a:rPr lang="en-US" dirty="0"/>
-              <a:t>Winner drawn – Midnight, Sun Aug 7th!</a:t>
-            </a:r>
-          </a:p>
-          <a:p>
-            <a:endParaRPr lang="en-US" dirty="0"/>
-          </a:p>
-        </p:txBody>
-      </p:sp>
+        </p:nvPicPr>
+        <p:blipFill>
+          <a:blip r:embed="rId2"/>
+          <a:stretch>
+            <a:fillRect/>
+          </a:stretch>
+        </p:blipFill>
+        <p:spPr>
+          <a:xfrm>
+            <a:off x="3908383" y="2002563"/>
+            <a:ext cx="3382753" cy="3382753"/>
+          </a:xfrm>
+        </p:spPr>
+      </p:pic>
     </p:spTree>
     <p:extLst>
       <p:ext uri="{BB962C8B-B14F-4D97-AF65-F5344CB8AC3E}">
@@ -17496,169 +17277,6 @@
 </file>
 
 <file path=ppt/slides/slide27.xml><?xml version="1.0" encoding="utf-8"?>
-<p:sld xmlns:a="http://schemas.openxmlformats.org/drawingml/2006/main" xmlns:r="http://schemas.openxmlformats.org/officeDocument/2006/relationships" xmlns:p="http://schemas.openxmlformats.org/presentationml/2006/main">
-  <p:cSld>
-    <p:spTree>
-      <p:nvGrpSpPr>
-        <p:cNvPr id="1" name=""/>
-        <p:cNvGrpSpPr/>
-        <p:nvPr/>
-      </p:nvGrpSpPr>
-      <p:grpSpPr>
-        <a:xfrm>
-          <a:off x="0" y="0"/>
-          <a:ext cx="0" cy="0"/>
-          <a:chOff x="0" y="0"/>
-          <a:chExt cx="0" cy="0"/>
-        </a:xfrm>
-      </p:grpSpPr>
-      <p:sp>
-        <p:nvSpPr>
-          <p:cNvPr id="3" name="TextBox 2"/>
-          <p:cNvSpPr txBox="1"/>
-          <p:nvPr/>
-        </p:nvSpPr>
-        <p:spPr>
-          <a:xfrm>
-            <a:off x="7733054" y="951665"/>
-            <a:ext cx="4074911" cy="738664"/>
-          </a:xfrm>
-          <a:prstGeom prst="rect">
-            <a:avLst/>
-          </a:prstGeom>
-          <a:noFill/>
-        </p:spPr>
-        <p:txBody>
-          <a:bodyPr wrap="square" lIns="0" tIns="0" rIns="0" bIns="0" rtlCol="0">
-            <a:spAutoFit/>
-          </a:bodyPr>
-          <a:lstStyle/>
-          <a:p>
-            <a:pPr algn="ctr"/>
-            <a:r>
-              <a:rPr lang="en-US" sz="2400" b="1" dirty="0">
-                <a:gradFill>
-                  <a:gsLst>
-                    <a:gs pos="0">
-                      <a:schemeClr val="tx1"/>
-                    </a:gs>
-                    <a:gs pos="86000">
-                      <a:schemeClr val="tx1"/>
-                    </a:gs>
-                  </a:gsLst>
-                  <a:lin ang="5400000" scaled="0"/>
-                </a:gradFill>
-              </a:rPr>
-              <a:t>Please help us!</a:t>
-            </a:r>
-          </a:p>
-          <a:p>
-            <a:pPr algn="ctr"/>
-            <a:r>
-              <a:rPr lang="en-US" sz="2400" b="1" dirty="0">
-                <a:gradFill>
-                  <a:gsLst>
-                    <a:gs pos="0">
-                      <a:schemeClr val="tx1"/>
-                    </a:gs>
-                    <a:gs pos="86000">
-                      <a:schemeClr val="tx1"/>
-                    </a:gs>
-                  </a:gsLst>
-                  <a:lin ang="5400000" scaled="0"/>
-                </a:gradFill>
-              </a:rPr>
-              <a:t>Thank our Sponsors:</a:t>
-            </a:r>
-          </a:p>
-        </p:txBody>
-      </p:sp>
-      <p:pic>
-        <p:nvPicPr>
-          <p:cNvPr id="8" name="Picture 7"/>
-          <p:cNvPicPr>
-            <a:picLocks noChangeAspect="1"/>
-          </p:cNvPicPr>
-          <p:nvPr/>
-        </p:nvPicPr>
-        <p:blipFill>
-          <a:blip r:embed="rId3"/>
-          <a:stretch>
-            <a:fillRect/>
-          </a:stretch>
-        </p:blipFill>
-        <p:spPr>
-          <a:xfrm>
-            <a:off x="1267298" y="1013401"/>
-            <a:ext cx="4748212" cy="3038855"/>
-          </a:xfrm>
-          <a:prstGeom prst="rect">
-            <a:avLst/>
-          </a:prstGeom>
-        </p:spPr>
-      </p:pic>
-      <p:pic>
-        <p:nvPicPr>
-          <p:cNvPr id="9" name="Picture 8"/>
-          <p:cNvPicPr>
-            <a:picLocks noChangeAspect="1"/>
-          </p:cNvPicPr>
-          <p:nvPr/>
-        </p:nvPicPr>
-        <p:blipFill>
-          <a:blip r:embed="rId4"/>
-          <a:stretch>
-            <a:fillRect/>
-          </a:stretch>
-        </p:blipFill>
-        <p:spPr>
-          <a:xfrm>
-            <a:off x="1267298" y="4342800"/>
-            <a:ext cx="4754880" cy="609600"/>
-          </a:xfrm>
-          <a:prstGeom prst="rect">
-            <a:avLst/>
-          </a:prstGeom>
-        </p:spPr>
-      </p:pic>
-      <p:pic>
-        <p:nvPicPr>
-          <p:cNvPr id="2" name="Picture 1"/>
-          <p:cNvPicPr>
-            <a:picLocks noChangeAspect="1"/>
-          </p:cNvPicPr>
-          <p:nvPr/>
-        </p:nvPicPr>
-        <p:blipFill>
-          <a:blip r:embed="rId5"/>
-          <a:stretch>
-            <a:fillRect/>
-          </a:stretch>
-        </p:blipFill>
-        <p:spPr>
-          <a:xfrm>
-            <a:off x="6674650" y="1013405"/>
-            <a:ext cx="1317864" cy="5536263"/>
-          </a:xfrm>
-          <a:prstGeom prst="rect">
-            <a:avLst/>
-          </a:prstGeom>
-        </p:spPr>
-      </p:pic>
-    </p:spTree>
-    <p:extLst>
-      <p:ext uri="{BB962C8B-B14F-4D97-AF65-F5344CB8AC3E}">
-        <p14:creationId xmlns:p14="http://schemas.microsoft.com/office/powerpoint/2010/main" val="2917082535"/>
-      </p:ext>
-    </p:extLst>
-  </p:cSld>
-  <p:clrMapOvr>
-    <a:masterClrMapping/>
-  </p:clrMapOvr>
-</p:sld>
-</file>
-
-<file path=ppt/slides/slide28.xml><?xml version="1.0" encoding="utf-8"?>
 <p:sld xmlns:a="http://schemas.openxmlformats.org/drawingml/2006/main" xmlns:r="http://schemas.openxmlformats.org/officeDocument/2006/relationships" xmlns:p="http://schemas.openxmlformats.org/presentationml/2006/main">
   <p:cSld>
     <p:spTree>
@@ -17879,12 +17497,6 @@
             <a:r>
               <a:rPr lang="en-US" dirty="0"/>
               <a:t>Bathrooms</a:t>
-            </a:r>
-          </a:p>
-          <a:p>
-            <a:r>
-              <a:rPr lang="en-US" dirty="0"/>
-              <a:t>Internet – OSU-WIRELESS</a:t>
             </a:r>
           </a:p>
         </p:txBody>
